--- a/TEFR-Epoxy Resin Strategic Recommendations.pptx
+++ b/TEFR-Epoxy Resin Strategic Recommendations.pptx
@@ -292,7 +292,7 @@
           <a:p>
             <a:fld id="{41A066CB-0DC8-41C8-A5A3-B5CCD896A458}" type="datetimeFigureOut">
               <a:rPr lang="en-US" smtClean="0"/>
-              <a:t>11/17/2021</a:t>
+              <a:t>10/25/2021</a:t>
             </a:fld>
             <a:endParaRPr lang="en-US" dirty="0"/>
           </a:p>
@@ -929,7 +929,7 @@
           <a:p>
             <a:fld id="{B1A9A785-103B-4B53-B232-DC2BA94190A7}" type="datetimeFigureOut">
               <a:rPr lang="en-US" smtClean="0"/>
-              <a:t>11/17/2021</a:t>
+              <a:t>10/25/2021</a:t>
             </a:fld>
             <a:endParaRPr lang="en-US" dirty="0"/>
           </a:p>
@@ -1099,7 +1099,7 @@
           <a:p>
             <a:fld id="{B1A9A785-103B-4B53-B232-DC2BA94190A7}" type="datetimeFigureOut">
               <a:rPr lang="en-US" smtClean="0"/>
-              <a:t>11/17/2021</a:t>
+              <a:t>10/25/2021</a:t>
             </a:fld>
             <a:endParaRPr lang="en-US" dirty="0"/>
           </a:p>
@@ -1279,7 +1279,7 @@
           <a:p>
             <a:fld id="{B1A9A785-103B-4B53-B232-DC2BA94190A7}" type="datetimeFigureOut">
               <a:rPr lang="en-US" smtClean="0"/>
-              <a:t>11/17/2021</a:t>
+              <a:t>10/25/2021</a:t>
             </a:fld>
             <a:endParaRPr lang="en-US" dirty="0"/>
           </a:p>
@@ -2673,7 +2673,7 @@
           <a:p>
             <a:fld id="{B1A9A785-103B-4B53-B232-DC2BA94190A7}" type="datetimeFigureOut">
               <a:rPr lang="en-US" smtClean="0"/>
-              <a:t>11/17/2021</a:t>
+              <a:t>10/25/2021</a:t>
             </a:fld>
             <a:endParaRPr lang="en-US" dirty="0"/>
           </a:p>
@@ -2917,7 +2917,7 @@
           <a:p>
             <a:fld id="{B1A9A785-103B-4B53-B232-DC2BA94190A7}" type="datetimeFigureOut">
               <a:rPr lang="en-US" smtClean="0"/>
-              <a:t>11/17/2021</a:t>
+              <a:t>10/25/2021</a:t>
             </a:fld>
             <a:endParaRPr lang="en-US" dirty="0"/>
           </a:p>
@@ -3149,7 +3149,7 @@
           <a:p>
             <a:fld id="{B1A9A785-103B-4B53-B232-DC2BA94190A7}" type="datetimeFigureOut">
               <a:rPr lang="en-US" smtClean="0"/>
-              <a:t>11/17/2021</a:t>
+              <a:t>10/25/2021</a:t>
             </a:fld>
             <a:endParaRPr lang="en-US" dirty="0"/>
           </a:p>
@@ -3516,7 +3516,7 @@
           <a:p>
             <a:fld id="{B1A9A785-103B-4B53-B232-DC2BA94190A7}" type="datetimeFigureOut">
               <a:rPr lang="en-US" smtClean="0"/>
-              <a:t>11/17/2021</a:t>
+              <a:t>10/25/2021</a:t>
             </a:fld>
             <a:endParaRPr lang="en-US" dirty="0"/>
           </a:p>
@@ -3634,7 +3634,7 @@
           <a:p>
             <a:fld id="{B1A9A785-103B-4B53-B232-DC2BA94190A7}" type="datetimeFigureOut">
               <a:rPr lang="en-US" smtClean="0"/>
-              <a:t>11/17/2021</a:t>
+              <a:t>10/25/2021</a:t>
             </a:fld>
             <a:endParaRPr lang="en-US" dirty="0"/>
           </a:p>
@@ -3729,7 +3729,7 @@
           <a:p>
             <a:fld id="{B1A9A785-103B-4B53-B232-DC2BA94190A7}" type="datetimeFigureOut">
               <a:rPr lang="en-US" smtClean="0"/>
-              <a:t>11/17/2021</a:t>
+              <a:t>10/25/2021</a:t>
             </a:fld>
             <a:endParaRPr lang="en-US" dirty="0"/>
           </a:p>
@@ -4042,7 +4042,7 @@
           <a:p>
             <a:fld id="{B1A9A785-103B-4B53-B232-DC2BA94190A7}" type="datetimeFigureOut">
               <a:rPr lang="en-US" smtClean="0"/>
-              <a:t>11/17/2021</a:t>
+              <a:t>10/25/2021</a:t>
             </a:fld>
             <a:endParaRPr lang="en-US" dirty="0"/>
           </a:p>
@@ -4298,7 +4298,7 @@
           <a:p>
             <a:fld id="{B1A9A785-103B-4B53-B232-DC2BA94190A7}" type="datetimeFigureOut">
               <a:rPr lang="en-US" smtClean="0"/>
-              <a:t>11/17/2021</a:t>
+              <a:t>10/25/2021</a:t>
             </a:fld>
             <a:endParaRPr lang="en-US" dirty="0"/>
           </a:p>
@@ -4511,7 +4511,7 @@
           <a:p>
             <a:fld id="{B1A9A785-103B-4B53-B232-DC2BA94190A7}" type="datetimeFigureOut">
               <a:rPr lang="en-US" smtClean="0"/>
-              <a:t>11/17/2021</a:t>
+              <a:t>10/25/2021</a:t>
             </a:fld>
             <a:endParaRPr lang="en-US" dirty="0"/>
           </a:p>
@@ -8070,8 +8070,8 @@
         </p:nvSpPr>
         <p:spPr>
           <a:xfrm>
-            <a:off x="4127578" y="572612"/>
-            <a:ext cx="4986759" cy="2908168"/>
+            <a:off x="4570048" y="572612"/>
+            <a:ext cx="4544289" cy="3139001"/>
           </a:xfrm>
           <a:prstGeom prst="rect">
             <a:avLst/>
@@ -8253,6 +8253,1040 @@
           </a:p>
         </p:txBody>
       </p:sp>
+      <p:graphicFrame>
+        <p:nvGraphicFramePr>
+          <p:cNvPr id="10" name="Table 9">
+            <a:extLst>
+              <a:ext uri="{FF2B5EF4-FFF2-40B4-BE49-F238E27FC236}">
+                <a16:creationId xmlns:a16="http://schemas.microsoft.com/office/drawing/2014/main" id="{4A981CE6-5F1D-4F94-9B80-AB90284712E2}"/>
+              </a:ext>
+            </a:extLst>
+          </p:cNvPr>
+          <p:cNvGraphicFramePr>
+            <a:graphicFrameLocks noGrp="1"/>
+          </p:cNvGraphicFramePr>
+          <p:nvPr>
+            <p:extLst>
+              <p:ext uri="{D42A27DB-BD31-4B8C-83A1-F6EECF244321}">
+                <p14:modId xmlns:p14="http://schemas.microsoft.com/office/powerpoint/2010/main" val="428998481"/>
+              </p:ext>
+            </p:extLst>
+          </p:nvPr>
+        </p:nvGraphicFramePr>
+        <p:xfrm>
+          <a:off x="4543862" y="3765619"/>
+          <a:ext cx="4567392" cy="3194813"/>
+        </p:xfrm>
+        <a:graphic>
+          <a:graphicData uri="http://schemas.openxmlformats.org/drawingml/2006/table">
+            <a:tbl>
+              <a:tblPr firstRow="1" bandRow="1">
+                <a:tableStyleId>{5C22544A-7EE6-4342-B048-85BDC9FD1C3A}</a:tableStyleId>
+              </a:tblPr>
+              <a:tblGrid>
+                <a:gridCol w="1893178">
+                  <a:extLst>
+                    <a:ext uri="{9D8B030D-6E8A-4147-A177-3AD203B41FA5}">
+                      <a16:colId xmlns:a16="http://schemas.microsoft.com/office/drawing/2014/main" val="2370975456"/>
+                    </a:ext>
+                  </a:extLst>
+                </a:gridCol>
+                <a:gridCol w="1397885">
+                  <a:extLst>
+                    <a:ext uri="{9D8B030D-6E8A-4147-A177-3AD203B41FA5}">
+                      <a16:colId xmlns:a16="http://schemas.microsoft.com/office/drawing/2014/main" val="373504134"/>
+                    </a:ext>
+                  </a:extLst>
+                </a:gridCol>
+                <a:gridCol w="1276329">
+                  <a:extLst>
+                    <a:ext uri="{9D8B030D-6E8A-4147-A177-3AD203B41FA5}">
+                      <a16:colId xmlns:a16="http://schemas.microsoft.com/office/drawing/2014/main" val="1977873727"/>
+                    </a:ext>
+                  </a:extLst>
+                </a:gridCol>
+              </a:tblGrid>
+              <a:tr h="501719">
+                <a:tc>
+                  <a:txBody>
+                    <a:bodyPr/>
+                    <a:lstStyle/>
+                    <a:p>
+                      <a:pPr algn="ctr">
+                        <a:lnSpc>
+                          <a:spcPct val="107000"/>
+                        </a:lnSpc>
+                      </a:pPr>
+                      <a:r>
+                        <a:rPr lang="en-US" sz="1000" dirty="0">
+                          <a:effectLst/>
+                          <a:latin typeface="Verdana" panose="020B0604030504040204" pitchFamily="34" charset="0"/>
+                          <a:ea typeface="Verdana" panose="020B0604030504040204" pitchFamily="34" charset="0"/>
+                        </a:rPr>
+                        <a:t>Name of the Product </a:t>
+                      </a:r>
+                      <a:endParaRPr lang="en-IN" sz="1100" dirty="0">
+                        <a:effectLst/>
+                        <a:latin typeface="Verdana" panose="020B0604030504040204" pitchFamily="34" charset="0"/>
+                        <a:ea typeface="Verdana" panose="020B0604030504040204" pitchFamily="34" charset="0"/>
+                        <a:cs typeface="Times New Roman" panose="02020603050405020304" pitchFamily="18" charset="0"/>
+                      </a:endParaRPr>
+                    </a:p>
+                  </a:txBody>
+                  <a:tcPr anchor="ctr"/>
+                </a:tc>
+                <a:tc>
+                  <a:txBody>
+                    <a:bodyPr/>
+                    <a:lstStyle/>
+                    <a:p>
+                      <a:pPr marL="0" algn="ctr" defTabSz="914400" rtl="0" eaLnBrk="1" latinLnBrk="0" hangingPunct="1">
+                        <a:lnSpc>
+                          <a:spcPct val="107000"/>
+                        </a:lnSpc>
+                        <a:spcAft>
+                          <a:spcPts val="800"/>
+                        </a:spcAft>
+                      </a:pPr>
+                      <a:r>
+                        <a:rPr lang="en-US" sz="1000" b="1" kern="1200" dirty="0">
+                          <a:solidFill>
+                            <a:schemeClr val="lt1"/>
+                          </a:solidFill>
+                          <a:effectLst/>
+                          <a:latin typeface="Verdana" panose="020B0604030504040204" pitchFamily="34" charset="0"/>
+                          <a:ea typeface="Verdana" panose="020B0604030504040204" pitchFamily="34" charset="0"/>
+                          <a:cs typeface="+mn-cs"/>
+                        </a:rPr>
+                        <a:t>2025</a:t>
+                      </a:r>
+                      <a:endParaRPr lang="en-IN" sz="1000" b="1" kern="1200" dirty="0">
+                        <a:solidFill>
+                          <a:schemeClr val="lt1"/>
+                        </a:solidFill>
+                        <a:effectLst/>
+                        <a:latin typeface="Verdana" panose="020B0604030504040204" pitchFamily="34" charset="0"/>
+                        <a:ea typeface="Verdana" panose="020B0604030504040204" pitchFamily="34" charset="0"/>
+                        <a:cs typeface="+mn-cs"/>
+                      </a:endParaRPr>
+                    </a:p>
+                  </a:txBody>
+                  <a:tcPr anchor="ctr"/>
+                </a:tc>
+                <a:tc>
+                  <a:txBody>
+                    <a:bodyPr/>
+                    <a:lstStyle/>
+                    <a:p>
+                      <a:pPr marL="0" algn="ctr" defTabSz="914400" rtl="0" eaLnBrk="1" latinLnBrk="0" hangingPunct="1">
+                        <a:lnSpc>
+                          <a:spcPct val="107000"/>
+                        </a:lnSpc>
+                        <a:spcAft>
+                          <a:spcPts val="800"/>
+                        </a:spcAft>
+                      </a:pPr>
+                      <a:r>
+                        <a:rPr lang="en-US" sz="1000" b="1" kern="1200" dirty="0">
+                          <a:solidFill>
+                            <a:schemeClr val="lt1"/>
+                          </a:solidFill>
+                          <a:effectLst/>
+                          <a:latin typeface="Verdana" panose="020B0604030504040204" pitchFamily="34" charset="0"/>
+                          <a:ea typeface="Verdana" panose="020B0604030504040204" pitchFamily="34" charset="0"/>
+                          <a:cs typeface="+mn-cs"/>
+                        </a:rPr>
+                        <a:t>2030 (Additional Capacity)</a:t>
+                      </a:r>
+                      <a:endParaRPr lang="en-IN" sz="1000" b="1" kern="1200" dirty="0">
+                        <a:solidFill>
+                          <a:schemeClr val="lt1"/>
+                        </a:solidFill>
+                        <a:effectLst/>
+                        <a:latin typeface="Verdana" panose="020B0604030504040204" pitchFamily="34" charset="0"/>
+                        <a:ea typeface="Verdana" panose="020B0604030504040204" pitchFamily="34" charset="0"/>
+                        <a:cs typeface="+mn-cs"/>
+                      </a:endParaRPr>
+                    </a:p>
+                  </a:txBody>
+                  <a:tcPr anchor="ctr"/>
+                </a:tc>
+                <a:extLst>
+                  <a:ext uri="{0D108BD9-81ED-4DB2-BD59-A6C34878D82A}">
+                    <a16:rowId xmlns:a16="http://schemas.microsoft.com/office/drawing/2014/main" val="2094072979"/>
+                  </a:ext>
+                </a:extLst>
+              </a:tr>
+              <a:tr h="219097">
+                <a:tc gridSpan="3">
+                  <a:txBody>
+                    <a:bodyPr/>
+                    <a:lstStyle/>
+                    <a:p>
+                      <a:pPr algn="r">
+                        <a:lnSpc>
+                          <a:spcPct val="107000"/>
+                        </a:lnSpc>
+                        <a:spcAft>
+                          <a:spcPts val="800"/>
+                        </a:spcAft>
+                      </a:pPr>
+                      <a:r>
+                        <a:rPr lang="en-US" sz="1000" dirty="0">
+                          <a:effectLst/>
+                        </a:rPr>
+                        <a:t>Value in Thousand Tonnes</a:t>
+                      </a:r>
+                      <a:endParaRPr lang="en-IN" sz="1100" dirty="0">
+                        <a:effectLst/>
+                        <a:latin typeface="Calibri" panose="020F0502020204030204" pitchFamily="34" charset="0"/>
+                        <a:ea typeface="Calibri" panose="020F0502020204030204" pitchFamily="34" charset="0"/>
+                        <a:cs typeface="Times New Roman" panose="02020603050405020304" pitchFamily="18" charset="0"/>
+                      </a:endParaRPr>
+                    </a:p>
+                  </a:txBody>
+                  <a:tcPr anchor="ctr"/>
+                </a:tc>
+                <a:tc hMerge="1">
+                  <a:txBody>
+                    <a:bodyPr/>
+                    <a:lstStyle/>
+                    <a:p>
+                      <a:endParaRPr lang="en-IN"/>
+                    </a:p>
+                  </a:txBody>
+                  <a:tcPr/>
+                </a:tc>
+                <a:tc hMerge="1">
+                  <a:txBody>
+                    <a:bodyPr/>
+                    <a:lstStyle/>
+                    <a:p>
+                      <a:endParaRPr lang="en-IN"/>
+                    </a:p>
+                  </a:txBody>
+                  <a:tcPr/>
+                </a:tc>
+                <a:extLst>
+                  <a:ext uri="{0D108BD9-81ED-4DB2-BD59-A6C34878D82A}">
+                    <a16:rowId xmlns:a16="http://schemas.microsoft.com/office/drawing/2014/main" val="1176805025"/>
+                  </a:ext>
+                </a:extLst>
+              </a:tr>
+              <a:tr h="219097">
+                <a:tc>
+                  <a:txBody>
+                    <a:bodyPr/>
+                    <a:lstStyle/>
+                    <a:p>
+                      <a:pPr>
+                        <a:lnSpc>
+                          <a:spcPct val="107000"/>
+                        </a:lnSpc>
+                        <a:spcAft>
+                          <a:spcPts val="800"/>
+                        </a:spcAft>
+                      </a:pPr>
+                      <a:r>
+                        <a:rPr lang="en-US" sz="1000" dirty="0">
+                          <a:effectLst/>
+                        </a:rPr>
+                        <a:t>Liquid Epoxy Resin*</a:t>
+                      </a:r>
+                      <a:endParaRPr lang="en-IN" sz="1100" dirty="0">
+                        <a:effectLst/>
+                        <a:latin typeface="Calibri" panose="020F0502020204030204" pitchFamily="34" charset="0"/>
+                        <a:ea typeface="Calibri" panose="020F0502020204030204" pitchFamily="34" charset="0"/>
+                        <a:cs typeface="Times New Roman" panose="02020603050405020304" pitchFamily="18" charset="0"/>
+                      </a:endParaRPr>
+                    </a:p>
+                  </a:txBody>
+                  <a:tcPr anchor="ctr"/>
+                </a:tc>
+                <a:tc>
+                  <a:txBody>
+                    <a:bodyPr/>
+                    <a:lstStyle/>
+                    <a:p>
+                      <a:pPr algn="ctr">
+                        <a:lnSpc>
+                          <a:spcPct val="107000"/>
+                        </a:lnSpc>
+                        <a:spcAft>
+                          <a:spcPts val="800"/>
+                        </a:spcAft>
+                      </a:pPr>
+                      <a:r>
+                        <a:rPr lang="en-US" sz="1000" dirty="0">
+                          <a:effectLst/>
+                        </a:rPr>
+                        <a:t>20,000</a:t>
+                      </a:r>
+                      <a:endParaRPr lang="en-IN" sz="1100" dirty="0">
+                        <a:effectLst/>
+                        <a:latin typeface="Calibri" panose="020F0502020204030204" pitchFamily="34" charset="0"/>
+                        <a:ea typeface="Calibri" panose="020F0502020204030204" pitchFamily="34" charset="0"/>
+                        <a:cs typeface="Times New Roman" panose="02020603050405020304" pitchFamily="18" charset="0"/>
+                      </a:endParaRPr>
+                    </a:p>
+                  </a:txBody>
+                  <a:tcPr anchor="ctr"/>
+                </a:tc>
+                <a:tc>
+                  <a:txBody>
+                    <a:bodyPr/>
+                    <a:lstStyle/>
+                    <a:p>
+                      <a:pPr algn="ctr">
+                        <a:lnSpc>
+                          <a:spcPct val="107000"/>
+                        </a:lnSpc>
+                        <a:spcAft>
+                          <a:spcPts val="800"/>
+                        </a:spcAft>
+                      </a:pPr>
+                      <a:r>
+                        <a:rPr lang="en-US" sz="1000">
+                          <a:effectLst/>
+                        </a:rPr>
+                        <a:t>20,000</a:t>
+                      </a:r>
+                      <a:endParaRPr lang="en-IN" sz="1100">
+                        <a:effectLst/>
+                        <a:latin typeface="Calibri" panose="020F0502020204030204" pitchFamily="34" charset="0"/>
+                        <a:ea typeface="Calibri" panose="020F0502020204030204" pitchFamily="34" charset="0"/>
+                        <a:cs typeface="Times New Roman" panose="02020603050405020304" pitchFamily="18" charset="0"/>
+                      </a:endParaRPr>
+                    </a:p>
+                  </a:txBody>
+                  <a:tcPr anchor="ctr"/>
+                </a:tc>
+                <a:extLst>
+                  <a:ext uri="{0D108BD9-81ED-4DB2-BD59-A6C34878D82A}">
+                    <a16:rowId xmlns:a16="http://schemas.microsoft.com/office/drawing/2014/main" val="1364121691"/>
+                  </a:ext>
+                </a:extLst>
+              </a:tr>
+              <a:tr h="363587">
+                <a:tc>
+                  <a:txBody>
+                    <a:bodyPr/>
+                    <a:lstStyle/>
+                    <a:p>
+                      <a:pPr>
+                        <a:lnSpc>
+                          <a:spcPct val="107000"/>
+                        </a:lnSpc>
+                        <a:spcAft>
+                          <a:spcPts val="800"/>
+                        </a:spcAft>
+                      </a:pPr>
+                      <a:r>
+                        <a:rPr lang="en-IN" sz="1000" dirty="0">
+                          <a:effectLst/>
+                        </a:rPr>
+                        <a:t>Solid and Semi Solid Epoxy Resin*</a:t>
+                      </a:r>
+                      <a:endParaRPr lang="en-IN" sz="1100" dirty="0">
+                        <a:effectLst/>
+                        <a:latin typeface="Calibri" panose="020F0502020204030204" pitchFamily="34" charset="0"/>
+                        <a:ea typeface="Calibri" panose="020F0502020204030204" pitchFamily="34" charset="0"/>
+                        <a:cs typeface="Times New Roman" panose="02020603050405020304" pitchFamily="18" charset="0"/>
+                      </a:endParaRPr>
+                    </a:p>
+                  </a:txBody>
+                  <a:tcPr anchor="ctr"/>
+                </a:tc>
+                <a:tc>
+                  <a:txBody>
+                    <a:bodyPr/>
+                    <a:lstStyle/>
+                    <a:p>
+                      <a:pPr algn="ctr">
+                        <a:lnSpc>
+                          <a:spcPct val="107000"/>
+                        </a:lnSpc>
+                        <a:spcAft>
+                          <a:spcPts val="800"/>
+                        </a:spcAft>
+                      </a:pPr>
+                      <a:r>
+                        <a:rPr lang="en-US" sz="1000">
+                          <a:effectLst/>
+                        </a:rPr>
+                        <a:t>12,000</a:t>
+                      </a:r>
+                      <a:endParaRPr lang="en-IN" sz="1100">
+                        <a:effectLst/>
+                        <a:latin typeface="Calibri" panose="020F0502020204030204" pitchFamily="34" charset="0"/>
+                        <a:ea typeface="Calibri" panose="020F0502020204030204" pitchFamily="34" charset="0"/>
+                        <a:cs typeface="Times New Roman" panose="02020603050405020304" pitchFamily="18" charset="0"/>
+                      </a:endParaRPr>
+                    </a:p>
+                  </a:txBody>
+                  <a:tcPr anchor="ctr"/>
+                </a:tc>
+                <a:tc>
+                  <a:txBody>
+                    <a:bodyPr/>
+                    <a:lstStyle/>
+                    <a:p>
+                      <a:pPr algn="ctr">
+                        <a:lnSpc>
+                          <a:spcPct val="107000"/>
+                        </a:lnSpc>
+                        <a:spcAft>
+                          <a:spcPts val="800"/>
+                        </a:spcAft>
+                      </a:pPr>
+                      <a:r>
+                        <a:rPr lang="en-US" sz="1000">
+                          <a:effectLst/>
+                        </a:rPr>
+                        <a:t>12,000</a:t>
+                      </a:r>
+                      <a:endParaRPr lang="en-IN" sz="1100">
+                        <a:effectLst/>
+                        <a:latin typeface="Calibri" panose="020F0502020204030204" pitchFamily="34" charset="0"/>
+                        <a:ea typeface="Calibri" panose="020F0502020204030204" pitchFamily="34" charset="0"/>
+                        <a:cs typeface="Times New Roman" panose="02020603050405020304" pitchFamily="18" charset="0"/>
+                      </a:endParaRPr>
+                    </a:p>
+                  </a:txBody>
+                  <a:tcPr anchor="ctr"/>
+                </a:tc>
+                <a:extLst>
+                  <a:ext uri="{0D108BD9-81ED-4DB2-BD59-A6C34878D82A}">
+                    <a16:rowId xmlns:a16="http://schemas.microsoft.com/office/drawing/2014/main" val="690171087"/>
+                  </a:ext>
+                </a:extLst>
+              </a:tr>
+              <a:tr h="219097">
+                <a:tc>
+                  <a:txBody>
+                    <a:bodyPr/>
+                    <a:lstStyle/>
+                    <a:p>
+                      <a:pPr>
+                        <a:lnSpc>
+                          <a:spcPct val="107000"/>
+                        </a:lnSpc>
+                        <a:spcAft>
+                          <a:spcPts val="800"/>
+                        </a:spcAft>
+                      </a:pPr>
+                      <a:r>
+                        <a:rPr lang="en-US" sz="1000">
+                          <a:effectLst/>
+                        </a:rPr>
+                        <a:t>Solvent Based Epoxy Resin</a:t>
+                      </a:r>
+                      <a:endParaRPr lang="en-IN" sz="1100">
+                        <a:effectLst/>
+                        <a:latin typeface="Calibri" panose="020F0502020204030204" pitchFamily="34" charset="0"/>
+                        <a:ea typeface="Calibri" panose="020F0502020204030204" pitchFamily="34" charset="0"/>
+                        <a:cs typeface="Times New Roman" panose="02020603050405020304" pitchFamily="18" charset="0"/>
+                      </a:endParaRPr>
+                    </a:p>
+                  </a:txBody>
+                  <a:tcPr anchor="ctr"/>
+                </a:tc>
+                <a:tc>
+                  <a:txBody>
+                    <a:bodyPr/>
+                    <a:lstStyle/>
+                    <a:p>
+                      <a:pPr algn="ctr">
+                        <a:lnSpc>
+                          <a:spcPct val="107000"/>
+                        </a:lnSpc>
+                        <a:spcAft>
+                          <a:spcPts val="800"/>
+                        </a:spcAft>
+                      </a:pPr>
+                      <a:r>
+                        <a:rPr lang="en-US" sz="1000" dirty="0">
+                          <a:effectLst/>
+                        </a:rPr>
+                        <a:t>5000</a:t>
+                      </a:r>
+                      <a:endParaRPr lang="en-IN" sz="1100" dirty="0">
+                        <a:effectLst/>
+                        <a:latin typeface="Calibri" panose="020F0502020204030204" pitchFamily="34" charset="0"/>
+                        <a:ea typeface="Calibri" panose="020F0502020204030204" pitchFamily="34" charset="0"/>
+                        <a:cs typeface="Times New Roman" panose="02020603050405020304" pitchFamily="18" charset="0"/>
+                      </a:endParaRPr>
+                    </a:p>
+                  </a:txBody>
+                  <a:tcPr anchor="ctr"/>
+                </a:tc>
+                <a:tc>
+                  <a:txBody>
+                    <a:bodyPr/>
+                    <a:lstStyle/>
+                    <a:p>
+                      <a:pPr algn="ctr">
+                        <a:lnSpc>
+                          <a:spcPct val="107000"/>
+                        </a:lnSpc>
+                        <a:spcAft>
+                          <a:spcPts val="800"/>
+                        </a:spcAft>
+                      </a:pPr>
+                      <a:r>
+                        <a:rPr lang="en-US" sz="1000" dirty="0">
+                          <a:effectLst/>
+                        </a:rPr>
+                        <a:t>5000</a:t>
+                      </a:r>
+                      <a:endParaRPr lang="en-IN" sz="1100" dirty="0">
+                        <a:effectLst/>
+                        <a:latin typeface="Calibri" panose="020F0502020204030204" pitchFamily="34" charset="0"/>
+                        <a:ea typeface="Calibri" panose="020F0502020204030204" pitchFamily="34" charset="0"/>
+                        <a:cs typeface="Times New Roman" panose="02020603050405020304" pitchFamily="18" charset="0"/>
+                      </a:endParaRPr>
+                    </a:p>
+                  </a:txBody>
+                  <a:tcPr anchor="ctr"/>
+                </a:tc>
+                <a:extLst>
+                  <a:ext uri="{0D108BD9-81ED-4DB2-BD59-A6C34878D82A}">
+                    <a16:rowId xmlns:a16="http://schemas.microsoft.com/office/drawing/2014/main" val="2582171812"/>
+                  </a:ext>
+                </a:extLst>
+              </a:tr>
+              <a:tr h="219097">
+                <a:tc>
+                  <a:txBody>
+                    <a:bodyPr/>
+                    <a:lstStyle/>
+                    <a:p>
+                      <a:pPr>
+                        <a:lnSpc>
+                          <a:spcPct val="107000"/>
+                        </a:lnSpc>
+                        <a:spcAft>
+                          <a:spcPts val="800"/>
+                        </a:spcAft>
+                      </a:pPr>
+                      <a:r>
+                        <a:rPr lang="en-US" sz="1000">
+                          <a:effectLst/>
+                        </a:rPr>
+                        <a:t>Formulated Epoxy Resin</a:t>
+                      </a:r>
+                      <a:endParaRPr lang="en-IN" sz="1100">
+                        <a:effectLst/>
+                        <a:latin typeface="Calibri" panose="020F0502020204030204" pitchFamily="34" charset="0"/>
+                        <a:ea typeface="Calibri" panose="020F0502020204030204" pitchFamily="34" charset="0"/>
+                        <a:cs typeface="Times New Roman" panose="02020603050405020304" pitchFamily="18" charset="0"/>
+                      </a:endParaRPr>
+                    </a:p>
+                  </a:txBody>
+                  <a:tcPr anchor="ctr"/>
+                </a:tc>
+                <a:tc>
+                  <a:txBody>
+                    <a:bodyPr/>
+                    <a:lstStyle/>
+                    <a:p>
+                      <a:pPr algn="ctr">
+                        <a:lnSpc>
+                          <a:spcPct val="107000"/>
+                        </a:lnSpc>
+                        <a:spcAft>
+                          <a:spcPts val="800"/>
+                        </a:spcAft>
+                      </a:pPr>
+                      <a:r>
+                        <a:rPr lang="en-US" sz="1000">
+                          <a:effectLst/>
+                        </a:rPr>
+                        <a:t>5000</a:t>
+                      </a:r>
+                      <a:endParaRPr lang="en-IN" sz="1100">
+                        <a:effectLst/>
+                        <a:latin typeface="Calibri" panose="020F0502020204030204" pitchFamily="34" charset="0"/>
+                        <a:ea typeface="Calibri" panose="020F0502020204030204" pitchFamily="34" charset="0"/>
+                        <a:cs typeface="Times New Roman" panose="02020603050405020304" pitchFamily="18" charset="0"/>
+                      </a:endParaRPr>
+                    </a:p>
+                  </a:txBody>
+                  <a:tcPr anchor="ctr"/>
+                </a:tc>
+                <a:tc>
+                  <a:txBody>
+                    <a:bodyPr/>
+                    <a:lstStyle/>
+                    <a:p>
+                      <a:pPr algn="ctr">
+                        <a:lnSpc>
+                          <a:spcPct val="107000"/>
+                        </a:lnSpc>
+                        <a:spcAft>
+                          <a:spcPts val="800"/>
+                        </a:spcAft>
+                      </a:pPr>
+                      <a:r>
+                        <a:rPr lang="en-US" sz="1000">
+                          <a:effectLst/>
+                        </a:rPr>
+                        <a:t>5000</a:t>
+                      </a:r>
+                      <a:endParaRPr lang="en-IN" sz="1100">
+                        <a:effectLst/>
+                        <a:latin typeface="Calibri" panose="020F0502020204030204" pitchFamily="34" charset="0"/>
+                        <a:ea typeface="Calibri" panose="020F0502020204030204" pitchFamily="34" charset="0"/>
+                        <a:cs typeface="Times New Roman" panose="02020603050405020304" pitchFamily="18" charset="0"/>
+                      </a:endParaRPr>
+                    </a:p>
+                  </a:txBody>
+                  <a:tcPr anchor="ctr"/>
+                </a:tc>
+                <a:extLst>
+                  <a:ext uri="{0D108BD9-81ED-4DB2-BD59-A6C34878D82A}">
+                    <a16:rowId xmlns:a16="http://schemas.microsoft.com/office/drawing/2014/main" val="931807655"/>
+                  </a:ext>
+                </a:extLst>
+              </a:tr>
+              <a:tr h="219097">
+                <a:tc>
+                  <a:txBody>
+                    <a:bodyPr/>
+                    <a:lstStyle/>
+                    <a:p>
+                      <a:pPr>
+                        <a:lnSpc>
+                          <a:spcPct val="107000"/>
+                        </a:lnSpc>
+                        <a:spcAft>
+                          <a:spcPts val="800"/>
+                        </a:spcAft>
+                      </a:pPr>
+                      <a:r>
+                        <a:rPr lang="en-US" sz="1000">
+                          <a:effectLst/>
+                        </a:rPr>
+                        <a:t>Total</a:t>
+                      </a:r>
+                      <a:endParaRPr lang="en-IN" sz="1100">
+                        <a:effectLst/>
+                        <a:latin typeface="Calibri" panose="020F0502020204030204" pitchFamily="34" charset="0"/>
+                        <a:ea typeface="Calibri" panose="020F0502020204030204" pitchFamily="34" charset="0"/>
+                        <a:cs typeface="Times New Roman" panose="02020603050405020304" pitchFamily="18" charset="0"/>
+                      </a:endParaRPr>
+                    </a:p>
+                  </a:txBody>
+                  <a:tcPr anchor="ctr"/>
+                </a:tc>
+                <a:tc>
+                  <a:txBody>
+                    <a:bodyPr/>
+                    <a:lstStyle/>
+                    <a:p>
+                      <a:pPr algn="ctr">
+                        <a:lnSpc>
+                          <a:spcPct val="107000"/>
+                        </a:lnSpc>
+                        <a:spcAft>
+                          <a:spcPts val="800"/>
+                        </a:spcAft>
+                      </a:pPr>
+                      <a:r>
+                        <a:rPr lang="en-US" sz="1000">
+                          <a:effectLst/>
+                        </a:rPr>
+                        <a:t>42,000</a:t>
+                      </a:r>
+                      <a:endParaRPr lang="en-IN" sz="1100">
+                        <a:effectLst/>
+                        <a:latin typeface="Calibri" panose="020F0502020204030204" pitchFamily="34" charset="0"/>
+                        <a:ea typeface="Calibri" panose="020F0502020204030204" pitchFamily="34" charset="0"/>
+                        <a:cs typeface="Times New Roman" panose="02020603050405020304" pitchFamily="18" charset="0"/>
+                      </a:endParaRPr>
+                    </a:p>
+                  </a:txBody>
+                  <a:tcPr anchor="ctr"/>
+                </a:tc>
+                <a:tc>
+                  <a:txBody>
+                    <a:bodyPr/>
+                    <a:lstStyle/>
+                    <a:p>
+                      <a:pPr algn="ctr">
+                        <a:lnSpc>
+                          <a:spcPct val="107000"/>
+                        </a:lnSpc>
+                        <a:spcAft>
+                          <a:spcPts val="800"/>
+                        </a:spcAft>
+                      </a:pPr>
+                      <a:r>
+                        <a:rPr lang="en-US" sz="1000">
+                          <a:effectLst/>
+                        </a:rPr>
+                        <a:t>42,000</a:t>
+                      </a:r>
+                      <a:endParaRPr lang="en-IN" sz="1100">
+                        <a:effectLst/>
+                        <a:latin typeface="Calibri" panose="020F0502020204030204" pitchFamily="34" charset="0"/>
+                        <a:ea typeface="Calibri" panose="020F0502020204030204" pitchFamily="34" charset="0"/>
+                        <a:cs typeface="Times New Roman" panose="02020603050405020304" pitchFamily="18" charset="0"/>
+                      </a:endParaRPr>
+                    </a:p>
+                  </a:txBody>
+                  <a:tcPr anchor="ctr"/>
+                </a:tc>
+                <a:extLst>
+                  <a:ext uri="{0D108BD9-81ED-4DB2-BD59-A6C34878D82A}">
+                    <a16:rowId xmlns:a16="http://schemas.microsoft.com/office/drawing/2014/main" val="4074373006"/>
+                  </a:ext>
+                </a:extLst>
+              </a:tr>
+              <a:tr h="212740">
+                <a:tc gridSpan="3">
+                  <a:txBody>
+                    <a:bodyPr/>
+                    <a:lstStyle/>
+                    <a:p>
+                      <a:pPr algn="ctr">
+                        <a:lnSpc>
+                          <a:spcPct val="107000"/>
+                        </a:lnSpc>
+                        <a:spcAft>
+                          <a:spcPts val="800"/>
+                        </a:spcAft>
+                      </a:pPr>
+                      <a:r>
+                        <a:rPr lang="en-US" sz="1000" dirty="0">
+                          <a:effectLst/>
+                          <a:latin typeface="Verdana" panose="020B0604030504040204" pitchFamily="34" charset="0"/>
+                          <a:ea typeface="Verdana" panose="020B0604030504040204" pitchFamily="34" charset="0"/>
+                        </a:rPr>
+                        <a:t>Epoxy System Plant Capacity</a:t>
+                      </a:r>
+                      <a:endParaRPr lang="en-IN" sz="1100" dirty="0">
+                        <a:effectLst/>
+                        <a:latin typeface="Verdana" panose="020B0604030504040204" pitchFamily="34" charset="0"/>
+                        <a:ea typeface="Verdana" panose="020B0604030504040204" pitchFamily="34" charset="0"/>
+                        <a:cs typeface="Times New Roman" panose="02020603050405020304" pitchFamily="18" charset="0"/>
+                      </a:endParaRPr>
+                    </a:p>
+                  </a:txBody>
+                  <a:tcPr anchor="ctr"/>
+                </a:tc>
+                <a:tc hMerge="1">
+                  <a:txBody>
+                    <a:bodyPr/>
+                    <a:lstStyle/>
+                    <a:p>
+                      <a:endParaRPr lang="en-IN"/>
+                    </a:p>
+                  </a:txBody>
+                  <a:tcPr/>
+                </a:tc>
+                <a:tc hMerge="1">
+                  <a:txBody>
+                    <a:bodyPr/>
+                    <a:lstStyle/>
+                    <a:p>
+                      <a:endParaRPr lang="en-IN"/>
+                    </a:p>
+                  </a:txBody>
+                  <a:tcPr/>
+                </a:tc>
+                <a:extLst>
+                  <a:ext uri="{0D108BD9-81ED-4DB2-BD59-A6C34878D82A}">
+                    <a16:rowId xmlns:a16="http://schemas.microsoft.com/office/drawing/2014/main" val="4233756388"/>
+                  </a:ext>
+                </a:extLst>
+              </a:tr>
+              <a:tr h="219097">
+                <a:tc>
+                  <a:txBody>
+                    <a:bodyPr/>
+                    <a:lstStyle/>
+                    <a:p>
+                      <a:pPr>
+                        <a:lnSpc>
+                          <a:spcPct val="107000"/>
+                        </a:lnSpc>
+                        <a:spcAft>
+                          <a:spcPts val="800"/>
+                        </a:spcAft>
+                      </a:pPr>
+                      <a:r>
+                        <a:rPr lang="en-US" sz="1000" dirty="0">
+                          <a:effectLst/>
+                        </a:rPr>
+                        <a:t>Hardeners</a:t>
+                      </a:r>
+                      <a:endParaRPr lang="en-IN" sz="1100" dirty="0">
+                        <a:effectLst/>
+                        <a:latin typeface="Calibri" panose="020F0502020204030204" pitchFamily="34" charset="0"/>
+                        <a:ea typeface="Calibri" panose="020F0502020204030204" pitchFamily="34" charset="0"/>
+                        <a:cs typeface="Times New Roman" panose="02020603050405020304" pitchFamily="18" charset="0"/>
+                      </a:endParaRPr>
+                    </a:p>
+                  </a:txBody>
+                  <a:tcPr anchor="ctr"/>
+                </a:tc>
+                <a:tc>
+                  <a:txBody>
+                    <a:bodyPr/>
+                    <a:lstStyle/>
+                    <a:p>
+                      <a:pPr algn="ctr">
+                        <a:lnSpc>
+                          <a:spcPct val="107000"/>
+                        </a:lnSpc>
+                        <a:spcAft>
+                          <a:spcPts val="800"/>
+                        </a:spcAft>
+                      </a:pPr>
+                      <a:r>
+                        <a:rPr lang="en-US" sz="1000" dirty="0">
+                          <a:effectLst/>
+                        </a:rPr>
+                        <a:t>5000</a:t>
+                      </a:r>
+                      <a:endParaRPr lang="en-IN" sz="1100" dirty="0">
+                        <a:effectLst/>
+                        <a:latin typeface="Calibri" panose="020F0502020204030204" pitchFamily="34" charset="0"/>
+                        <a:ea typeface="Calibri" panose="020F0502020204030204" pitchFamily="34" charset="0"/>
+                        <a:cs typeface="Times New Roman" panose="02020603050405020304" pitchFamily="18" charset="0"/>
+                      </a:endParaRPr>
+                    </a:p>
+                  </a:txBody>
+                  <a:tcPr anchor="ctr"/>
+                </a:tc>
+                <a:tc>
+                  <a:txBody>
+                    <a:bodyPr/>
+                    <a:lstStyle/>
+                    <a:p>
+                      <a:pPr algn="ctr">
+                        <a:lnSpc>
+                          <a:spcPct val="107000"/>
+                        </a:lnSpc>
+                        <a:spcAft>
+                          <a:spcPts val="800"/>
+                        </a:spcAft>
+                      </a:pPr>
+                      <a:r>
+                        <a:rPr lang="en-US" sz="1000">
+                          <a:effectLst/>
+                        </a:rPr>
+                        <a:t>5000</a:t>
+                      </a:r>
+                      <a:endParaRPr lang="en-IN" sz="1100">
+                        <a:effectLst/>
+                        <a:latin typeface="Calibri" panose="020F0502020204030204" pitchFamily="34" charset="0"/>
+                        <a:ea typeface="Calibri" panose="020F0502020204030204" pitchFamily="34" charset="0"/>
+                        <a:cs typeface="Times New Roman" panose="02020603050405020304" pitchFamily="18" charset="0"/>
+                      </a:endParaRPr>
+                    </a:p>
+                  </a:txBody>
+                  <a:tcPr anchor="ctr"/>
+                </a:tc>
+                <a:extLst>
+                  <a:ext uri="{0D108BD9-81ED-4DB2-BD59-A6C34878D82A}">
+                    <a16:rowId xmlns:a16="http://schemas.microsoft.com/office/drawing/2014/main" val="3245947421"/>
+                  </a:ext>
+                </a:extLst>
+              </a:tr>
+              <a:tr h="219097">
+                <a:tc>
+                  <a:txBody>
+                    <a:bodyPr/>
+                    <a:lstStyle/>
+                    <a:p>
+                      <a:pPr>
+                        <a:lnSpc>
+                          <a:spcPct val="107000"/>
+                        </a:lnSpc>
+                        <a:spcAft>
+                          <a:spcPts val="800"/>
+                        </a:spcAft>
+                      </a:pPr>
+                      <a:r>
+                        <a:rPr lang="en-US" sz="1000">
+                          <a:effectLst/>
+                        </a:rPr>
+                        <a:t>Reactive diluents</a:t>
+                      </a:r>
+                      <a:endParaRPr lang="en-IN" sz="1100">
+                        <a:effectLst/>
+                        <a:latin typeface="Calibri" panose="020F0502020204030204" pitchFamily="34" charset="0"/>
+                        <a:ea typeface="Calibri" panose="020F0502020204030204" pitchFamily="34" charset="0"/>
+                        <a:cs typeface="Times New Roman" panose="02020603050405020304" pitchFamily="18" charset="0"/>
+                      </a:endParaRPr>
+                    </a:p>
+                  </a:txBody>
+                  <a:tcPr anchor="ctr"/>
+                </a:tc>
+                <a:tc>
+                  <a:txBody>
+                    <a:bodyPr/>
+                    <a:lstStyle/>
+                    <a:p>
+                      <a:pPr algn="ctr">
+                        <a:lnSpc>
+                          <a:spcPct val="107000"/>
+                        </a:lnSpc>
+                        <a:spcAft>
+                          <a:spcPts val="800"/>
+                        </a:spcAft>
+                      </a:pPr>
+                      <a:r>
+                        <a:rPr lang="en-US" sz="1000">
+                          <a:effectLst/>
+                        </a:rPr>
+                        <a:t>3000</a:t>
+                      </a:r>
+                      <a:endParaRPr lang="en-IN" sz="1100">
+                        <a:effectLst/>
+                        <a:latin typeface="Calibri" panose="020F0502020204030204" pitchFamily="34" charset="0"/>
+                        <a:ea typeface="Calibri" panose="020F0502020204030204" pitchFamily="34" charset="0"/>
+                        <a:cs typeface="Times New Roman" panose="02020603050405020304" pitchFamily="18" charset="0"/>
+                      </a:endParaRPr>
+                    </a:p>
+                  </a:txBody>
+                  <a:tcPr anchor="ctr"/>
+                </a:tc>
+                <a:tc>
+                  <a:txBody>
+                    <a:bodyPr/>
+                    <a:lstStyle/>
+                    <a:p>
+                      <a:pPr algn="ctr">
+                        <a:lnSpc>
+                          <a:spcPct val="107000"/>
+                        </a:lnSpc>
+                        <a:spcAft>
+                          <a:spcPts val="800"/>
+                        </a:spcAft>
+                      </a:pPr>
+                      <a:r>
+                        <a:rPr lang="en-US" sz="1000">
+                          <a:effectLst/>
+                        </a:rPr>
+                        <a:t>3000</a:t>
+                      </a:r>
+                      <a:endParaRPr lang="en-IN" sz="1100">
+                        <a:effectLst/>
+                        <a:latin typeface="Calibri" panose="020F0502020204030204" pitchFamily="34" charset="0"/>
+                        <a:ea typeface="Calibri" panose="020F0502020204030204" pitchFamily="34" charset="0"/>
+                        <a:cs typeface="Times New Roman" panose="02020603050405020304" pitchFamily="18" charset="0"/>
+                      </a:endParaRPr>
+                    </a:p>
+                  </a:txBody>
+                  <a:tcPr anchor="ctr"/>
+                </a:tc>
+                <a:extLst>
+                  <a:ext uri="{0D108BD9-81ED-4DB2-BD59-A6C34878D82A}">
+                    <a16:rowId xmlns:a16="http://schemas.microsoft.com/office/drawing/2014/main" val="4181199391"/>
+                  </a:ext>
+                </a:extLst>
+              </a:tr>
+              <a:tr h="219097">
+                <a:tc>
+                  <a:txBody>
+                    <a:bodyPr/>
+                    <a:lstStyle/>
+                    <a:p>
+                      <a:pPr>
+                        <a:lnSpc>
+                          <a:spcPct val="107000"/>
+                        </a:lnSpc>
+                        <a:spcAft>
+                          <a:spcPts val="800"/>
+                        </a:spcAft>
+                      </a:pPr>
+                      <a:r>
+                        <a:rPr lang="en-US" sz="1000" dirty="0">
+                          <a:effectLst/>
+                        </a:rPr>
+                        <a:t>Total</a:t>
+                      </a:r>
+                      <a:endParaRPr lang="en-IN" sz="1100" dirty="0">
+                        <a:effectLst/>
+                        <a:latin typeface="Calibri" panose="020F0502020204030204" pitchFamily="34" charset="0"/>
+                        <a:ea typeface="Calibri" panose="020F0502020204030204" pitchFamily="34" charset="0"/>
+                        <a:cs typeface="Times New Roman" panose="02020603050405020304" pitchFamily="18" charset="0"/>
+                      </a:endParaRPr>
+                    </a:p>
+                  </a:txBody>
+                  <a:tcPr anchor="ctr"/>
+                </a:tc>
+                <a:tc>
+                  <a:txBody>
+                    <a:bodyPr/>
+                    <a:lstStyle/>
+                    <a:p>
+                      <a:pPr algn="ctr">
+                        <a:lnSpc>
+                          <a:spcPct val="107000"/>
+                        </a:lnSpc>
+                        <a:spcAft>
+                          <a:spcPts val="800"/>
+                        </a:spcAft>
+                      </a:pPr>
+                      <a:r>
+                        <a:rPr lang="en-US" sz="1000">
+                          <a:effectLst/>
+                        </a:rPr>
+                        <a:t>8000</a:t>
+                      </a:r>
+                      <a:endParaRPr lang="en-IN" sz="1100">
+                        <a:effectLst/>
+                        <a:latin typeface="Calibri" panose="020F0502020204030204" pitchFamily="34" charset="0"/>
+                        <a:ea typeface="Calibri" panose="020F0502020204030204" pitchFamily="34" charset="0"/>
+                        <a:cs typeface="Times New Roman" panose="02020603050405020304" pitchFamily="18" charset="0"/>
+                      </a:endParaRPr>
+                    </a:p>
+                  </a:txBody>
+                  <a:tcPr anchor="ctr"/>
+                </a:tc>
+                <a:tc>
+                  <a:txBody>
+                    <a:bodyPr/>
+                    <a:lstStyle/>
+                    <a:p>
+                      <a:pPr algn="ctr">
+                        <a:lnSpc>
+                          <a:spcPct val="107000"/>
+                        </a:lnSpc>
+                        <a:spcAft>
+                          <a:spcPts val="800"/>
+                        </a:spcAft>
+                      </a:pPr>
+                      <a:r>
+                        <a:rPr lang="en-US" sz="1000" dirty="0">
+                          <a:effectLst/>
+                        </a:rPr>
+                        <a:t>8000</a:t>
+                      </a:r>
+                      <a:endParaRPr lang="en-IN" sz="1100" dirty="0">
+                        <a:effectLst/>
+                        <a:latin typeface="Calibri" panose="020F0502020204030204" pitchFamily="34" charset="0"/>
+                        <a:ea typeface="Calibri" panose="020F0502020204030204" pitchFamily="34" charset="0"/>
+                        <a:cs typeface="Times New Roman" panose="02020603050405020304" pitchFamily="18" charset="0"/>
+                      </a:endParaRPr>
+                    </a:p>
+                  </a:txBody>
+                  <a:tcPr anchor="ctr"/>
+                </a:tc>
+                <a:extLst>
+                  <a:ext uri="{0D108BD9-81ED-4DB2-BD59-A6C34878D82A}">
+                    <a16:rowId xmlns:a16="http://schemas.microsoft.com/office/drawing/2014/main" val="2998131290"/>
+                  </a:ext>
+                </a:extLst>
+              </a:tr>
+            </a:tbl>
+          </a:graphicData>
+        </a:graphic>
+      </p:graphicFrame>
       <p:grpSp>
         <p:nvGrpSpPr>
           <p:cNvPr id="11" name="Group 10">
@@ -12133,1303 +13167,6 @@
           </a:p>
         </p:txBody>
       </p:sp>
-      <p:graphicFrame>
-        <p:nvGraphicFramePr>
-          <p:cNvPr id="2" name="Table 1">
-            <a:extLst>
-              <a:ext uri="{FF2B5EF4-FFF2-40B4-BE49-F238E27FC236}">
-                <a16:creationId xmlns:a16="http://schemas.microsoft.com/office/drawing/2014/main" id="{039A2D02-2E79-4033-847B-656F952368D0}"/>
-              </a:ext>
-            </a:extLst>
-          </p:cNvPr>
-          <p:cNvGraphicFramePr>
-            <a:graphicFrameLocks noGrp="1"/>
-          </p:cNvGraphicFramePr>
-          <p:nvPr>
-            <p:extLst>
-              <p:ext uri="{D42A27DB-BD31-4B8C-83A1-F6EECF244321}">
-                <p14:modId xmlns:p14="http://schemas.microsoft.com/office/powerpoint/2010/main" val="3606055132"/>
-              </p:ext>
-            </p:extLst>
-          </p:nvPr>
-        </p:nvGraphicFramePr>
-        <p:xfrm>
-          <a:off x="4183477" y="3691294"/>
-          <a:ext cx="4801801" cy="3260550"/>
-        </p:xfrm>
-        <a:graphic>
-          <a:graphicData uri="http://schemas.openxmlformats.org/drawingml/2006/table">
-            <a:tbl>
-              <a:tblPr firstRow="1" firstCol="1" bandRow="1">
-                <a:tableStyleId>{5C22544A-7EE6-4342-B048-85BDC9FD1C3A}</a:tableStyleId>
-              </a:tblPr>
-              <a:tblGrid>
-                <a:gridCol w="3211975">
-                  <a:extLst>
-                    <a:ext uri="{9D8B030D-6E8A-4147-A177-3AD203B41FA5}">
-                      <a16:colId xmlns:a16="http://schemas.microsoft.com/office/drawing/2014/main" val="1031817877"/>
-                    </a:ext>
-                  </a:extLst>
-                </a:gridCol>
-                <a:gridCol w="707318">
-                  <a:extLst>
-                    <a:ext uri="{9D8B030D-6E8A-4147-A177-3AD203B41FA5}">
-                      <a16:colId xmlns:a16="http://schemas.microsoft.com/office/drawing/2014/main" val="782547956"/>
-                    </a:ext>
-                  </a:extLst>
-                </a:gridCol>
-                <a:gridCol w="882508">
-                  <a:extLst>
-                    <a:ext uri="{9D8B030D-6E8A-4147-A177-3AD203B41FA5}">
-                      <a16:colId xmlns:a16="http://schemas.microsoft.com/office/drawing/2014/main" val="3024343808"/>
-                    </a:ext>
-                  </a:extLst>
-                </a:gridCol>
-              </a:tblGrid>
-              <a:tr h="524272">
-                <a:tc>
-                  <a:txBody>
-                    <a:bodyPr/>
-                    <a:lstStyle/>
-                    <a:p>
-                      <a:pPr>
-                        <a:lnSpc>
-                          <a:spcPct val="107000"/>
-                        </a:lnSpc>
-                        <a:spcAft>
-                          <a:spcPts val="800"/>
-                        </a:spcAft>
-                      </a:pPr>
-                      <a:r>
-                        <a:rPr lang="en-IN" sz="1000" dirty="0">
-                          <a:effectLst/>
-                        </a:rPr>
-                        <a:t>Name of the Product </a:t>
-                      </a:r>
-                      <a:endParaRPr lang="en-IN" sz="1100" dirty="0">
-                        <a:effectLst/>
-                        <a:latin typeface="Calibri" panose="020F0502020204030204" pitchFamily="34" charset="0"/>
-                        <a:ea typeface="Calibri" panose="020F0502020204030204" pitchFamily="34" charset="0"/>
-                        <a:cs typeface="Times New Roman" panose="02020603050405020304" pitchFamily="18" charset="0"/>
-                      </a:endParaRPr>
-                    </a:p>
-                  </a:txBody>
-                  <a:tcPr marL="68580" marR="68580" marT="0" marB="0" anchor="ctr"/>
-                </a:tc>
-                <a:tc>
-                  <a:txBody>
-                    <a:bodyPr/>
-                    <a:lstStyle/>
-                    <a:p>
-                      <a:pPr algn="ctr">
-                        <a:lnSpc>
-                          <a:spcPct val="107000"/>
-                        </a:lnSpc>
-                        <a:spcAft>
-                          <a:spcPts val="800"/>
-                        </a:spcAft>
-                      </a:pPr>
-                      <a:r>
-                        <a:rPr lang="en-IN" sz="1000">
-                          <a:effectLst/>
-                        </a:rPr>
-                        <a:t>2024</a:t>
-                      </a:r>
-                      <a:endParaRPr lang="en-IN" sz="1100">
-                        <a:effectLst/>
-                        <a:latin typeface="Calibri" panose="020F0502020204030204" pitchFamily="34" charset="0"/>
-                        <a:ea typeface="Calibri" panose="020F0502020204030204" pitchFamily="34" charset="0"/>
-                        <a:cs typeface="Times New Roman" panose="02020603050405020304" pitchFamily="18" charset="0"/>
-                      </a:endParaRPr>
-                    </a:p>
-                  </a:txBody>
-                  <a:tcPr marL="68580" marR="68580" marT="0" marB="0" anchor="ctr"/>
-                </a:tc>
-                <a:tc>
-                  <a:txBody>
-                    <a:bodyPr/>
-                    <a:lstStyle/>
-                    <a:p>
-                      <a:pPr algn="ctr">
-                        <a:lnSpc>
-                          <a:spcPct val="107000"/>
-                        </a:lnSpc>
-                        <a:spcAft>
-                          <a:spcPts val="800"/>
-                        </a:spcAft>
-                      </a:pPr>
-                      <a:r>
-                        <a:rPr lang="en-IN" sz="1000">
-                          <a:effectLst/>
-                        </a:rPr>
-                        <a:t>2028 (Additional Capacity)</a:t>
-                      </a:r>
-                      <a:endParaRPr lang="en-IN" sz="1100">
-                        <a:effectLst/>
-                        <a:latin typeface="Calibri" panose="020F0502020204030204" pitchFamily="34" charset="0"/>
-                        <a:ea typeface="Calibri" panose="020F0502020204030204" pitchFamily="34" charset="0"/>
-                        <a:cs typeface="Times New Roman" panose="02020603050405020304" pitchFamily="18" charset="0"/>
-                      </a:endParaRPr>
-                    </a:p>
-                  </a:txBody>
-                  <a:tcPr marL="68580" marR="68580" marT="0" marB="0" anchor="ctr"/>
-                </a:tc>
-                <a:extLst>
-                  <a:ext uri="{0D108BD9-81ED-4DB2-BD59-A6C34878D82A}">
-                    <a16:rowId xmlns:a16="http://schemas.microsoft.com/office/drawing/2014/main" val="2238212858"/>
-                  </a:ext>
-                </a:extLst>
-              </a:tr>
-              <a:tr h="193788">
-                <a:tc gridSpan="3">
-                  <a:txBody>
-                    <a:bodyPr/>
-                    <a:lstStyle/>
-                    <a:p>
-                      <a:pPr algn="r">
-                        <a:lnSpc>
-                          <a:spcPct val="107000"/>
-                        </a:lnSpc>
-                        <a:spcAft>
-                          <a:spcPts val="800"/>
-                        </a:spcAft>
-                      </a:pPr>
-                      <a:r>
-                        <a:rPr lang="en-IN" sz="1000">
-                          <a:effectLst/>
-                        </a:rPr>
-                        <a:t>Value in Tonnes</a:t>
-                      </a:r>
-                      <a:endParaRPr lang="en-IN" sz="1100">
-                        <a:effectLst/>
-                        <a:latin typeface="Calibri" panose="020F0502020204030204" pitchFamily="34" charset="0"/>
-                        <a:ea typeface="Calibri" panose="020F0502020204030204" pitchFamily="34" charset="0"/>
-                        <a:cs typeface="Times New Roman" panose="02020603050405020304" pitchFamily="18" charset="0"/>
-                      </a:endParaRPr>
-                    </a:p>
-                  </a:txBody>
-                  <a:tcPr marL="68580" marR="68580" marT="0" marB="0" anchor="ctr"/>
-                </a:tc>
-                <a:tc hMerge="1">
-                  <a:txBody>
-                    <a:bodyPr/>
-                    <a:lstStyle/>
-                    <a:p>
-                      <a:endParaRPr lang="en-IN"/>
-                    </a:p>
-                  </a:txBody>
-                  <a:tcPr/>
-                </a:tc>
-                <a:tc hMerge="1">
-                  <a:txBody>
-                    <a:bodyPr/>
-                    <a:lstStyle/>
-                    <a:p>
-                      <a:endParaRPr lang="en-IN"/>
-                    </a:p>
-                  </a:txBody>
-                  <a:tcPr/>
-                </a:tc>
-                <a:extLst>
-                  <a:ext uri="{0D108BD9-81ED-4DB2-BD59-A6C34878D82A}">
-                    <a16:rowId xmlns:a16="http://schemas.microsoft.com/office/drawing/2014/main" val="3597013594"/>
-                  </a:ext>
-                </a:extLst>
-              </a:tr>
-              <a:tr h="184871">
-                <a:tc>
-                  <a:txBody>
-                    <a:bodyPr/>
-                    <a:lstStyle/>
-                    <a:p>
-                      <a:pPr>
-                        <a:lnSpc>
-                          <a:spcPct val="107000"/>
-                        </a:lnSpc>
-                        <a:spcAft>
-                          <a:spcPts val="800"/>
-                        </a:spcAft>
-                      </a:pPr>
-                      <a:r>
-                        <a:rPr lang="en-IN" sz="1000">
-                          <a:effectLst/>
-                        </a:rPr>
-                        <a:t>Liquid Epoxy Resin*</a:t>
-                      </a:r>
-                      <a:endParaRPr lang="en-IN" sz="1100">
-                        <a:effectLst/>
-                        <a:latin typeface="Calibri" panose="020F0502020204030204" pitchFamily="34" charset="0"/>
-                        <a:ea typeface="Calibri" panose="020F0502020204030204" pitchFamily="34" charset="0"/>
-                        <a:cs typeface="Times New Roman" panose="02020603050405020304" pitchFamily="18" charset="0"/>
-                      </a:endParaRPr>
-                    </a:p>
-                  </a:txBody>
-                  <a:tcPr marL="68580" marR="68580" marT="0" marB="0" anchor="ctr"/>
-                </a:tc>
-                <a:tc>
-                  <a:txBody>
-                    <a:bodyPr/>
-                    <a:lstStyle/>
-                    <a:p>
-                      <a:pPr algn="ctr">
-                        <a:lnSpc>
-                          <a:spcPct val="107000"/>
-                        </a:lnSpc>
-                        <a:spcAft>
-                          <a:spcPts val="800"/>
-                        </a:spcAft>
-                      </a:pPr>
-                      <a:r>
-                        <a:rPr lang="en-IN" sz="1000">
-                          <a:effectLst/>
-                        </a:rPr>
-                        <a:t>30,000</a:t>
-                      </a:r>
-                      <a:endParaRPr lang="en-IN" sz="1100">
-                        <a:effectLst/>
-                        <a:latin typeface="Calibri" panose="020F0502020204030204" pitchFamily="34" charset="0"/>
-                        <a:ea typeface="Calibri" panose="020F0502020204030204" pitchFamily="34" charset="0"/>
-                        <a:cs typeface="Times New Roman" panose="02020603050405020304" pitchFamily="18" charset="0"/>
-                      </a:endParaRPr>
-                    </a:p>
-                  </a:txBody>
-                  <a:tcPr marL="68580" marR="68580" marT="0" marB="0" anchor="ctr"/>
-                </a:tc>
-                <a:tc>
-                  <a:txBody>
-                    <a:bodyPr/>
-                    <a:lstStyle/>
-                    <a:p>
-                      <a:pPr algn="ctr">
-                        <a:lnSpc>
-                          <a:spcPct val="107000"/>
-                        </a:lnSpc>
-                        <a:spcAft>
-                          <a:spcPts val="800"/>
-                        </a:spcAft>
-                      </a:pPr>
-                      <a:r>
-                        <a:rPr lang="en-IN" sz="1000">
-                          <a:effectLst/>
-                        </a:rPr>
-                        <a:t>30,000</a:t>
-                      </a:r>
-                      <a:endParaRPr lang="en-IN" sz="1100">
-                        <a:effectLst/>
-                        <a:latin typeface="Calibri" panose="020F0502020204030204" pitchFamily="34" charset="0"/>
-                        <a:ea typeface="Calibri" panose="020F0502020204030204" pitchFamily="34" charset="0"/>
-                        <a:cs typeface="Times New Roman" panose="02020603050405020304" pitchFamily="18" charset="0"/>
-                      </a:endParaRPr>
-                    </a:p>
-                  </a:txBody>
-                  <a:tcPr marL="68580" marR="68580" marT="0" marB="0" anchor="ctr"/>
-                </a:tc>
-                <a:extLst>
-                  <a:ext uri="{0D108BD9-81ED-4DB2-BD59-A6C34878D82A}">
-                    <a16:rowId xmlns:a16="http://schemas.microsoft.com/office/drawing/2014/main" val="2721951995"/>
-                  </a:ext>
-                </a:extLst>
-              </a:tr>
-              <a:tr h="184871">
-                <a:tc>
-                  <a:txBody>
-                    <a:bodyPr/>
-                    <a:lstStyle/>
-                    <a:p>
-                      <a:pPr>
-                        <a:lnSpc>
-                          <a:spcPct val="107000"/>
-                        </a:lnSpc>
-                        <a:spcAft>
-                          <a:spcPts val="800"/>
-                        </a:spcAft>
-                      </a:pPr>
-                      <a:r>
-                        <a:rPr lang="en-IN" sz="1000">
-                          <a:effectLst/>
-                        </a:rPr>
-                        <a:t>Bisphenol A (80%)</a:t>
-                      </a:r>
-                      <a:endParaRPr lang="en-IN" sz="1100">
-                        <a:effectLst/>
-                        <a:latin typeface="Calibri" panose="020F0502020204030204" pitchFamily="34" charset="0"/>
-                        <a:ea typeface="Calibri" panose="020F0502020204030204" pitchFamily="34" charset="0"/>
-                        <a:cs typeface="Times New Roman" panose="02020603050405020304" pitchFamily="18" charset="0"/>
-                      </a:endParaRPr>
-                    </a:p>
-                  </a:txBody>
-                  <a:tcPr marL="68580" marR="68580" marT="0" marB="0" anchor="ctr"/>
-                </a:tc>
-                <a:tc>
-                  <a:txBody>
-                    <a:bodyPr/>
-                    <a:lstStyle/>
-                    <a:p>
-                      <a:pPr algn="ctr">
-                        <a:lnSpc>
-                          <a:spcPct val="107000"/>
-                        </a:lnSpc>
-                        <a:spcAft>
-                          <a:spcPts val="800"/>
-                        </a:spcAft>
-                      </a:pPr>
-                      <a:r>
-                        <a:rPr lang="en-IN" sz="800">
-                          <a:effectLst/>
-                        </a:rPr>
-                        <a:t>25,000</a:t>
-                      </a:r>
-                      <a:endParaRPr lang="en-IN" sz="1100">
-                        <a:effectLst/>
-                        <a:latin typeface="Calibri" panose="020F0502020204030204" pitchFamily="34" charset="0"/>
-                        <a:ea typeface="Calibri" panose="020F0502020204030204" pitchFamily="34" charset="0"/>
-                        <a:cs typeface="Times New Roman" panose="02020603050405020304" pitchFamily="18" charset="0"/>
-                      </a:endParaRPr>
-                    </a:p>
-                  </a:txBody>
-                  <a:tcPr marL="68580" marR="68580" marT="0" marB="0" anchor="ctr"/>
-                </a:tc>
-                <a:tc>
-                  <a:txBody>
-                    <a:bodyPr/>
-                    <a:lstStyle/>
-                    <a:p>
-                      <a:pPr algn="ctr">
-                        <a:lnSpc>
-                          <a:spcPct val="107000"/>
-                        </a:lnSpc>
-                        <a:spcAft>
-                          <a:spcPts val="800"/>
-                        </a:spcAft>
-                      </a:pPr>
-                      <a:r>
-                        <a:rPr lang="en-IN" sz="800">
-                          <a:effectLst/>
-                        </a:rPr>
-                        <a:t>25,000</a:t>
-                      </a:r>
-                      <a:endParaRPr lang="en-IN" sz="1100">
-                        <a:effectLst/>
-                        <a:latin typeface="Calibri" panose="020F0502020204030204" pitchFamily="34" charset="0"/>
-                        <a:ea typeface="Calibri" panose="020F0502020204030204" pitchFamily="34" charset="0"/>
-                        <a:cs typeface="Times New Roman" panose="02020603050405020304" pitchFamily="18" charset="0"/>
-                      </a:endParaRPr>
-                    </a:p>
-                  </a:txBody>
-                  <a:tcPr marL="68580" marR="68580" marT="0" marB="0" anchor="ctr"/>
-                </a:tc>
-                <a:extLst>
-                  <a:ext uri="{0D108BD9-81ED-4DB2-BD59-A6C34878D82A}">
-                    <a16:rowId xmlns:a16="http://schemas.microsoft.com/office/drawing/2014/main" val="56979503"/>
-                  </a:ext>
-                </a:extLst>
-              </a:tr>
-              <a:tr h="184871">
-                <a:tc>
-                  <a:txBody>
-                    <a:bodyPr/>
-                    <a:lstStyle/>
-                    <a:p>
-                      <a:pPr>
-                        <a:lnSpc>
-                          <a:spcPct val="107000"/>
-                        </a:lnSpc>
-                        <a:spcAft>
-                          <a:spcPts val="800"/>
-                        </a:spcAft>
-                      </a:pPr>
-                      <a:r>
-                        <a:rPr lang="en-IN" sz="1000" dirty="0">
-                          <a:effectLst/>
-                        </a:rPr>
-                        <a:t>Bisphenol F and S (20%)</a:t>
-                      </a:r>
-                      <a:endParaRPr lang="en-IN" sz="1100" dirty="0">
-                        <a:effectLst/>
-                        <a:latin typeface="Calibri" panose="020F0502020204030204" pitchFamily="34" charset="0"/>
-                        <a:ea typeface="Calibri" panose="020F0502020204030204" pitchFamily="34" charset="0"/>
-                        <a:cs typeface="Times New Roman" panose="02020603050405020304" pitchFamily="18" charset="0"/>
-                      </a:endParaRPr>
-                    </a:p>
-                  </a:txBody>
-                  <a:tcPr marL="68580" marR="68580" marT="0" marB="0" anchor="ctr"/>
-                </a:tc>
-                <a:tc>
-                  <a:txBody>
-                    <a:bodyPr/>
-                    <a:lstStyle/>
-                    <a:p>
-                      <a:pPr algn="ctr">
-                        <a:lnSpc>
-                          <a:spcPct val="107000"/>
-                        </a:lnSpc>
-                        <a:spcAft>
-                          <a:spcPts val="800"/>
-                        </a:spcAft>
-                      </a:pPr>
-                      <a:r>
-                        <a:rPr lang="en-IN" sz="800">
-                          <a:effectLst/>
-                        </a:rPr>
-                        <a:t>5,000</a:t>
-                      </a:r>
-                      <a:endParaRPr lang="en-IN" sz="1100">
-                        <a:effectLst/>
-                        <a:latin typeface="Calibri" panose="020F0502020204030204" pitchFamily="34" charset="0"/>
-                        <a:ea typeface="Calibri" panose="020F0502020204030204" pitchFamily="34" charset="0"/>
-                        <a:cs typeface="Times New Roman" panose="02020603050405020304" pitchFamily="18" charset="0"/>
-                      </a:endParaRPr>
-                    </a:p>
-                  </a:txBody>
-                  <a:tcPr marL="68580" marR="68580" marT="0" marB="0" anchor="ctr"/>
-                </a:tc>
-                <a:tc>
-                  <a:txBody>
-                    <a:bodyPr/>
-                    <a:lstStyle/>
-                    <a:p>
-                      <a:pPr algn="ctr">
-                        <a:lnSpc>
-                          <a:spcPct val="107000"/>
-                        </a:lnSpc>
-                        <a:spcAft>
-                          <a:spcPts val="800"/>
-                        </a:spcAft>
-                      </a:pPr>
-                      <a:r>
-                        <a:rPr lang="en-IN" sz="800">
-                          <a:effectLst/>
-                        </a:rPr>
-                        <a:t>5,000</a:t>
-                      </a:r>
-                      <a:endParaRPr lang="en-IN" sz="1100">
-                        <a:effectLst/>
-                        <a:latin typeface="Calibri" panose="020F0502020204030204" pitchFamily="34" charset="0"/>
-                        <a:ea typeface="Calibri" panose="020F0502020204030204" pitchFamily="34" charset="0"/>
-                        <a:cs typeface="Times New Roman" panose="02020603050405020304" pitchFamily="18" charset="0"/>
-                      </a:endParaRPr>
-                    </a:p>
-                  </a:txBody>
-                  <a:tcPr marL="68580" marR="68580" marT="0" marB="0" anchor="ctr"/>
-                </a:tc>
-                <a:extLst>
-                  <a:ext uri="{0D108BD9-81ED-4DB2-BD59-A6C34878D82A}">
-                    <a16:rowId xmlns:a16="http://schemas.microsoft.com/office/drawing/2014/main" val="997302675"/>
-                  </a:ext>
-                </a:extLst>
-              </a:tr>
-              <a:tr h="184871">
-                <a:tc>
-                  <a:txBody>
-                    <a:bodyPr/>
-                    <a:lstStyle/>
-                    <a:p>
-                      <a:pPr>
-                        <a:lnSpc>
-                          <a:spcPct val="107000"/>
-                        </a:lnSpc>
-                        <a:spcAft>
-                          <a:spcPts val="800"/>
-                        </a:spcAft>
-                      </a:pPr>
-                      <a:r>
-                        <a:rPr lang="en-IN" sz="1000">
-                          <a:effectLst/>
-                        </a:rPr>
-                        <a:t>Solid and Semi Solid Epoxy Resin</a:t>
-                      </a:r>
-                      <a:endParaRPr lang="en-IN" sz="1100">
-                        <a:effectLst/>
-                        <a:latin typeface="Calibri" panose="020F0502020204030204" pitchFamily="34" charset="0"/>
-                        <a:ea typeface="Calibri" panose="020F0502020204030204" pitchFamily="34" charset="0"/>
-                        <a:cs typeface="Times New Roman" panose="02020603050405020304" pitchFamily="18" charset="0"/>
-                      </a:endParaRPr>
-                    </a:p>
-                  </a:txBody>
-                  <a:tcPr marL="68580" marR="68580" marT="0" marB="0" anchor="ctr"/>
-                </a:tc>
-                <a:tc>
-                  <a:txBody>
-                    <a:bodyPr/>
-                    <a:lstStyle/>
-                    <a:p>
-                      <a:pPr algn="ctr">
-                        <a:lnSpc>
-                          <a:spcPct val="107000"/>
-                        </a:lnSpc>
-                        <a:spcAft>
-                          <a:spcPts val="800"/>
-                        </a:spcAft>
-                      </a:pPr>
-                      <a:r>
-                        <a:rPr lang="en-IN" sz="1000">
-                          <a:effectLst/>
-                        </a:rPr>
-                        <a:t>12,000</a:t>
-                      </a:r>
-                      <a:endParaRPr lang="en-IN" sz="1100">
-                        <a:effectLst/>
-                        <a:latin typeface="Calibri" panose="020F0502020204030204" pitchFamily="34" charset="0"/>
-                        <a:ea typeface="Calibri" panose="020F0502020204030204" pitchFamily="34" charset="0"/>
-                        <a:cs typeface="Times New Roman" panose="02020603050405020304" pitchFamily="18" charset="0"/>
-                      </a:endParaRPr>
-                    </a:p>
-                  </a:txBody>
-                  <a:tcPr marL="68580" marR="68580" marT="0" marB="0" anchor="ctr"/>
-                </a:tc>
-                <a:tc>
-                  <a:txBody>
-                    <a:bodyPr/>
-                    <a:lstStyle/>
-                    <a:p>
-                      <a:pPr algn="ctr">
-                        <a:lnSpc>
-                          <a:spcPct val="107000"/>
-                        </a:lnSpc>
-                        <a:spcAft>
-                          <a:spcPts val="800"/>
-                        </a:spcAft>
-                      </a:pPr>
-                      <a:r>
-                        <a:rPr lang="en-IN" sz="1000">
-                          <a:effectLst/>
-                        </a:rPr>
-                        <a:t>12,000</a:t>
-                      </a:r>
-                      <a:endParaRPr lang="en-IN" sz="1100">
-                        <a:effectLst/>
-                        <a:latin typeface="Calibri" panose="020F0502020204030204" pitchFamily="34" charset="0"/>
-                        <a:ea typeface="Calibri" panose="020F0502020204030204" pitchFamily="34" charset="0"/>
-                        <a:cs typeface="Times New Roman" panose="02020603050405020304" pitchFamily="18" charset="0"/>
-                      </a:endParaRPr>
-                    </a:p>
-                  </a:txBody>
-                  <a:tcPr marL="68580" marR="68580" marT="0" marB="0" anchor="ctr"/>
-                </a:tc>
-                <a:extLst>
-                  <a:ext uri="{0D108BD9-81ED-4DB2-BD59-A6C34878D82A}">
-                    <a16:rowId xmlns:a16="http://schemas.microsoft.com/office/drawing/2014/main" val="3461521062"/>
-                  </a:ext>
-                </a:extLst>
-              </a:tr>
-              <a:tr h="346890">
-                <a:tc>
-                  <a:txBody>
-                    <a:bodyPr/>
-                    <a:lstStyle/>
-                    <a:p>
-                      <a:pPr>
-                        <a:lnSpc>
-                          <a:spcPct val="107000"/>
-                        </a:lnSpc>
-                        <a:spcAft>
-                          <a:spcPts val="800"/>
-                        </a:spcAft>
-                      </a:pPr>
-                      <a:r>
-                        <a:rPr lang="en-IN" sz="1000">
-                          <a:effectLst/>
-                        </a:rPr>
-                        <a:t>Multifunctional (Novolac Epoxy Resin, Phenol / Cresol) (75% of total speicality resin)</a:t>
-                      </a:r>
-                      <a:endParaRPr lang="en-IN" sz="1100">
-                        <a:effectLst/>
-                        <a:latin typeface="Calibri" panose="020F0502020204030204" pitchFamily="34" charset="0"/>
-                        <a:ea typeface="Calibri" panose="020F0502020204030204" pitchFamily="34" charset="0"/>
-                        <a:cs typeface="Times New Roman" panose="02020603050405020304" pitchFamily="18" charset="0"/>
-                      </a:endParaRPr>
-                    </a:p>
-                  </a:txBody>
-                  <a:tcPr marL="68580" marR="68580" marT="0" marB="0" anchor="ctr"/>
-                </a:tc>
-                <a:tc>
-                  <a:txBody>
-                    <a:bodyPr/>
-                    <a:lstStyle/>
-                    <a:p>
-                      <a:pPr algn="ctr">
-                        <a:lnSpc>
-                          <a:spcPct val="107000"/>
-                        </a:lnSpc>
-                        <a:spcAft>
-                          <a:spcPts val="800"/>
-                        </a:spcAft>
-                      </a:pPr>
-                      <a:r>
-                        <a:rPr lang="en-IN" sz="800">
-                          <a:effectLst/>
-                        </a:rPr>
-                        <a:t>9,000</a:t>
-                      </a:r>
-                      <a:endParaRPr lang="en-IN" sz="1100">
-                        <a:effectLst/>
-                        <a:latin typeface="Calibri" panose="020F0502020204030204" pitchFamily="34" charset="0"/>
-                        <a:ea typeface="Calibri" panose="020F0502020204030204" pitchFamily="34" charset="0"/>
-                        <a:cs typeface="Times New Roman" panose="02020603050405020304" pitchFamily="18" charset="0"/>
-                      </a:endParaRPr>
-                    </a:p>
-                  </a:txBody>
-                  <a:tcPr marL="68580" marR="68580" marT="0" marB="0" anchor="ctr"/>
-                </a:tc>
-                <a:tc>
-                  <a:txBody>
-                    <a:bodyPr/>
-                    <a:lstStyle/>
-                    <a:p>
-                      <a:pPr algn="ctr">
-                        <a:lnSpc>
-                          <a:spcPct val="107000"/>
-                        </a:lnSpc>
-                        <a:spcAft>
-                          <a:spcPts val="800"/>
-                        </a:spcAft>
-                      </a:pPr>
-                      <a:r>
-                        <a:rPr lang="en-IN" sz="800">
-                          <a:effectLst/>
-                        </a:rPr>
-                        <a:t>9,000</a:t>
-                      </a:r>
-                      <a:endParaRPr lang="en-IN" sz="1100">
-                        <a:effectLst/>
-                        <a:latin typeface="Calibri" panose="020F0502020204030204" pitchFamily="34" charset="0"/>
-                        <a:ea typeface="Calibri" panose="020F0502020204030204" pitchFamily="34" charset="0"/>
-                        <a:cs typeface="Times New Roman" panose="02020603050405020304" pitchFamily="18" charset="0"/>
-                      </a:endParaRPr>
-                    </a:p>
-                  </a:txBody>
-                  <a:tcPr marL="68580" marR="68580" marT="0" marB="0" anchor="ctr"/>
-                </a:tc>
-                <a:extLst>
-                  <a:ext uri="{0D108BD9-81ED-4DB2-BD59-A6C34878D82A}">
-                    <a16:rowId xmlns:a16="http://schemas.microsoft.com/office/drawing/2014/main" val="320654545"/>
-                  </a:ext>
-                </a:extLst>
-              </a:tr>
-              <a:tr h="184871">
-                <a:tc>
-                  <a:txBody>
-                    <a:bodyPr/>
-                    <a:lstStyle/>
-                    <a:p>
-                      <a:pPr>
-                        <a:lnSpc>
-                          <a:spcPct val="107000"/>
-                        </a:lnSpc>
-                        <a:spcAft>
-                          <a:spcPts val="800"/>
-                        </a:spcAft>
-                      </a:pPr>
-                      <a:r>
-                        <a:rPr lang="en-IN" sz="1000">
-                          <a:effectLst/>
-                        </a:rPr>
-                        <a:t>Cycloaliphatic Epoxy Resin (15% of total speicality resin)</a:t>
-                      </a:r>
-                      <a:endParaRPr lang="en-IN" sz="1100">
-                        <a:effectLst/>
-                        <a:latin typeface="Calibri" panose="020F0502020204030204" pitchFamily="34" charset="0"/>
-                        <a:ea typeface="Calibri" panose="020F0502020204030204" pitchFamily="34" charset="0"/>
-                        <a:cs typeface="Times New Roman" panose="02020603050405020304" pitchFamily="18" charset="0"/>
-                      </a:endParaRPr>
-                    </a:p>
-                  </a:txBody>
-                  <a:tcPr marL="68580" marR="68580" marT="0" marB="0" anchor="ctr"/>
-                </a:tc>
-                <a:tc>
-                  <a:txBody>
-                    <a:bodyPr/>
-                    <a:lstStyle/>
-                    <a:p>
-                      <a:pPr algn="ctr">
-                        <a:lnSpc>
-                          <a:spcPct val="107000"/>
-                        </a:lnSpc>
-                        <a:spcAft>
-                          <a:spcPts val="800"/>
-                        </a:spcAft>
-                      </a:pPr>
-                      <a:r>
-                        <a:rPr lang="en-IN" sz="800">
-                          <a:effectLst/>
-                        </a:rPr>
-                        <a:t>1,800</a:t>
-                      </a:r>
-                      <a:endParaRPr lang="en-IN" sz="1100">
-                        <a:effectLst/>
-                        <a:latin typeface="Calibri" panose="020F0502020204030204" pitchFamily="34" charset="0"/>
-                        <a:ea typeface="Calibri" panose="020F0502020204030204" pitchFamily="34" charset="0"/>
-                        <a:cs typeface="Times New Roman" panose="02020603050405020304" pitchFamily="18" charset="0"/>
-                      </a:endParaRPr>
-                    </a:p>
-                  </a:txBody>
-                  <a:tcPr marL="68580" marR="68580" marT="0" marB="0" anchor="ctr"/>
-                </a:tc>
-                <a:tc>
-                  <a:txBody>
-                    <a:bodyPr/>
-                    <a:lstStyle/>
-                    <a:p>
-                      <a:pPr algn="ctr">
-                        <a:lnSpc>
-                          <a:spcPct val="107000"/>
-                        </a:lnSpc>
-                        <a:spcAft>
-                          <a:spcPts val="800"/>
-                        </a:spcAft>
-                      </a:pPr>
-                      <a:r>
-                        <a:rPr lang="en-IN" sz="800">
-                          <a:effectLst/>
-                        </a:rPr>
-                        <a:t>1,800</a:t>
-                      </a:r>
-                      <a:endParaRPr lang="en-IN" sz="1100">
-                        <a:effectLst/>
-                        <a:latin typeface="Calibri" panose="020F0502020204030204" pitchFamily="34" charset="0"/>
-                        <a:ea typeface="Calibri" panose="020F0502020204030204" pitchFamily="34" charset="0"/>
-                        <a:cs typeface="Times New Roman" panose="02020603050405020304" pitchFamily="18" charset="0"/>
-                      </a:endParaRPr>
-                    </a:p>
-                  </a:txBody>
-                  <a:tcPr marL="68580" marR="68580" marT="0" marB="0" anchor="ctr"/>
-                </a:tc>
-                <a:extLst>
-                  <a:ext uri="{0D108BD9-81ED-4DB2-BD59-A6C34878D82A}">
-                    <a16:rowId xmlns:a16="http://schemas.microsoft.com/office/drawing/2014/main" val="2828980625"/>
-                  </a:ext>
-                </a:extLst>
-              </a:tr>
-              <a:tr h="346890">
-                <a:tc>
-                  <a:txBody>
-                    <a:bodyPr/>
-                    <a:lstStyle/>
-                    <a:p>
-                      <a:pPr>
-                        <a:lnSpc>
-                          <a:spcPct val="107000"/>
-                        </a:lnSpc>
-                        <a:spcAft>
-                          <a:spcPts val="800"/>
-                        </a:spcAft>
-                      </a:pPr>
-                      <a:r>
-                        <a:rPr lang="en-IN" sz="1000">
-                          <a:effectLst/>
-                        </a:rPr>
-                        <a:t>Others (Dimer Acid Modified Epoxy Resins, Brominated Epoxy Resins, Glycidyl amine Epoxy Resins others)</a:t>
-                      </a:r>
-                      <a:endParaRPr lang="en-IN" sz="1100">
-                        <a:effectLst/>
-                        <a:latin typeface="Calibri" panose="020F0502020204030204" pitchFamily="34" charset="0"/>
-                        <a:ea typeface="Calibri" panose="020F0502020204030204" pitchFamily="34" charset="0"/>
-                        <a:cs typeface="Times New Roman" panose="02020603050405020304" pitchFamily="18" charset="0"/>
-                      </a:endParaRPr>
-                    </a:p>
-                  </a:txBody>
-                  <a:tcPr marL="68580" marR="68580" marT="0" marB="0" anchor="ctr"/>
-                </a:tc>
-                <a:tc>
-                  <a:txBody>
-                    <a:bodyPr/>
-                    <a:lstStyle/>
-                    <a:p>
-                      <a:pPr algn="ctr">
-                        <a:lnSpc>
-                          <a:spcPct val="107000"/>
-                        </a:lnSpc>
-                        <a:spcAft>
-                          <a:spcPts val="800"/>
-                        </a:spcAft>
-                      </a:pPr>
-                      <a:r>
-                        <a:rPr lang="en-IN" sz="800" dirty="0">
-                          <a:effectLst/>
-                        </a:rPr>
-                        <a:t> </a:t>
-                      </a:r>
-                      <a:endParaRPr lang="en-IN" sz="1100" dirty="0">
-                        <a:effectLst/>
-                        <a:latin typeface="Calibri" panose="020F0502020204030204" pitchFamily="34" charset="0"/>
-                        <a:ea typeface="Calibri" panose="020F0502020204030204" pitchFamily="34" charset="0"/>
-                        <a:cs typeface="Times New Roman" panose="02020603050405020304" pitchFamily="18" charset="0"/>
-                      </a:endParaRPr>
-                    </a:p>
-                  </a:txBody>
-                  <a:tcPr marL="68580" marR="68580" marT="0" marB="0" anchor="ctr"/>
-                </a:tc>
-                <a:tc>
-                  <a:txBody>
-                    <a:bodyPr/>
-                    <a:lstStyle/>
-                    <a:p>
-                      <a:pPr algn="ctr">
-                        <a:lnSpc>
-                          <a:spcPct val="107000"/>
-                        </a:lnSpc>
-                        <a:spcAft>
-                          <a:spcPts val="800"/>
-                        </a:spcAft>
-                      </a:pPr>
-                      <a:r>
-                        <a:rPr lang="en-IN" sz="800">
-                          <a:effectLst/>
-                        </a:rPr>
-                        <a:t> </a:t>
-                      </a:r>
-                      <a:endParaRPr lang="en-IN" sz="1100">
-                        <a:effectLst/>
-                        <a:latin typeface="Calibri" panose="020F0502020204030204" pitchFamily="34" charset="0"/>
-                        <a:ea typeface="Calibri" panose="020F0502020204030204" pitchFamily="34" charset="0"/>
-                        <a:cs typeface="Times New Roman" panose="02020603050405020304" pitchFamily="18" charset="0"/>
-                      </a:endParaRPr>
-                    </a:p>
-                  </a:txBody>
-                  <a:tcPr marL="68580" marR="68580" marT="0" marB="0" anchor="ctr"/>
-                </a:tc>
-                <a:extLst>
-                  <a:ext uri="{0D108BD9-81ED-4DB2-BD59-A6C34878D82A}">
-                    <a16:rowId xmlns:a16="http://schemas.microsoft.com/office/drawing/2014/main" val="2782809538"/>
-                  </a:ext>
-                </a:extLst>
-              </a:tr>
-              <a:tr h="184871">
-                <a:tc>
-                  <a:txBody>
-                    <a:bodyPr/>
-                    <a:lstStyle/>
-                    <a:p>
-                      <a:pPr>
-                        <a:lnSpc>
-                          <a:spcPct val="107000"/>
-                        </a:lnSpc>
-                        <a:spcAft>
-                          <a:spcPts val="800"/>
-                        </a:spcAft>
-                      </a:pPr>
-                      <a:r>
-                        <a:rPr lang="en-IN" sz="1000">
-                          <a:effectLst/>
-                        </a:rPr>
-                        <a:t>Total</a:t>
-                      </a:r>
-                      <a:endParaRPr lang="en-IN" sz="1100">
-                        <a:effectLst/>
-                        <a:latin typeface="Calibri" panose="020F0502020204030204" pitchFamily="34" charset="0"/>
-                        <a:ea typeface="Calibri" panose="020F0502020204030204" pitchFamily="34" charset="0"/>
-                        <a:cs typeface="Times New Roman" panose="02020603050405020304" pitchFamily="18" charset="0"/>
-                      </a:endParaRPr>
-                    </a:p>
-                  </a:txBody>
-                  <a:tcPr marL="68580" marR="68580" marT="0" marB="0" anchor="ctr"/>
-                </a:tc>
-                <a:tc>
-                  <a:txBody>
-                    <a:bodyPr/>
-                    <a:lstStyle/>
-                    <a:p>
-                      <a:pPr algn="ctr">
-                        <a:lnSpc>
-                          <a:spcPct val="107000"/>
-                        </a:lnSpc>
-                        <a:spcAft>
-                          <a:spcPts val="800"/>
-                        </a:spcAft>
-                      </a:pPr>
-                      <a:r>
-                        <a:rPr lang="en-IN" sz="1000">
-                          <a:effectLst/>
-                        </a:rPr>
-                        <a:t>42,000</a:t>
-                      </a:r>
-                      <a:endParaRPr lang="en-IN" sz="1100">
-                        <a:effectLst/>
-                        <a:latin typeface="Calibri" panose="020F0502020204030204" pitchFamily="34" charset="0"/>
-                        <a:ea typeface="Calibri" panose="020F0502020204030204" pitchFamily="34" charset="0"/>
-                        <a:cs typeface="Times New Roman" panose="02020603050405020304" pitchFamily="18" charset="0"/>
-                      </a:endParaRPr>
-                    </a:p>
-                  </a:txBody>
-                  <a:tcPr marL="68580" marR="68580" marT="0" marB="0" anchor="ctr"/>
-                </a:tc>
-                <a:tc>
-                  <a:txBody>
-                    <a:bodyPr/>
-                    <a:lstStyle/>
-                    <a:p>
-                      <a:pPr algn="ctr">
-                        <a:lnSpc>
-                          <a:spcPct val="107000"/>
-                        </a:lnSpc>
-                        <a:spcAft>
-                          <a:spcPts val="800"/>
-                        </a:spcAft>
-                      </a:pPr>
-                      <a:r>
-                        <a:rPr lang="en-IN" sz="1000">
-                          <a:effectLst/>
-                        </a:rPr>
-                        <a:t>42,000</a:t>
-                      </a:r>
-                      <a:endParaRPr lang="en-IN" sz="1100">
-                        <a:effectLst/>
-                        <a:latin typeface="Calibri" panose="020F0502020204030204" pitchFamily="34" charset="0"/>
-                        <a:ea typeface="Calibri" panose="020F0502020204030204" pitchFamily="34" charset="0"/>
-                        <a:cs typeface="Times New Roman" panose="02020603050405020304" pitchFamily="18" charset="0"/>
-                      </a:endParaRPr>
-                    </a:p>
-                  </a:txBody>
-                  <a:tcPr marL="68580" marR="68580" marT="0" marB="0" anchor="ctr"/>
-                </a:tc>
-                <a:extLst>
-                  <a:ext uri="{0D108BD9-81ED-4DB2-BD59-A6C34878D82A}">
-                    <a16:rowId xmlns:a16="http://schemas.microsoft.com/office/drawing/2014/main" val="1385698573"/>
-                  </a:ext>
-                </a:extLst>
-              </a:tr>
-              <a:tr h="184871">
-                <a:tc gridSpan="3">
-                  <a:txBody>
-                    <a:bodyPr/>
-                    <a:lstStyle/>
-                    <a:p>
-                      <a:pPr algn="ctr">
-                        <a:lnSpc>
-                          <a:spcPct val="107000"/>
-                        </a:lnSpc>
-                        <a:spcAft>
-                          <a:spcPts val="800"/>
-                        </a:spcAft>
-                      </a:pPr>
-                      <a:r>
-                        <a:rPr lang="en-IN" sz="1000">
-                          <a:effectLst/>
-                        </a:rPr>
-                        <a:t>Epoxy System Plant Capacity*</a:t>
-                      </a:r>
-                      <a:endParaRPr lang="en-IN" sz="1100">
-                        <a:effectLst/>
-                        <a:latin typeface="Calibri" panose="020F0502020204030204" pitchFamily="34" charset="0"/>
-                        <a:ea typeface="Calibri" panose="020F0502020204030204" pitchFamily="34" charset="0"/>
-                        <a:cs typeface="Times New Roman" panose="02020603050405020304" pitchFamily="18" charset="0"/>
-                      </a:endParaRPr>
-                    </a:p>
-                  </a:txBody>
-                  <a:tcPr marL="68580" marR="68580" marT="0" marB="0" anchor="ctr"/>
-                </a:tc>
-                <a:tc hMerge="1">
-                  <a:txBody>
-                    <a:bodyPr/>
-                    <a:lstStyle/>
-                    <a:p>
-                      <a:endParaRPr lang="en-IN"/>
-                    </a:p>
-                  </a:txBody>
-                  <a:tcPr/>
-                </a:tc>
-                <a:tc hMerge="1">
-                  <a:txBody>
-                    <a:bodyPr/>
-                    <a:lstStyle/>
-                    <a:p>
-                      <a:endParaRPr lang="en-IN"/>
-                    </a:p>
-                  </a:txBody>
-                  <a:tcPr/>
-                </a:tc>
-                <a:extLst>
-                  <a:ext uri="{0D108BD9-81ED-4DB2-BD59-A6C34878D82A}">
-                    <a16:rowId xmlns:a16="http://schemas.microsoft.com/office/drawing/2014/main" val="1636003663"/>
-                  </a:ext>
-                </a:extLst>
-              </a:tr>
-              <a:tr h="184871">
-                <a:tc>
-                  <a:txBody>
-                    <a:bodyPr/>
-                    <a:lstStyle/>
-                    <a:p>
-                      <a:pPr>
-                        <a:lnSpc>
-                          <a:spcPct val="107000"/>
-                        </a:lnSpc>
-                        <a:spcAft>
-                          <a:spcPts val="800"/>
-                        </a:spcAft>
-                      </a:pPr>
-                      <a:r>
-                        <a:rPr lang="en-IN" sz="1000">
-                          <a:effectLst/>
-                        </a:rPr>
-                        <a:t>Hardeners (15 -17% of Liquid Epoxy Resin Capacity)</a:t>
-                      </a:r>
-                      <a:endParaRPr lang="en-IN" sz="1100">
-                        <a:effectLst/>
-                        <a:latin typeface="Calibri" panose="020F0502020204030204" pitchFamily="34" charset="0"/>
-                        <a:ea typeface="Calibri" panose="020F0502020204030204" pitchFamily="34" charset="0"/>
-                        <a:cs typeface="Times New Roman" panose="02020603050405020304" pitchFamily="18" charset="0"/>
-                      </a:endParaRPr>
-                    </a:p>
-                  </a:txBody>
-                  <a:tcPr marL="68580" marR="68580" marT="0" marB="0" anchor="ctr"/>
-                </a:tc>
-                <a:tc>
-                  <a:txBody>
-                    <a:bodyPr/>
-                    <a:lstStyle/>
-                    <a:p>
-                      <a:pPr algn="ctr">
-                        <a:lnSpc>
-                          <a:spcPct val="107000"/>
-                        </a:lnSpc>
-                        <a:spcAft>
-                          <a:spcPts val="800"/>
-                        </a:spcAft>
-                      </a:pPr>
-                      <a:r>
-                        <a:rPr lang="en-IN" sz="1000">
-                          <a:effectLst/>
-                        </a:rPr>
-                        <a:t>5000</a:t>
-                      </a:r>
-                      <a:endParaRPr lang="en-IN" sz="1100">
-                        <a:effectLst/>
-                        <a:latin typeface="Calibri" panose="020F0502020204030204" pitchFamily="34" charset="0"/>
-                        <a:ea typeface="Calibri" panose="020F0502020204030204" pitchFamily="34" charset="0"/>
-                        <a:cs typeface="Times New Roman" panose="02020603050405020304" pitchFamily="18" charset="0"/>
-                      </a:endParaRPr>
-                    </a:p>
-                  </a:txBody>
-                  <a:tcPr marL="68580" marR="68580" marT="0" marB="0" anchor="ctr"/>
-                </a:tc>
-                <a:tc>
-                  <a:txBody>
-                    <a:bodyPr/>
-                    <a:lstStyle/>
-                    <a:p>
-                      <a:pPr algn="ctr">
-                        <a:lnSpc>
-                          <a:spcPct val="107000"/>
-                        </a:lnSpc>
-                        <a:spcAft>
-                          <a:spcPts val="800"/>
-                        </a:spcAft>
-                      </a:pPr>
-                      <a:r>
-                        <a:rPr lang="en-IN" sz="1000">
-                          <a:effectLst/>
-                        </a:rPr>
-                        <a:t>5000</a:t>
-                      </a:r>
-                      <a:endParaRPr lang="en-IN" sz="1100">
-                        <a:effectLst/>
-                        <a:latin typeface="Calibri" panose="020F0502020204030204" pitchFamily="34" charset="0"/>
-                        <a:ea typeface="Calibri" panose="020F0502020204030204" pitchFamily="34" charset="0"/>
-                        <a:cs typeface="Times New Roman" panose="02020603050405020304" pitchFamily="18" charset="0"/>
-                      </a:endParaRPr>
-                    </a:p>
-                  </a:txBody>
-                  <a:tcPr marL="68580" marR="68580" marT="0" marB="0" anchor="ctr"/>
-                </a:tc>
-                <a:extLst>
-                  <a:ext uri="{0D108BD9-81ED-4DB2-BD59-A6C34878D82A}">
-                    <a16:rowId xmlns:a16="http://schemas.microsoft.com/office/drawing/2014/main" val="861819629"/>
-                  </a:ext>
-                </a:extLst>
-              </a:tr>
-              <a:tr h="184871">
-                <a:tc>
-                  <a:txBody>
-                    <a:bodyPr/>
-                    <a:lstStyle/>
-                    <a:p>
-                      <a:pPr>
-                        <a:lnSpc>
-                          <a:spcPct val="107000"/>
-                        </a:lnSpc>
-                        <a:spcAft>
-                          <a:spcPts val="800"/>
-                        </a:spcAft>
-                      </a:pPr>
-                      <a:r>
-                        <a:rPr lang="en-IN" sz="1000">
-                          <a:effectLst/>
-                        </a:rPr>
-                        <a:t>Reactive diluents (10 -12% of Liquid Epoxy Resin Capacity)</a:t>
-                      </a:r>
-                      <a:endParaRPr lang="en-IN" sz="1100">
-                        <a:effectLst/>
-                        <a:latin typeface="Calibri" panose="020F0502020204030204" pitchFamily="34" charset="0"/>
-                        <a:ea typeface="Calibri" panose="020F0502020204030204" pitchFamily="34" charset="0"/>
-                        <a:cs typeface="Times New Roman" panose="02020603050405020304" pitchFamily="18" charset="0"/>
-                      </a:endParaRPr>
-                    </a:p>
-                  </a:txBody>
-                  <a:tcPr marL="68580" marR="68580" marT="0" marB="0" anchor="ctr"/>
-                </a:tc>
-                <a:tc>
-                  <a:txBody>
-                    <a:bodyPr/>
-                    <a:lstStyle/>
-                    <a:p>
-                      <a:pPr algn="ctr">
-                        <a:lnSpc>
-                          <a:spcPct val="107000"/>
-                        </a:lnSpc>
-                        <a:spcAft>
-                          <a:spcPts val="800"/>
-                        </a:spcAft>
-                      </a:pPr>
-                      <a:r>
-                        <a:rPr lang="en-IN" sz="1000">
-                          <a:effectLst/>
-                        </a:rPr>
-                        <a:t>3000</a:t>
-                      </a:r>
-                      <a:endParaRPr lang="en-IN" sz="1100">
-                        <a:effectLst/>
-                        <a:latin typeface="Calibri" panose="020F0502020204030204" pitchFamily="34" charset="0"/>
-                        <a:ea typeface="Calibri" panose="020F0502020204030204" pitchFamily="34" charset="0"/>
-                        <a:cs typeface="Times New Roman" panose="02020603050405020304" pitchFamily="18" charset="0"/>
-                      </a:endParaRPr>
-                    </a:p>
-                  </a:txBody>
-                  <a:tcPr marL="68580" marR="68580" marT="0" marB="0" anchor="ctr"/>
-                </a:tc>
-                <a:tc>
-                  <a:txBody>
-                    <a:bodyPr/>
-                    <a:lstStyle/>
-                    <a:p>
-                      <a:pPr algn="ctr">
-                        <a:lnSpc>
-                          <a:spcPct val="107000"/>
-                        </a:lnSpc>
-                        <a:spcAft>
-                          <a:spcPts val="800"/>
-                        </a:spcAft>
-                      </a:pPr>
-                      <a:r>
-                        <a:rPr lang="en-IN" sz="1000">
-                          <a:effectLst/>
-                        </a:rPr>
-                        <a:t>3000</a:t>
-                      </a:r>
-                      <a:endParaRPr lang="en-IN" sz="1100">
-                        <a:effectLst/>
-                        <a:latin typeface="Calibri" panose="020F0502020204030204" pitchFamily="34" charset="0"/>
-                        <a:ea typeface="Calibri" panose="020F0502020204030204" pitchFamily="34" charset="0"/>
-                        <a:cs typeface="Times New Roman" panose="02020603050405020304" pitchFamily="18" charset="0"/>
-                      </a:endParaRPr>
-                    </a:p>
-                  </a:txBody>
-                  <a:tcPr marL="68580" marR="68580" marT="0" marB="0" anchor="ctr"/>
-                </a:tc>
-                <a:extLst>
-                  <a:ext uri="{0D108BD9-81ED-4DB2-BD59-A6C34878D82A}">
-                    <a16:rowId xmlns:a16="http://schemas.microsoft.com/office/drawing/2014/main" val="3597883215"/>
-                  </a:ext>
-                </a:extLst>
-              </a:tr>
-              <a:tr h="184871">
-                <a:tc>
-                  <a:txBody>
-                    <a:bodyPr/>
-                    <a:lstStyle/>
-                    <a:p>
-                      <a:pPr>
-                        <a:lnSpc>
-                          <a:spcPct val="107000"/>
-                        </a:lnSpc>
-                        <a:spcAft>
-                          <a:spcPts val="800"/>
-                        </a:spcAft>
-                      </a:pPr>
-                      <a:r>
-                        <a:rPr lang="en-IN" sz="1000">
-                          <a:effectLst/>
-                        </a:rPr>
-                        <a:t>Total</a:t>
-                      </a:r>
-                      <a:endParaRPr lang="en-IN" sz="1100">
-                        <a:effectLst/>
-                        <a:latin typeface="Calibri" panose="020F0502020204030204" pitchFamily="34" charset="0"/>
-                        <a:ea typeface="Calibri" panose="020F0502020204030204" pitchFamily="34" charset="0"/>
-                        <a:cs typeface="Times New Roman" panose="02020603050405020304" pitchFamily="18" charset="0"/>
-                      </a:endParaRPr>
-                    </a:p>
-                  </a:txBody>
-                  <a:tcPr marL="68580" marR="68580" marT="0" marB="0" anchor="ctr"/>
-                </a:tc>
-                <a:tc>
-                  <a:txBody>
-                    <a:bodyPr/>
-                    <a:lstStyle/>
-                    <a:p>
-                      <a:pPr algn="ctr">
-                        <a:lnSpc>
-                          <a:spcPct val="107000"/>
-                        </a:lnSpc>
-                        <a:spcAft>
-                          <a:spcPts val="800"/>
-                        </a:spcAft>
-                      </a:pPr>
-                      <a:r>
-                        <a:rPr lang="en-IN" sz="1000">
-                          <a:effectLst/>
-                        </a:rPr>
-                        <a:t>8000</a:t>
-                      </a:r>
-                      <a:endParaRPr lang="en-IN" sz="1100">
-                        <a:effectLst/>
-                        <a:latin typeface="Calibri" panose="020F0502020204030204" pitchFamily="34" charset="0"/>
-                        <a:ea typeface="Calibri" panose="020F0502020204030204" pitchFamily="34" charset="0"/>
-                        <a:cs typeface="Times New Roman" panose="02020603050405020304" pitchFamily="18" charset="0"/>
-                      </a:endParaRPr>
-                    </a:p>
-                  </a:txBody>
-                  <a:tcPr marL="68580" marR="68580" marT="0" marB="0" anchor="ctr"/>
-                </a:tc>
-                <a:tc>
-                  <a:txBody>
-                    <a:bodyPr/>
-                    <a:lstStyle/>
-                    <a:p>
-                      <a:pPr algn="ctr">
-                        <a:lnSpc>
-                          <a:spcPct val="107000"/>
-                        </a:lnSpc>
-                        <a:spcAft>
-                          <a:spcPts val="800"/>
-                        </a:spcAft>
-                      </a:pPr>
-                      <a:r>
-                        <a:rPr lang="en-IN" sz="1000" dirty="0">
-                          <a:effectLst/>
-                        </a:rPr>
-                        <a:t>8000</a:t>
-                      </a:r>
-                      <a:endParaRPr lang="en-IN" sz="1100" dirty="0">
-                        <a:effectLst/>
-                        <a:latin typeface="Calibri" panose="020F0502020204030204" pitchFamily="34" charset="0"/>
-                        <a:ea typeface="Calibri" panose="020F0502020204030204" pitchFamily="34" charset="0"/>
-                        <a:cs typeface="Times New Roman" panose="02020603050405020304" pitchFamily="18" charset="0"/>
-                      </a:endParaRPr>
-                    </a:p>
-                  </a:txBody>
-                  <a:tcPr marL="68580" marR="68580" marT="0" marB="0" anchor="ctr"/>
-                </a:tc>
-                <a:extLst>
-                  <a:ext uri="{0D108BD9-81ED-4DB2-BD59-A6C34878D82A}">
-                    <a16:rowId xmlns:a16="http://schemas.microsoft.com/office/drawing/2014/main" val="2218615610"/>
-                  </a:ext>
-                </a:extLst>
-              </a:tr>
-            </a:tbl>
-          </a:graphicData>
-        </a:graphic>
-      </p:graphicFrame>
     </p:spTree>
     <p:extLst>
       <p:ext uri="{BB962C8B-B14F-4D97-AF65-F5344CB8AC3E}">
@@ -13962,7 +13699,7 @@
             </a:bodyPr>
             <a:lstStyle/>
             <a:p>
-              <a:pPr algn="ctr" defTabSz="444500">
+              <a:pPr marL="0" lvl="0" indent="0" algn="ctr" defTabSz="444500">
                 <a:lnSpc>
                   <a:spcPct val="90000"/>
                 </a:lnSpc>
@@ -13972,18 +13709,16 @@
                 <a:spcAft>
                   <a:spcPct val="35000"/>
                 </a:spcAft>
+                <a:buNone/>
               </a:pPr>
-              <a:r>
-                <a:rPr lang="en-US" sz="1000" b="1" dirty="0">
-                  <a:solidFill>
-                    <a:prstClr val="white"/>
-                  </a:solidFill>
-                  <a:latin typeface="Verdana" panose="020B0604030504040204" pitchFamily="34" charset="0"/>
-                  <a:ea typeface="Verdana" panose="020B0604030504040204" pitchFamily="34" charset="0"/>
-                  <a:cs typeface="Verdana" panose="020B0604030504040204" pitchFamily="34" charset="0"/>
-                </a:rPr>
-                <a:t>Stable Macro-economic and socio economic factors</a:t>
-              </a:r>
+              <a:endParaRPr lang="en-US" sz="1000" b="1" kern="1200" dirty="0">
+                <a:solidFill>
+                  <a:schemeClr val="tx1"/>
+                </a:solidFill>
+                <a:latin typeface="Verdana" panose="020B0604030504040204" pitchFamily="34" charset="0"/>
+                <a:ea typeface="Verdana" panose="020B0604030504040204" pitchFamily="34" charset="0"/>
+                <a:cs typeface="Verdana" panose="020B0604030504040204" pitchFamily="34" charset="0"/>
+              </a:endParaRPr>
             </a:p>
           </p:txBody>
         </p:sp>
@@ -14366,17 +14101,14 @@
                 </a:spcAft>
                 <a:buNone/>
               </a:pPr>
-              <a:r>
-                <a:rPr lang="en-US" sz="1000" b="1" kern="1200" dirty="0">
-                  <a:solidFill>
-                    <a:prstClr val="white"/>
-                  </a:solidFill>
-                  <a:latin typeface="Verdana" panose="020B0604030504040204" pitchFamily="34" charset="0"/>
-                  <a:ea typeface="Verdana" panose="020B0604030504040204" pitchFamily="34" charset="0"/>
-                  <a:cs typeface="Verdana" panose="020B0604030504040204" pitchFamily="34" charset="0"/>
-                </a:rPr>
-                <a:t>Booming Downstream Industries</a:t>
-              </a:r>
+              <a:endParaRPr lang="en-US" sz="1000" b="1" kern="1200" dirty="0">
+                <a:solidFill>
+                  <a:prstClr val="white"/>
+                </a:solidFill>
+                <a:latin typeface="Verdana" panose="020B0604030504040204" pitchFamily="34" charset="0"/>
+                <a:ea typeface="Verdana" panose="020B0604030504040204" pitchFamily="34" charset="0"/>
+                <a:cs typeface="Verdana" panose="020B0604030504040204" pitchFamily="34" charset="0"/>
+              </a:endParaRPr>
             </a:p>
           </p:txBody>
         </p:sp>
@@ -14781,17 +14513,14 @@
                 </a:spcAft>
                 <a:buNone/>
               </a:pPr>
-              <a:r>
-                <a:rPr lang="en-US" sz="1000" b="1" kern="1200" dirty="0">
-                  <a:solidFill>
-                    <a:prstClr val="white"/>
-                  </a:solidFill>
-                  <a:latin typeface="Verdana" panose="020B0604030504040204" pitchFamily="34" charset="0"/>
-                  <a:ea typeface="Verdana" panose="020B0604030504040204" pitchFamily="34" charset="0"/>
-                  <a:cs typeface="Verdana" panose="020B0604030504040204" pitchFamily="34" charset="0"/>
-                </a:rPr>
-                <a:t>Net Zero Emission</a:t>
-              </a:r>
+              <a:endParaRPr lang="en-US" sz="1000" b="1" kern="1200" dirty="0">
+                <a:solidFill>
+                  <a:prstClr val="white"/>
+                </a:solidFill>
+                <a:latin typeface="Verdana" panose="020B0604030504040204" pitchFamily="34" charset="0"/>
+                <a:ea typeface="Verdana" panose="020B0604030504040204" pitchFamily="34" charset="0"/>
+                <a:cs typeface="Verdana" panose="020B0604030504040204" pitchFamily="34" charset="0"/>
+              </a:endParaRPr>
             </a:p>
           </p:txBody>
         </p:sp>
@@ -14952,17 +14681,14 @@
                 </a:spcAft>
                 <a:buNone/>
               </a:pPr>
-              <a:r>
-                <a:rPr lang="en-US" sz="1000" b="1" kern="1200" dirty="0">
-                  <a:solidFill>
-                    <a:prstClr val="white"/>
-                  </a:solidFill>
-                  <a:latin typeface="Verdana" panose="020B0604030504040204" pitchFamily="34" charset="0"/>
-                  <a:ea typeface="Verdana" panose="020B0604030504040204" pitchFamily="34" charset="0"/>
-                  <a:cs typeface="Verdana" panose="020B0604030504040204" pitchFamily="34" charset="0"/>
-                </a:rPr>
-                <a:t>Specialized Applications</a:t>
-              </a:r>
+              <a:endParaRPr lang="en-US" sz="1000" b="1" kern="1200" dirty="0">
+                <a:solidFill>
+                  <a:prstClr val="white"/>
+                </a:solidFill>
+                <a:latin typeface="Verdana" panose="020B0604030504040204" pitchFamily="34" charset="0"/>
+                <a:ea typeface="Verdana" panose="020B0604030504040204" pitchFamily="34" charset="0"/>
+                <a:cs typeface="Verdana" panose="020B0604030504040204" pitchFamily="34" charset="0"/>
+              </a:endParaRPr>
             </a:p>
           </p:txBody>
         </p:sp>
@@ -19456,7 +19182,7 @@
           </a:bodyPr>
           <a:lstStyle/>
           <a:p>
-            <a:pPr marL="0" lvl="1" algn="l" defTabSz="444500">
+            <a:pPr marL="57150" lvl="1" indent="-57150" algn="l" defTabSz="444500">
               <a:lnSpc>
                 <a:spcPct val="90000"/>
               </a:lnSpc>
@@ -19466,6 +19192,7 @@
               <a:spcAft>
                 <a:spcPct val="15000"/>
               </a:spcAft>
+              <a:buChar char="•"/>
             </a:pPr>
             <a:r>
               <a:rPr lang="en-US" sz="1000" kern="1200" dirty="0">
@@ -19476,7 +19203,7 @@
                 <a:ea typeface="Verdana" panose="020B0604030504040204" pitchFamily="34" charset="0"/>
                 <a:cs typeface="Verdana" panose="020B0604030504040204" pitchFamily="34" charset="0"/>
               </a:rPr>
-              <a:t> Epoxy Market is driven by the raw material price &amp; its availability. There has been seen large price changes of BPA &amp; ECH during covid 19, which ultimately affect the epoxy resin price &amp; its demand. </a:t>
+              <a:t>Cost Escalation: Epoxy Market is driven by the raw material price &amp; its availability. There has been seen large price changes of BPA &amp; ECH during covid 19, which ultimately affect the epoxy resin price &amp; its demand. </a:t>
             </a:r>
           </a:p>
         </p:txBody>
@@ -19638,23 +19365,9 @@
               </a:spcAft>
               <a:buNone/>
             </a:pPr>
-            <a:r>
-              <a:rPr lang="en-US" sz="1000" b="1" dirty="0">
-                <a:solidFill>
-                  <a:schemeClr val="tx1"/>
-                </a:solidFill>
-                <a:highlight>
-                  <a:srgbClr val="FF0000"/>
-                </a:highlight>
-                <a:latin typeface="Verdana" panose="020B0604030504040204" pitchFamily="34" charset="0"/>
-                <a:ea typeface="Verdana" panose="020B0604030504040204" pitchFamily="34" charset="0"/>
-                <a:cs typeface="Verdana" panose="020B0604030504040204" pitchFamily="34" charset="0"/>
-              </a:rPr>
-              <a:t>Cost Escalation</a:t>
-            </a:r>
             <a:endParaRPr lang="en-US" sz="1000" b="1" kern="1200" dirty="0">
               <a:solidFill>
-                <a:schemeClr val="tx1"/>
+                <a:prstClr val="white"/>
               </a:solidFill>
               <a:highlight>
                 <a:srgbClr val="FF0000"/>
@@ -19994,23 +19707,9 @@
               </a:spcAft>
               <a:buNone/>
             </a:pPr>
-            <a:r>
-              <a:rPr lang="en-US" sz="1000" b="1" dirty="0">
-                <a:solidFill>
-                  <a:schemeClr val="tx1"/>
-                </a:solidFill>
-                <a:highlight>
-                  <a:srgbClr val="FF0000"/>
-                </a:highlight>
-                <a:latin typeface="Verdana" panose="020B0604030504040204" pitchFamily="34" charset="0"/>
-                <a:ea typeface="Verdana" panose="020B0604030504040204" pitchFamily="34" charset="0"/>
-                <a:cs typeface="Verdana" panose="020B0604030504040204" pitchFamily="34" charset="0"/>
-              </a:rPr>
-              <a:t>Entry Barrier</a:t>
-            </a:r>
             <a:endParaRPr lang="en-US" sz="1000" b="1" kern="1200" dirty="0">
               <a:solidFill>
-                <a:schemeClr val="tx1"/>
+                <a:prstClr val="white"/>
               </a:solidFill>
               <a:highlight>
                 <a:srgbClr val="FF0000"/>
@@ -20185,180 +19884,6 @@
                 <a:cs typeface="Verdana" panose="020B0604030504040204" pitchFamily="34" charset="0"/>
               </a:rPr>
               <a:t>Research and Development cost may increase as Reliance needs to compete with global players for niche and specialized applications.</a:t>
-            </a:r>
-          </a:p>
-        </p:txBody>
-      </p:sp>
-      <p:sp>
-        <p:nvSpPr>
-          <p:cNvPr id="47" name="Freeform: Shape 46">
-            <a:extLst>
-              <a:ext uri="{FF2B5EF4-FFF2-40B4-BE49-F238E27FC236}">
-                <a16:creationId xmlns:a16="http://schemas.microsoft.com/office/drawing/2014/main" id="{7AFFA3F2-CF93-426F-847B-1D552175882B}"/>
-              </a:ext>
-            </a:extLst>
-          </p:cNvPr>
-          <p:cNvSpPr/>
-          <p:nvPr/>
-        </p:nvSpPr>
-        <p:spPr>
-          <a:xfrm>
-            <a:off x="4409456" y="3798308"/>
-            <a:ext cx="1274350" cy="905409"/>
-          </a:xfrm>
-          <a:custGeom>
-            <a:avLst/>
-            <a:gdLst>
-              <a:gd name="connsiteX0" fmla="*/ 0 w 1205860"/>
-              <a:gd name="connsiteY0" fmla="*/ 136733 h 820384"/>
-              <a:gd name="connsiteX1" fmla="*/ 136733 w 1205860"/>
-              <a:gd name="connsiteY1" fmla="*/ 0 h 820384"/>
-              <a:gd name="connsiteX2" fmla="*/ 1069127 w 1205860"/>
-              <a:gd name="connsiteY2" fmla="*/ 0 h 820384"/>
-              <a:gd name="connsiteX3" fmla="*/ 1205860 w 1205860"/>
-              <a:gd name="connsiteY3" fmla="*/ 136733 h 820384"/>
-              <a:gd name="connsiteX4" fmla="*/ 1205860 w 1205860"/>
-              <a:gd name="connsiteY4" fmla="*/ 683651 h 820384"/>
-              <a:gd name="connsiteX5" fmla="*/ 1069127 w 1205860"/>
-              <a:gd name="connsiteY5" fmla="*/ 820384 h 820384"/>
-              <a:gd name="connsiteX6" fmla="*/ 136733 w 1205860"/>
-              <a:gd name="connsiteY6" fmla="*/ 820384 h 820384"/>
-              <a:gd name="connsiteX7" fmla="*/ 0 w 1205860"/>
-              <a:gd name="connsiteY7" fmla="*/ 683651 h 820384"/>
-              <a:gd name="connsiteX8" fmla="*/ 0 w 1205860"/>
-              <a:gd name="connsiteY8" fmla="*/ 136733 h 820384"/>
-            </a:gdLst>
-            <a:ahLst/>
-            <a:cxnLst>
-              <a:cxn ang="0">
-                <a:pos x="connsiteX0" y="connsiteY0"/>
-              </a:cxn>
-              <a:cxn ang="0">
-                <a:pos x="connsiteX1" y="connsiteY1"/>
-              </a:cxn>
-              <a:cxn ang="0">
-                <a:pos x="connsiteX2" y="connsiteY2"/>
-              </a:cxn>
-              <a:cxn ang="0">
-                <a:pos x="connsiteX3" y="connsiteY3"/>
-              </a:cxn>
-              <a:cxn ang="0">
-                <a:pos x="connsiteX4" y="connsiteY4"/>
-              </a:cxn>
-              <a:cxn ang="0">
-                <a:pos x="connsiteX5" y="connsiteY5"/>
-              </a:cxn>
-              <a:cxn ang="0">
-                <a:pos x="connsiteX6" y="connsiteY6"/>
-              </a:cxn>
-              <a:cxn ang="0">
-                <a:pos x="connsiteX7" y="connsiteY7"/>
-              </a:cxn>
-              <a:cxn ang="0">
-                <a:pos x="connsiteX8" y="connsiteY8"/>
-              </a:cxn>
-            </a:cxnLst>
-            <a:rect l="l" t="t" r="r" b="b"/>
-            <a:pathLst>
-              <a:path w="1205860" h="820384">
-                <a:moveTo>
-                  <a:pt x="0" y="136733"/>
-                </a:moveTo>
-                <a:cubicBezTo>
-                  <a:pt x="0" y="61217"/>
-                  <a:pt x="61217" y="0"/>
-                  <a:pt x="136733" y="0"/>
-                </a:cubicBezTo>
-                <a:lnTo>
-                  <a:pt x="1069127" y="0"/>
-                </a:lnTo>
-                <a:cubicBezTo>
-                  <a:pt x="1144643" y="0"/>
-                  <a:pt x="1205860" y="61217"/>
-                  <a:pt x="1205860" y="136733"/>
-                </a:cubicBezTo>
-                <a:lnTo>
-                  <a:pt x="1205860" y="683651"/>
-                </a:lnTo>
-                <a:cubicBezTo>
-                  <a:pt x="1205860" y="759167"/>
-                  <a:pt x="1144643" y="820384"/>
-                  <a:pt x="1069127" y="820384"/>
-                </a:cubicBezTo>
-                <a:lnTo>
-                  <a:pt x="136733" y="820384"/>
-                </a:lnTo>
-                <a:cubicBezTo>
-                  <a:pt x="61217" y="820384"/>
-                  <a:pt x="0" y="759167"/>
-                  <a:pt x="0" y="683651"/>
-                </a:cubicBezTo>
-                <a:lnTo>
-                  <a:pt x="0" y="136733"/>
-                </a:lnTo>
-                <a:close/>
-              </a:path>
-            </a:pathLst>
-          </a:custGeom>
-          <a:solidFill>
-            <a:srgbClr val="FF0000"/>
-          </a:solidFill>
-        </p:spPr>
-        <p:style>
-          <a:lnRef idx="2">
-            <a:schemeClr val="lt1">
-              <a:hueOff val="0"/>
-              <a:satOff val="0"/>
-              <a:lumOff val="0"/>
-              <a:alphaOff val="0"/>
-            </a:schemeClr>
-          </a:lnRef>
-          <a:fillRef idx="1">
-            <a:scrgbClr r="0" g="0" b="0"/>
-          </a:fillRef>
-          <a:effectRef idx="0">
-            <a:schemeClr val="accent1">
-              <a:hueOff val="0"/>
-              <a:satOff val="0"/>
-              <a:lumOff val="0"/>
-              <a:alphaOff val="0"/>
-            </a:schemeClr>
-          </a:effectRef>
-          <a:fontRef idx="minor">
-            <a:schemeClr val="lt1"/>
-          </a:fontRef>
-        </p:style>
-        <p:txBody>
-          <a:bodyPr spcFirstLastPara="0" vert="horz" wrap="square" lIns="78148" tIns="59098" rIns="78148" bIns="59098" numCol="1" spcCol="1270" anchor="ctr" anchorCtr="0">
-            <a:noAutofit/>
-          </a:bodyPr>
-          <a:lstStyle/>
-          <a:p>
-            <a:pPr marL="0" lvl="0" indent="0" algn="ctr" defTabSz="444500">
-              <a:lnSpc>
-                <a:spcPct val="90000"/>
-              </a:lnSpc>
-              <a:spcBef>
-                <a:spcPct val="0"/>
-              </a:spcBef>
-              <a:spcAft>
-                <a:spcPct val="35000"/>
-              </a:spcAft>
-              <a:buNone/>
-            </a:pPr>
-            <a:r>
-              <a:rPr lang="en-US" sz="1000" b="1" kern="1200" dirty="0">
-                <a:solidFill>
-                  <a:schemeClr val="tx1"/>
-                </a:solidFill>
-                <a:highlight>
-                  <a:srgbClr val="FF0000"/>
-                </a:highlight>
-                <a:latin typeface="Verdana" panose="020B0604030504040204" pitchFamily="34" charset="0"/>
-                <a:ea typeface="Verdana" panose="020B0604030504040204" pitchFamily="34" charset="0"/>
-                <a:cs typeface="Verdana" panose="020B0604030504040204" pitchFamily="34" charset="0"/>
-              </a:rPr>
-              <a:t>Technological Challenges</a:t>
             </a:r>
           </a:p>
         </p:txBody>
@@ -20572,6 +20097,1181 @@
           </a:p>
         </p:txBody>
       </p:sp>
+      <p:graphicFrame>
+        <p:nvGraphicFramePr>
+          <p:cNvPr id="3" name="Content Placeholder 2">
+            <a:extLst>
+              <a:ext uri="{FF2B5EF4-FFF2-40B4-BE49-F238E27FC236}">
+                <a16:creationId xmlns:a16="http://schemas.microsoft.com/office/drawing/2014/main" id="{0F08C669-FCC5-4C2D-8573-6A8B3F1FB8EC}"/>
+              </a:ext>
+            </a:extLst>
+          </p:cNvPr>
+          <p:cNvGraphicFramePr>
+            <a:graphicFrameLocks noGrp="1"/>
+          </p:cNvGraphicFramePr>
+          <p:nvPr>
+            <p:ph idx="1"/>
+            <p:extLst>
+              <p:ext uri="{D42A27DB-BD31-4B8C-83A1-F6EECF244321}">
+                <p14:modId xmlns:p14="http://schemas.microsoft.com/office/powerpoint/2010/main" val="2372773326"/>
+              </p:ext>
+            </p:extLst>
+          </p:nvPr>
+        </p:nvGraphicFramePr>
+        <p:xfrm>
+          <a:off x="281355" y="4037428"/>
+          <a:ext cx="8595361" cy="2599880"/>
+        </p:xfrm>
+        <a:graphic>
+          <a:graphicData uri="http://schemas.openxmlformats.org/drawingml/2006/table">
+            <a:tbl>
+              <a:tblPr firstRow="1" firstCol="1" bandRow="1">
+                <a:tableStyleId>{5C22544A-7EE6-4342-B048-85BDC9FD1C3A}</a:tableStyleId>
+              </a:tblPr>
+              <a:tblGrid>
+                <a:gridCol w="1202046">
+                  <a:extLst>
+                    <a:ext uri="{9D8B030D-6E8A-4147-A177-3AD203B41FA5}">
+                      <a16:colId xmlns:a16="http://schemas.microsoft.com/office/drawing/2014/main" val="2380956351"/>
+                    </a:ext>
+                  </a:extLst>
+                </a:gridCol>
+                <a:gridCol w="1407965">
+                  <a:extLst>
+                    <a:ext uri="{9D8B030D-6E8A-4147-A177-3AD203B41FA5}">
+                      <a16:colId xmlns:a16="http://schemas.microsoft.com/office/drawing/2014/main" val="246764933"/>
+                    </a:ext>
+                  </a:extLst>
+                </a:gridCol>
+                <a:gridCol w="1407965">
+                  <a:extLst>
+                    <a:ext uri="{9D8B030D-6E8A-4147-A177-3AD203B41FA5}">
+                      <a16:colId xmlns:a16="http://schemas.microsoft.com/office/drawing/2014/main" val="741420488"/>
+                    </a:ext>
+                  </a:extLst>
+                </a:gridCol>
+                <a:gridCol w="1407965">
+                  <a:extLst>
+                    <a:ext uri="{9D8B030D-6E8A-4147-A177-3AD203B41FA5}">
+                      <a16:colId xmlns:a16="http://schemas.microsoft.com/office/drawing/2014/main" val="1166692978"/>
+                    </a:ext>
+                  </a:extLst>
+                </a:gridCol>
+                <a:gridCol w="1584710">
+                  <a:extLst>
+                    <a:ext uri="{9D8B030D-6E8A-4147-A177-3AD203B41FA5}">
+                      <a16:colId xmlns:a16="http://schemas.microsoft.com/office/drawing/2014/main" val="1885360805"/>
+                    </a:ext>
+                  </a:extLst>
+                </a:gridCol>
+                <a:gridCol w="1584710">
+                  <a:extLst>
+                    <a:ext uri="{9D8B030D-6E8A-4147-A177-3AD203B41FA5}">
+                      <a16:colId xmlns:a16="http://schemas.microsoft.com/office/drawing/2014/main" val="3799038570"/>
+                    </a:ext>
+                  </a:extLst>
+                </a:gridCol>
+              </a:tblGrid>
+              <a:tr h="278591">
+                <a:tc gridSpan="6">
+                  <a:txBody>
+                    <a:bodyPr/>
+                    <a:lstStyle/>
+                    <a:p>
+                      <a:pPr algn="ctr">
+                        <a:lnSpc>
+                          <a:spcPct val="107000"/>
+                        </a:lnSpc>
+                        <a:spcAft>
+                          <a:spcPts val="800"/>
+                        </a:spcAft>
+                      </a:pPr>
+                      <a:r>
+                        <a:rPr lang="en-IN" sz="1000" dirty="0">
+                          <a:effectLst/>
+                          <a:latin typeface="Verdana" panose="020B0604030504040204" pitchFamily="34" charset="0"/>
+                          <a:ea typeface="Verdana" panose="020B0604030504040204" pitchFamily="34" charset="0"/>
+                          <a:cs typeface="Verdana" panose="020B0604030504040204" pitchFamily="34" charset="0"/>
+                        </a:rPr>
+                        <a:t>NPV in USD Million</a:t>
+                      </a:r>
+                    </a:p>
+                  </a:txBody>
+                  <a:tcPr marL="62065" marR="62065" marT="0" marB="0" anchor="ctr"/>
+                </a:tc>
+                <a:tc hMerge="1">
+                  <a:txBody>
+                    <a:bodyPr/>
+                    <a:lstStyle/>
+                    <a:p>
+                      <a:endParaRPr lang="en-IN"/>
+                    </a:p>
+                  </a:txBody>
+                  <a:tcPr/>
+                </a:tc>
+                <a:tc hMerge="1">
+                  <a:txBody>
+                    <a:bodyPr/>
+                    <a:lstStyle/>
+                    <a:p>
+                      <a:endParaRPr lang="en-IN"/>
+                    </a:p>
+                  </a:txBody>
+                  <a:tcPr/>
+                </a:tc>
+                <a:tc hMerge="1">
+                  <a:txBody>
+                    <a:bodyPr/>
+                    <a:lstStyle/>
+                    <a:p>
+                      <a:endParaRPr lang="en-IN"/>
+                    </a:p>
+                  </a:txBody>
+                  <a:tcPr/>
+                </a:tc>
+                <a:tc hMerge="1">
+                  <a:txBody>
+                    <a:bodyPr/>
+                    <a:lstStyle/>
+                    <a:p>
+                      <a:endParaRPr lang="en-IN"/>
+                    </a:p>
+                  </a:txBody>
+                  <a:tcPr/>
+                </a:tc>
+                <a:tc hMerge="1">
+                  <a:txBody>
+                    <a:bodyPr/>
+                    <a:lstStyle/>
+                    <a:p>
+                      <a:endParaRPr lang="en-IN"/>
+                    </a:p>
+                  </a:txBody>
+                  <a:tcPr/>
+                </a:tc>
+                <a:extLst>
+                  <a:ext uri="{0D108BD9-81ED-4DB2-BD59-A6C34878D82A}">
+                    <a16:rowId xmlns:a16="http://schemas.microsoft.com/office/drawing/2014/main" val="1111606693"/>
+                  </a:ext>
+                </a:extLst>
+              </a:tr>
+              <a:tr h="570405">
+                <a:tc>
+                  <a:txBody>
+                    <a:bodyPr/>
+                    <a:lstStyle/>
+                    <a:p>
+                      <a:pPr algn="ctr">
+                        <a:lnSpc>
+                          <a:spcPct val="107000"/>
+                        </a:lnSpc>
+                        <a:spcAft>
+                          <a:spcPts val="800"/>
+                        </a:spcAft>
+                      </a:pPr>
+                      <a:r>
+                        <a:rPr lang="en-IN" sz="1000">
+                          <a:effectLst/>
+                          <a:latin typeface="Verdana" panose="020B0604030504040204" pitchFamily="34" charset="0"/>
+                          <a:ea typeface="Verdana" panose="020B0604030504040204" pitchFamily="34" charset="0"/>
+                          <a:cs typeface="Verdana" panose="020B0604030504040204" pitchFamily="34" charset="0"/>
+                        </a:rPr>
+                        <a:t> </a:t>
+                      </a:r>
+                    </a:p>
+                  </a:txBody>
+                  <a:tcPr marL="62065" marR="62065" marT="0" marB="0" anchor="ctr"/>
+                </a:tc>
+                <a:tc>
+                  <a:txBody>
+                    <a:bodyPr/>
+                    <a:lstStyle/>
+                    <a:p>
+                      <a:pPr algn="ctr">
+                        <a:lnSpc>
+                          <a:spcPct val="107000"/>
+                        </a:lnSpc>
+                        <a:spcAft>
+                          <a:spcPts val="800"/>
+                        </a:spcAft>
+                      </a:pPr>
+                      <a:r>
+                        <a:rPr lang="en-IN" sz="1000" dirty="0">
+                          <a:effectLst/>
+                          <a:latin typeface="Verdana" panose="020B0604030504040204" pitchFamily="34" charset="0"/>
+                          <a:ea typeface="Verdana" panose="020B0604030504040204" pitchFamily="34" charset="0"/>
+                          <a:cs typeface="Verdana" panose="020B0604030504040204" pitchFamily="34" charset="0"/>
+                        </a:rPr>
+                        <a:t>BASE CASE</a:t>
+                      </a:r>
+                    </a:p>
+                  </a:txBody>
+                  <a:tcPr marL="62065" marR="62065" marT="0" marB="0" anchor="ctr"/>
+                </a:tc>
+                <a:tc>
+                  <a:txBody>
+                    <a:bodyPr/>
+                    <a:lstStyle/>
+                    <a:p>
+                      <a:pPr algn="ctr">
+                        <a:lnSpc>
+                          <a:spcPct val="107000"/>
+                        </a:lnSpc>
+                        <a:spcAft>
+                          <a:spcPts val="800"/>
+                        </a:spcAft>
+                      </a:pPr>
+                      <a:r>
+                        <a:rPr lang="en-IN" sz="1000" dirty="0">
+                          <a:effectLst/>
+                          <a:latin typeface="Verdana" panose="020B0604030504040204" pitchFamily="34" charset="0"/>
+                          <a:ea typeface="Verdana" panose="020B0604030504040204" pitchFamily="34" charset="0"/>
+                          <a:cs typeface="Verdana" panose="020B0604030504040204" pitchFamily="34" charset="0"/>
+                        </a:rPr>
+                        <a:t>90.00%</a:t>
+                      </a:r>
+                    </a:p>
+                  </a:txBody>
+                  <a:tcPr marL="62065" marR="62065" marT="0" marB="0" anchor="ctr"/>
+                </a:tc>
+                <a:tc>
+                  <a:txBody>
+                    <a:bodyPr/>
+                    <a:lstStyle/>
+                    <a:p>
+                      <a:pPr algn="ctr">
+                        <a:lnSpc>
+                          <a:spcPct val="107000"/>
+                        </a:lnSpc>
+                        <a:spcAft>
+                          <a:spcPts val="800"/>
+                        </a:spcAft>
+                      </a:pPr>
+                      <a:r>
+                        <a:rPr lang="en-IN" sz="1000">
+                          <a:effectLst/>
+                          <a:latin typeface="Verdana" panose="020B0604030504040204" pitchFamily="34" charset="0"/>
+                          <a:ea typeface="Verdana" panose="020B0604030504040204" pitchFamily="34" charset="0"/>
+                          <a:cs typeface="Verdana" panose="020B0604030504040204" pitchFamily="34" charset="0"/>
+                        </a:rPr>
+                        <a:t>95.00%</a:t>
+                      </a:r>
+                    </a:p>
+                  </a:txBody>
+                  <a:tcPr marL="62065" marR="62065" marT="0" marB="0" anchor="ctr"/>
+                </a:tc>
+                <a:tc>
+                  <a:txBody>
+                    <a:bodyPr/>
+                    <a:lstStyle/>
+                    <a:p>
+                      <a:pPr algn="ctr">
+                        <a:lnSpc>
+                          <a:spcPct val="107000"/>
+                        </a:lnSpc>
+                        <a:spcAft>
+                          <a:spcPts val="800"/>
+                        </a:spcAft>
+                      </a:pPr>
+                      <a:r>
+                        <a:rPr lang="en-IN" sz="1000">
+                          <a:effectLst/>
+                          <a:latin typeface="Verdana" panose="020B0604030504040204" pitchFamily="34" charset="0"/>
+                          <a:ea typeface="Verdana" panose="020B0604030504040204" pitchFamily="34" charset="0"/>
+                          <a:cs typeface="Verdana" panose="020B0604030504040204" pitchFamily="34" charset="0"/>
+                        </a:rPr>
+                        <a:t>105.00%</a:t>
+                      </a:r>
+                    </a:p>
+                  </a:txBody>
+                  <a:tcPr marL="62065" marR="62065" marT="0" marB="0" anchor="ctr"/>
+                </a:tc>
+                <a:tc>
+                  <a:txBody>
+                    <a:bodyPr/>
+                    <a:lstStyle/>
+                    <a:p>
+                      <a:pPr algn="ctr">
+                        <a:lnSpc>
+                          <a:spcPct val="107000"/>
+                        </a:lnSpc>
+                        <a:spcAft>
+                          <a:spcPts val="800"/>
+                        </a:spcAft>
+                      </a:pPr>
+                      <a:r>
+                        <a:rPr lang="en-IN" sz="1000">
+                          <a:effectLst/>
+                          <a:latin typeface="Verdana" panose="020B0604030504040204" pitchFamily="34" charset="0"/>
+                          <a:ea typeface="Verdana" panose="020B0604030504040204" pitchFamily="34" charset="0"/>
+                          <a:cs typeface="Verdana" panose="020B0604030504040204" pitchFamily="34" charset="0"/>
+                        </a:rPr>
+                        <a:t>110.00%</a:t>
+                      </a:r>
+                    </a:p>
+                  </a:txBody>
+                  <a:tcPr marL="62065" marR="62065" marT="0" marB="0" anchor="ctr"/>
+                </a:tc>
+                <a:extLst>
+                  <a:ext uri="{0D108BD9-81ED-4DB2-BD59-A6C34878D82A}">
+                    <a16:rowId xmlns:a16="http://schemas.microsoft.com/office/drawing/2014/main" val="3884171717"/>
+                  </a:ext>
+                </a:extLst>
+              </a:tr>
+              <a:tr h="291814">
+                <a:tc>
+                  <a:txBody>
+                    <a:bodyPr/>
+                    <a:lstStyle/>
+                    <a:p>
+                      <a:pPr algn="ctr">
+                        <a:lnSpc>
+                          <a:spcPct val="107000"/>
+                        </a:lnSpc>
+                        <a:spcAft>
+                          <a:spcPts val="800"/>
+                        </a:spcAft>
+                      </a:pPr>
+                      <a:r>
+                        <a:rPr lang="en-IN" sz="1000">
+                          <a:effectLst/>
+                          <a:latin typeface="Verdana" panose="020B0604030504040204" pitchFamily="34" charset="0"/>
+                          <a:ea typeface="Verdana" panose="020B0604030504040204" pitchFamily="34" charset="0"/>
+                          <a:cs typeface="Verdana" panose="020B0604030504040204" pitchFamily="34" charset="0"/>
+                        </a:rPr>
+                        <a:t> </a:t>
+                      </a:r>
+                    </a:p>
+                  </a:txBody>
+                  <a:tcPr marL="62065" marR="62065" marT="0" marB="0" anchor="ctr"/>
+                </a:tc>
+                <a:tc gridSpan="5">
+                  <a:txBody>
+                    <a:bodyPr/>
+                    <a:lstStyle/>
+                    <a:p>
+                      <a:pPr algn="ctr">
+                        <a:lnSpc>
+                          <a:spcPct val="107000"/>
+                        </a:lnSpc>
+                        <a:spcAft>
+                          <a:spcPts val="800"/>
+                        </a:spcAft>
+                      </a:pPr>
+                      <a:r>
+                        <a:rPr lang="en-IN" sz="1000" b="1" dirty="0">
+                          <a:effectLst/>
+                          <a:latin typeface="Verdana" panose="020B0604030504040204" pitchFamily="34" charset="0"/>
+                          <a:ea typeface="Verdana" panose="020B0604030504040204" pitchFamily="34" charset="0"/>
+                          <a:cs typeface="Verdana" panose="020B0604030504040204" pitchFamily="34" charset="0"/>
+                        </a:rPr>
+                        <a:t>REVENUE</a:t>
+                      </a:r>
+                    </a:p>
+                  </a:txBody>
+                  <a:tcPr marL="62065" marR="62065" marT="0" marB="0" anchor="ctr"/>
+                </a:tc>
+                <a:tc hMerge="1">
+                  <a:txBody>
+                    <a:bodyPr/>
+                    <a:lstStyle/>
+                    <a:p>
+                      <a:endParaRPr lang="en-IN"/>
+                    </a:p>
+                  </a:txBody>
+                  <a:tcPr/>
+                </a:tc>
+                <a:tc hMerge="1">
+                  <a:txBody>
+                    <a:bodyPr/>
+                    <a:lstStyle/>
+                    <a:p>
+                      <a:endParaRPr lang="en-IN"/>
+                    </a:p>
+                  </a:txBody>
+                  <a:tcPr/>
+                </a:tc>
+                <a:tc hMerge="1">
+                  <a:txBody>
+                    <a:bodyPr/>
+                    <a:lstStyle/>
+                    <a:p>
+                      <a:endParaRPr lang="en-IN"/>
+                    </a:p>
+                  </a:txBody>
+                  <a:tcPr/>
+                </a:tc>
+                <a:tc hMerge="1">
+                  <a:txBody>
+                    <a:bodyPr/>
+                    <a:lstStyle/>
+                    <a:p>
+                      <a:endParaRPr lang="en-IN"/>
+                    </a:p>
+                  </a:txBody>
+                  <a:tcPr/>
+                </a:tc>
+                <a:extLst>
+                  <a:ext uri="{0D108BD9-81ED-4DB2-BD59-A6C34878D82A}">
+                    <a16:rowId xmlns:a16="http://schemas.microsoft.com/office/drawing/2014/main" val="1448592811"/>
+                  </a:ext>
+                </a:extLst>
+              </a:tr>
+              <a:tr h="291814">
+                <a:tc>
+                  <a:txBody>
+                    <a:bodyPr/>
+                    <a:lstStyle/>
+                    <a:p>
+                      <a:pPr algn="ctr">
+                        <a:lnSpc>
+                          <a:spcPct val="107000"/>
+                        </a:lnSpc>
+                        <a:spcAft>
+                          <a:spcPts val="800"/>
+                        </a:spcAft>
+                      </a:pPr>
+                      <a:r>
+                        <a:rPr lang="en-IN" sz="1000">
+                          <a:effectLst/>
+                          <a:latin typeface="Verdana" panose="020B0604030504040204" pitchFamily="34" charset="0"/>
+                          <a:ea typeface="Verdana" panose="020B0604030504040204" pitchFamily="34" charset="0"/>
+                          <a:cs typeface="Verdana" panose="020B0604030504040204" pitchFamily="34" charset="0"/>
+                        </a:rPr>
+                        <a:t>IRR%</a:t>
+                      </a:r>
+                    </a:p>
+                  </a:txBody>
+                  <a:tcPr marL="62065" marR="62065" marT="0" marB="0" anchor="ctr"/>
+                </a:tc>
+                <a:tc>
+                  <a:txBody>
+                    <a:bodyPr/>
+                    <a:lstStyle/>
+                    <a:p>
+                      <a:pPr algn="ctr">
+                        <a:lnSpc>
+                          <a:spcPct val="107000"/>
+                        </a:lnSpc>
+                        <a:spcAft>
+                          <a:spcPts val="800"/>
+                        </a:spcAft>
+                      </a:pPr>
+                      <a:r>
+                        <a:rPr lang="en-IN" sz="1000" dirty="0">
+                          <a:effectLst/>
+                          <a:latin typeface="Verdana" panose="020B0604030504040204" pitchFamily="34" charset="0"/>
+                          <a:ea typeface="Verdana" panose="020B0604030504040204" pitchFamily="34" charset="0"/>
+                          <a:cs typeface="Verdana" panose="020B0604030504040204" pitchFamily="34" charset="0"/>
+                        </a:rPr>
+                        <a:t>37.62%</a:t>
+                      </a:r>
+                    </a:p>
+                  </a:txBody>
+                  <a:tcPr marL="62065" marR="62065" marT="0" marB="0" anchor="ctr"/>
+                </a:tc>
+                <a:tc>
+                  <a:txBody>
+                    <a:bodyPr/>
+                    <a:lstStyle/>
+                    <a:p>
+                      <a:pPr algn="ctr">
+                        <a:lnSpc>
+                          <a:spcPct val="107000"/>
+                        </a:lnSpc>
+                        <a:spcAft>
+                          <a:spcPts val="800"/>
+                        </a:spcAft>
+                      </a:pPr>
+                      <a:r>
+                        <a:rPr lang="en-IN" sz="1000">
+                          <a:effectLst/>
+                          <a:latin typeface="Verdana" panose="020B0604030504040204" pitchFamily="34" charset="0"/>
+                          <a:ea typeface="Verdana" panose="020B0604030504040204" pitchFamily="34" charset="0"/>
+                          <a:cs typeface="Verdana" panose="020B0604030504040204" pitchFamily="34" charset="0"/>
+                        </a:rPr>
+                        <a:t>16.76%</a:t>
+                      </a:r>
+                    </a:p>
+                  </a:txBody>
+                  <a:tcPr marL="62065" marR="62065" marT="0" marB="0" anchor="ctr"/>
+                </a:tc>
+                <a:tc>
+                  <a:txBody>
+                    <a:bodyPr/>
+                    <a:lstStyle/>
+                    <a:p>
+                      <a:pPr algn="ctr">
+                        <a:lnSpc>
+                          <a:spcPct val="107000"/>
+                        </a:lnSpc>
+                        <a:spcAft>
+                          <a:spcPts val="800"/>
+                        </a:spcAft>
+                      </a:pPr>
+                      <a:r>
+                        <a:rPr lang="en-IN" sz="1000">
+                          <a:effectLst/>
+                          <a:latin typeface="Verdana" panose="020B0604030504040204" pitchFamily="34" charset="0"/>
+                          <a:ea typeface="Verdana" panose="020B0604030504040204" pitchFamily="34" charset="0"/>
+                          <a:cs typeface="Verdana" panose="020B0604030504040204" pitchFamily="34" charset="0"/>
+                        </a:rPr>
+                        <a:t>28.01%</a:t>
+                      </a:r>
+                    </a:p>
+                  </a:txBody>
+                  <a:tcPr marL="62065" marR="62065" marT="0" marB="0" anchor="ctr"/>
+                </a:tc>
+                <a:tc>
+                  <a:txBody>
+                    <a:bodyPr/>
+                    <a:lstStyle/>
+                    <a:p>
+                      <a:pPr algn="ctr">
+                        <a:lnSpc>
+                          <a:spcPct val="107000"/>
+                        </a:lnSpc>
+                        <a:spcAft>
+                          <a:spcPts val="800"/>
+                        </a:spcAft>
+                      </a:pPr>
+                      <a:r>
+                        <a:rPr lang="en-IN" sz="1000">
+                          <a:effectLst/>
+                          <a:latin typeface="Verdana" panose="020B0604030504040204" pitchFamily="34" charset="0"/>
+                          <a:ea typeface="Verdana" panose="020B0604030504040204" pitchFamily="34" charset="0"/>
+                          <a:cs typeface="Verdana" panose="020B0604030504040204" pitchFamily="34" charset="0"/>
+                        </a:rPr>
+                        <a:t>46.33%</a:t>
+                      </a:r>
+                    </a:p>
+                  </a:txBody>
+                  <a:tcPr marL="62065" marR="62065" marT="0" marB="0" anchor="ctr"/>
+                </a:tc>
+                <a:tc>
+                  <a:txBody>
+                    <a:bodyPr/>
+                    <a:lstStyle/>
+                    <a:p>
+                      <a:pPr algn="ctr">
+                        <a:lnSpc>
+                          <a:spcPct val="107000"/>
+                        </a:lnSpc>
+                        <a:spcAft>
+                          <a:spcPts val="800"/>
+                        </a:spcAft>
+                      </a:pPr>
+                      <a:r>
+                        <a:rPr lang="en-IN" sz="1000">
+                          <a:effectLst/>
+                          <a:latin typeface="Verdana" panose="020B0604030504040204" pitchFamily="34" charset="0"/>
+                          <a:ea typeface="Verdana" panose="020B0604030504040204" pitchFamily="34" charset="0"/>
+                          <a:cs typeface="Verdana" panose="020B0604030504040204" pitchFamily="34" charset="0"/>
+                        </a:rPr>
+                        <a:t>54.50%</a:t>
+                      </a:r>
+                    </a:p>
+                  </a:txBody>
+                  <a:tcPr marL="62065" marR="62065" marT="0" marB="0" anchor="ctr"/>
+                </a:tc>
+                <a:extLst>
+                  <a:ext uri="{0D108BD9-81ED-4DB2-BD59-A6C34878D82A}">
+                    <a16:rowId xmlns:a16="http://schemas.microsoft.com/office/drawing/2014/main" val="2597704128"/>
+                  </a:ext>
+                </a:extLst>
+              </a:tr>
+              <a:tr h="291814">
+                <a:tc>
+                  <a:txBody>
+                    <a:bodyPr/>
+                    <a:lstStyle/>
+                    <a:p>
+                      <a:pPr algn="ctr">
+                        <a:lnSpc>
+                          <a:spcPct val="107000"/>
+                        </a:lnSpc>
+                        <a:spcAft>
+                          <a:spcPts val="800"/>
+                        </a:spcAft>
+                      </a:pPr>
+                      <a:r>
+                        <a:rPr lang="en-IN" sz="1000">
+                          <a:effectLst/>
+                          <a:latin typeface="Verdana" panose="020B0604030504040204" pitchFamily="34" charset="0"/>
+                          <a:ea typeface="Verdana" panose="020B0604030504040204" pitchFamily="34" charset="0"/>
+                          <a:cs typeface="Verdana" panose="020B0604030504040204" pitchFamily="34" charset="0"/>
+                        </a:rPr>
+                        <a:t>NPV</a:t>
+                      </a:r>
+                    </a:p>
+                  </a:txBody>
+                  <a:tcPr marL="62065" marR="62065" marT="0" marB="0" anchor="ctr"/>
+                </a:tc>
+                <a:tc>
+                  <a:txBody>
+                    <a:bodyPr/>
+                    <a:lstStyle/>
+                    <a:p>
+                      <a:pPr algn="ctr">
+                        <a:lnSpc>
+                          <a:spcPct val="107000"/>
+                        </a:lnSpc>
+                        <a:spcAft>
+                          <a:spcPts val="800"/>
+                        </a:spcAft>
+                      </a:pPr>
+                      <a:r>
+                        <a:rPr lang="en-IN" sz="1000">
+                          <a:effectLst/>
+                          <a:latin typeface="Verdana" panose="020B0604030504040204" pitchFamily="34" charset="0"/>
+                          <a:ea typeface="Verdana" panose="020B0604030504040204" pitchFamily="34" charset="0"/>
+                          <a:cs typeface="Verdana" panose="020B0604030504040204" pitchFamily="34" charset="0"/>
+                        </a:rPr>
+                        <a:t>94.3</a:t>
+                      </a:r>
+                    </a:p>
+                  </a:txBody>
+                  <a:tcPr marL="62065" marR="62065" marT="0" marB="0" anchor="ctr"/>
+                </a:tc>
+                <a:tc>
+                  <a:txBody>
+                    <a:bodyPr/>
+                    <a:lstStyle/>
+                    <a:p>
+                      <a:pPr algn="ctr">
+                        <a:lnSpc>
+                          <a:spcPct val="107000"/>
+                        </a:lnSpc>
+                        <a:spcAft>
+                          <a:spcPts val="800"/>
+                        </a:spcAft>
+                      </a:pPr>
+                      <a:r>
+                        <a:rPr lang="en-IN" sz="1000" dirty="0">
+                          <a:effectLst/>
+                          <a:latin typeface="Verdana" panose="020B0604030504040204" pitchFamily="34" charset="0"/>
+                          <a:ea typeface="Verdana" panose="020B0604030504040204" pitchFamily="34" charset="0"/>
+                          <a:cs typeface="Verdana" panose="020B0604030504040204" pitchFamily="34" charset="0"/>
+                        </a:rPr>
+                        <a:t>18.8</a:t>
+                      </a:r>
+                    </a:p>
+                  </a:txBody>
+                  <a:tcPr marL="62065" marR="62065" marT="0" marB="0" anchor="ctr"/>
+                </a:tc>
+                <a:tc>
+                  <a:txBody>
+                    <a:bodyPr/>
+                    <a:lstStyle/>
+                    <a:p>
+                      <a:pPr algn="ctr">
+                        <a:lnSpc>
+                          <a:spcPct val="107000"/>
+                        </a:lnSpc>
+                        <a:spcAft>
+                          <a:spcPts val="800"/>
+                        </a:spcAft>
+                      </a:pPr>
+                      <a:r>
+                        <a:rPr lang="en-IN" sz="1000" dirty="0">
+                          <a:effectLst/>
+                          <a:latin typeface="Verdana" panose="020B0604030504040204" pitchFamily="34" charset="0"/>
+                          <a:ea typeface="Verdana" panose="020B0604030504040204" pitchFamily="34" charset="0"/>
+                          <a:cs typeface="Verdana" panose="020B0604030504040204" pitchFamily="34" charset="0"/>
+                        </a:rPr>
+                        <a:t>56.5</a:t>
+                      </a:r>
+                    </a:p>
+                  </a:txBody>
+                  <a:tcPr marL="62065" marR="62065" marT="0" marB="0" anchor="ctr"/>
+                </a:tc>
+                <a:tc>
+                  <a:txBody>
+                    <a:bodyPr/>
+                    <a:lstStyle/>
+                    <a:p>
+                      <a:pPr algn="ctr">
+                        <a:lnSpc>
+                          <a:spcPct val="107000"/>
+                        </a:lnSpc>
+                        <a:spcAft>
+                          <a:spcPts val="800"/>
+                        </a:spcAft>
+                      </a:pPr>
+                      <a:r>
+                        <a:rPr lang="en-IN" sz="1000">
+                          <a:effectLst/>
+                          <a:latin typeface="Verdana" panose="020B0604030504040204" pitchFamily="34" charset="0"/>
+                          <a:ea typeface="Verdana" panose="020B0604030504040204" pitchFamily="34" charset="0"/>
+                          <a:cs typeface="Verdana" panose="020B0604030504040204" pitchFamily="34" charset="0"/>
+                        </a:rPr>
+                        <a:t>132.0</a:t>
+                      </a:r>
+                    </a:p>
+                  </a:txBody>
+                  <a:tcPr marL="62065" marR="62065" marT="0" marB="0" anchor="ctr"/>
+                </a:tc>
+                <a:tc>
+                  <a:txBody>
+                    <a:bodyPr/>
+                    <a:lstStyle/>
+                    <a:p>
+                      <a:pPr algn="ctr">
+                        <a:lnSpc>
+                          <a:spcPct val="107000"/>
+                        </a:lnSpc>
+                        <a:spcAft>
+                          <a:spcPts val="800"/>
+                        </a:spcAft>
+                      </a:pPr>
+                      <a:r>
+                        <a:rPr lang="en-IN" sz="1000" dirty="0">
+                          <a:effectLst/>
+                          <a:latin typeface="Verdana" panose="020B0604030504040204" pitchFamily="34" charset="0"/>
+                          <a:ea typeface="Verdana" panose="020B0604030504040204" pitchFamily="34" charset="0"/>
+                          <a:cs typeface="Verdana" panose="020B0604030504040204" pitchFamily="34" charset="0"/>
+                        </a:rPr>
+                        <a:t>s</a:t>
+                      </a:r>
+                    </a:p>
+                  </a:txBody>
+                  <a:tcPr marL="62065" marR="62065" marT="0" marB="0" anchor="ctr"/>
+                </a:tc>
+                <a:extLst>
+                  <a:ext uri="{0D108BD9-81ED-4DB2-BD59-A6C34878D82A}">
+                    <a16:rowId xmlns:a16="http://schemas.microsoft.com/office/drawing/2014/main" val="2343480538"/>
+                  </a:ext>
+                </a:extLst>
+              </a:tr>
+              <a:tr h="291814">
+                <a:tc>
+                  <a:txBody>
+                    <a:bodyPr/>
+                    <a:lstStyle/>
+                    <a:p>
+                      <a:pPr algn="ctr">
+                        <a:lnSpc>
+                          <a:spcPct val="107000"/>
+                        </a:lnSpc>
+                        <a:spcAft>
+                          <a:spcPts val="800"/>
+                        </a:spcAft>
+                      </a:pPr>
+                      <a:r>
+                        <a:rPr lang="en-IN" sz="1000">
+                          <a:effectLst/>
+                          <a:latin typeface="Verdana" panose="020B0604030504040204" pitchFamily="34" charset="0"/>
+                          <a:ea typeface="Verdana" panose="020B0604030504040204" pitchFamily="34" charset="0"/>
+                          <a:cs typeface="Verdana" panose="020B0604030504040204" pitchFamily="34" charset="0"/>
+                        </a:rPr>
+                        <a:t> </a:t>
+                      </a:r>
+                    </a:p>
+                  </a:txBody>
+                  <a:tcPr marL="62065" marR="62065" marT="0" marB="0" anchor="ctr"/>
+                </a:tc>
+                <a:tc gridSpan="5">
+                  <a:txBody>
+                    <a:bodyPr/>
+                    <a:lstStyle/>
+                    <a:p>
+                      <a:pPr algn="ctr">
+                        <a:lnSpc>
+                          <a:spcPct val="107000"/>
+                        </a:lnSpc>
+                        <a:spcAft>
+                          <a:spcPts val="800"/>
+                        </a:spcAft>
+                      </a:pPr>
+                      <a:r>
+                        <a:rPr lang="en-IN" sz="1000" b="1" dirty="0">
+                          <a:effectLst/>
+                          <a:latin typeface="Verdana" panose="020B0604030504040204" pitchFamily="34" charset="0"/>
+                          <a:ea typeface="Verdana" panose="020B0604030504040204" pitchFamily="34" charset="0"/>
+                          <a:cs typeface="Verdana" panose="020B0604030504040204" pitchFamily="34" charset="0"/>
+                        </a:rPr>
+                        <a:t>RAW MATERIALS COST</a:t>
+                      </a:r>
+                    </a:p>
+                  </a:txBody>
+                  <a:tcPr marL="62065" marR="62065" marT="0" marB="0" anchor="ctr"/>
+                </a:tc>
+                <a:tc hMerge="1">
+                  <a:txBody>
+                    <a:bodyPr/>
+                    <a:lstStyle/>
+                    <a:p>
+                      <a:endParaRPr lang="en-IN"/>
+                    </a:p>
+                  </a:txBody>
+                  <a:tcPr/>
+                </a:tc>
+                <a:tc hMerge="1">
+                  <a:txBody>
+                    <a:bodyPr/>
+                    <a:lstStyle/>
+                    <a:p>
+                      <a:endParaRPr lang="en-IN"/>
+                    </a:p>
+                  </a:txBody>
+                  <a:tcPr/>
+                </a:tc>
+                <a:tc hMerge="1">
+                  <a:txBody>
+                    <a:bodyPr/>
+                    <a:lstStyle/>
+                    <a:p>
+                      <a:endParaRPr lang="en-IN"/>
+                    </a:p>
+                  </a:txBody>
+                  <a:tcPr/>
+                </a:tc>
+                <a:tc hMerge="1">
+                  <a:txBody>
+                    <a:bodyPr/>
+                    <a:lstStyle/>
+                    <a:p>
+                      <a:endParaRPr lang="en-IN"/>
+                    </a:p>
+                  </a:txBody>
+                  <a:tcPr/>
+                </a:tc>
+                <a:extLst>
+                  <a:ext uri="{0D108BD9-81ED-4DB2-BD59-A6C34878D82A}">
+                    <a16:rowId xmlns:a16="http://schemas.microsoft.com/office/drawing/2014/main" val="3854755653"/>
+                  </a:ext>
+                </a:extLst>
+              </a:tr>
+              <a:tr h="291814">
+                <a:tc>
+                  <a:txBody>
+                    <a:bodyPr/>
+                    <a:lstStyle/>
+                    <a:p>
+                      <a:pPr algn="ctr">
+                        <a:lnSpc>
+                          <a:spcPct val="107000"/>
+                        </a:lnSpc>
+                        <a:spcAft>
+                          <a:spcPts val="800"/>
+                        </a:spcAft>
+                      </a:pPr>
+                      <a:r>
+                        <a:rPr lang="en-IN" sz="1000">
+                          <a:effectLst/>
+                          <a:latin typeface="Verdana" panose="020B0604030504040204" pitchFamily="34" charset="0"/>
+                          <a:ea typeface="Verdana" panose="020B0604030504040204" pitchFamily="34" charset="0"/>
+                          <a:cs typeface="Verdana" panose="020B0604030504040204" pitchFamily="34" charset="0"/>
+                        </a:rPr>
+                        <a:t>IRR%</a:t>
+                      </a:r>
+                    </a:p>
+                  </a:txBody>
+                  <a:tcPr marL="62065" marR="62065" marT="0" marB="0" anchor="ctr"/>
+                </a:tc>
+                <a:tc>
+                  <a:txBody>
+                    <a:bodyPr/>
+                    <a:lstStyle/>
+                    <a:p>
+                      <a:pPr algn="ctr">
+                        <a:lnSpc>
+                          <a:spcPct val="107000"/>
+                        </a:lnSpc>
+                        <a:spcAft>
+                          <a:spcPts val="800"/>
+                        </a:spcAft>
+                      </a:pPr>
+                      <a:r>
+                        <a:rPr lang="en-IN" sz="1000">
+                          <a:effectLst/>
+                          <a:latin typeface="Verdana" panose="020B0604030504040204" pitchFamily="34" charset="0"/>
+                          <a:ea typeface="Verdana" panose="020B0604030504040204" pitchFamily="34" charset="0"/>
+                          <a:cs typeface="Verdana" panose="020B0604030504040204" pitchFamily="34" charset="0"/>
+                        </a:rPr>
+                        <a:t>37.62%</a:t>
+                      </a:r>
+                    </a:p>
+                  </a:txBody>
+                  <a:tcPr marL="62065" marR="62065" marT="0" marB="0" anchor="ctr"/>
+                </a:tc>
+                <a:tc>
+                  <a:txBody>
+                    <a:bodyPr/>
+                    <a:lstStyle/>
+                    <a:p>
+                      <a:pPr algn="ctr">
+                        <a:lnSpc>
+                          <a:spcPct val="107000"/>
+                        </a:lnSpc>
+                        <a:spcAft>
+                          <a:spcPts val="800"/>
+                        </a:spcAft>
+                      </a:pPr>
+                      <a:r>
+                        <a:rPr lang="en-IN" sz="1000">
+                          <a:effectLst/>
+                          <a:latin typeface="Verdana" panose="020B0604030504040204" pitchFamily="34" charset="0"/>
+                          <a:ea typeface="Verdana" panose="020B0604030504040204" pitchFamily="34" charset="0"/>
+                          <a:cs typeface="Verdana" panose="020B0604030504040204" pitchFamily="34" charset="0"/>
+                        </a:rPr>
+                        <a:t>48.29%</a:t>
+                      </a:r>
+                    </a:p>
+                  </a:txBody>
+                  <a:tcPr marL="62065" marR="62065" marT="0" marB="0" anchor="ctr"/>
+                </a:tc>
+                <a:tc>
+                  <a:txBody>
+                    <a:bodyPr/>
+                    <a:lstStyle/>
+                    <a:p>
+                      <a:pPr algn="ctr">
+                        <a:lnSpc>
+                          <a:spcPct val="107000"/>
+                        </a:lnSpc>
+                        <a:spcAft>
+                          <a:spcPts val="800"/>
+                        </a:spcAft>
+                      </a:pPr>
+                      <a:r>
+                        <a:rPr lang="en-IN" sz="1000">
+                          <a:effectLst/>
+                          <a:latin typeface="Verdana" panose="020B0604030504040204" pitchFamily="34" charset="0"/>
+                          <a:ea typeface="Verdana" panose="020B0604030504040204" pitchFamily="34" charset="0"/>
+                          <a:cs typeface="Verdana" panose="020B0604030504040204" pitchFamily="34" charset="0"/>
+                        </a:rPr>
+                        <a:t>43.06%</a:t>
+                      </a:r>
+                    </a:p>
+                  </a:txBody>
+                  <a:tcPr marL="62065" marR="62065" marT="0" marB="0" anchor="ctr"/>
+                </a:tc>
+                <a:tc>
+                  <a:txBody>
+                    <a:bodyPr/>
+                    <a:lstStyle/>
+                    <a:p>
+                      <a:pPr algn="ctr">
+                        <a:lnSpc>
+                          <a:spcPct val="107000"/>
+                        </a:lnSpc>
+                        <a:spcAft>
+                          <a:spcPts val="800"/>
+                        </a:spcAft>
+                      </a:pPr>
+                      <a:r>
+                        <a:rPr lang="en-IN" sz="1000">
+                          <a:effectLst/>
+                          <a:latin typeface="Verdana" panose="020B0604030504040204" pitchFamily="34" charset="0"/>
+                          <a:ea typeface="Verdana" panose="020B0604030504040204" pitchFamily="34" charset="0"/>
+                          <a:cs typeface="Verdana" panose="020B0604030504040204" pitchFamily="34" charset="0"/>
+                        </a:rPr>
+                        <a:t>31.89%</a:t>
+                      </a:r>
+                    </a:p>
+                  </a:txBody>
+                  <a:tcPr marL="62065" marR="62065" marT="0" marB="0" anchor="ctr"/>
+                </a:tc>
+                <a:tc>
+                  <a:txBody>
+                    <a:bodyPr/>
+                    <a:lstStyle/>
+                    <a:p>
+                      <a:pPr algn="ctr">
+                        <a:lnSpc>
+                          <a:spcPct val="107000"/>
+                        </a:lnSpc>
+                        <a:spcAft>
+                          <a:spcPts val="800"/>
+                        </a:spcAft>
+                      </a:pPr>
+                      <a:r>
+                        <a:rPr lang="en-IN" sz="1000">
+                          <a:effectLst/>
+                          <a:latin typeface="Verdana" panose="020B0604030504040204" pitchFamily="34" charset="0"/>
+                          <a:ea typeface="Verdana" panose="020B0604030504040204" pitchFamily="34" charset="0"/>
+                          <a:cs typeface="Verdana" panose="020B0604030504040204" pitchFamily="34" charset="0"/>
+                        </a:rPr>
+                        <a:t>25.77%</a:t>
+                      </a:r>
+                    </a:p>
+                  </a:txBody>
+                  <a:tcPr marL="62065" marR="62065" marT="0" marB="0" anchor="ctr"/>
+                </a:tc>
+                <a:extLst>
+                  <a:ext uri="{0D108BD9-81ED-4DB2-BD59-A6C34878D82A}">
+                    <a16:rowId xmlns:a16="http://schemas.microsoft.com/office/drawing/2014/main" val="3821271479"/>
+                  </a:ext>
+                </a:extLst>
+              </a:tr>
+              <a:tr h="291814">
+                <a:tc>
+                  <a:txBody>
+                    <a:bodyPr/>
+                    <a:lstStyle/>
+                    <a:p>
+                      <a:pPr algn="ctr">
+                        <a:lnSpc>
+                          <a:spcPct val="107000"/>
+                        </a:lnSpc>
+                        <a:spcAft>
+                          <a:spcPts val="800"/>
+                        </a:spcAft>
+                      </a:pPr>
+                      <a:r>
+                        <a:rPr lang="en-IN" sz="1000">
+                          <a:effectLst/>
+                          <a:latin typeface="Verdana" panose="020B0604030504040204" pitchFamily="34" charset="0"/>
+                          <a:ea typeface="Verdana" panose="020B0604030504040204" pitchFamily="34" charset="0"/>
+                          <a:cs typeface="Verdana" panose="020B0604030504040204" pitchFamily="34" charset="0"/>
+                        </a:rPr>
+                        <a:t>NPV</a:t>
+                      </a:r>
+                    </a:p>
+                  </a:txBody>
+                  <a:tcPr marL="62065" marR="62065" marT="0" marB="0" anchor="ctr"/>
+                </a:tc>
+                <a:tc>
+                  <a:txBody>
+                    <a:bodyPr/>
+                    <a:lstStyle/>
+                    <a:p>
+                      <a:pPr algn="ctr">
+                        <a:lnSpc>
+                          <a:spcPct val="107000"/>
+                        </a:lnSpc>
+                        <a:spcAft>
+                          <a:spcPts val="800"/>
+                        </a:spcAft>
+                      </a:pPr>
+                      <a:r>
+                        <a:rPr lang="en-IN" sz="1000">
+                          <a:effectLst/>
+                          <a:latin typeface="Verdana" panose="020B0604030504040204" pitchFamily="34" charset="0"/>
+                          <a:ea typeface="Verdana" panose="020B0604030504040204" pitchFamily="34" charset="0"/>
+                          <a:cs typeface="Verdana" panose="020B0604030504040204" pitchFamily="34" charset="0"/>
+                        </a:rPr>
+                        <a:t>94.3</a:t>
+                      </a:r>
+                    </a:p>
+                  </a:txBody>
+                  <a:tcPr marL="62065" marR="62065" marT="0" marB="0" anchor="ctr"/>
+                </a:tc>
+                <a:tc>
+                  <a:txBody>
+                    <a:bodyPr/>
+                    <a:lstStyle/>
+                    <a:p>
+                      <a:pPr algn="ctr">
+                        <a:lnSpc>
+                          <a:spcPct val="107000"/>
+                        </a:lnSpc>
+                        <a:spcAft>
+                          <a:spcPts val="800"/>
+                        </a:spcAft>
+                      </a:pPr>
+                      <a:r>
+                        <a:rPr lang="en-IN" sz="1000">
+                          <a:effectLst/>
+                          <a:latin typeface="Verdana" panose="020B0604030504040204" pitchFamily="34" charset="0"/>
+                          <a:ea typeface="Verdana" panose="020B0604030504040204" pitchFamily="34" charset="0"/>
+                          <a:cs typeface="Verdana" panose="020B0604030504040204" pitchFamily="34" charset="0"/>
+                        </a:rPr>
+                        <a:t>139.5</a:t>
+                      </a:r>
+                    </a:p>
+                  </a:txBody>
+                  <a:tcPr marL="62065" marR="62065" marT="0" marB="0" anchor="ctr"/>
+                </a:tc>
+                <a:tc>
+                  <a:txBody>
+                    <a:bodyPr/>
+                    <a:lstStyle/>
+                    <a:p>
+                      <a:pPr algn="ctr">
+                        <a:lnSpc>
+                          <a:spcPct val="107000"/>
+                        </a:lnSpc>
+                        <a:spcAft>
+                          <a:spcPts val="800"/>
+                        </a:spcAft>
+                      </a:pPr>
+                      <a:r>
+                        <a:rPr lang="en-IN" sz="1000">
+                          <a:effectLst/>
+                          <a:latin typeface="Verdana" panose="020B0604030504040204" pitchFamily="34" charset="0"/>
+                          <a:ea typeface="Verdana" panose="020B0604030504040204" pitchFamily="34" charset="0"/>
+                          <a:cs typeface="Verdana" panose="020B0604030504040204" pitchFamily="34" charset="0"/>
+                        </a:rPr>
+                        <a:t>116.9</a:t>
+                      </a:r>
+                    </a:p>
+                  </a:txBody>
+                  <a:tcPr marL="62065" marR="62065" marT="0" marB="0" anchor="ctr"/>
+                </a:tc>
+                <a:tc>
+                  <a:txBody>
+                    <a:bodyPr/>
+                    <a:lstStyle/>
+                    <a:p>
+                      <a:pPr algn="ctr">
+                        <a:lnSpc>
+                          <a:spcPct val="107000"/>
+                        </a:lnSpc>
+                        <a:spcAft>
+                          <a:spcPts val="800"/>
+                        </a:spcAft>
+                      </a:pPr>
+                      <a:r>
+                        <a:rPr lang="en-IN" sz="1000">
+                          <a:effectLst/>
+                          <a:latin typeface="Verdana" panose="020B0604030504040204" pitchFamily="34" charset="0"/>
+                          <a:ea typeface="Verdana" panose="020B0604030504040204" pitchFamily="34" charset="0"/>
+                          <a:cs typeface="Verdana" panose="020B0604030504040204" pitchFamily="34" charset="0"/>
+                        </a:rPr>
+                        <a:t>71.7</a:t>
+                      </a:r>
+                    </a:p>
+                  </a:txBody>
+                  <a:tcPr marL="62065" marR="62065" marT="0" marB="0" anchor="ctr"/>
+                </a:tc>
+                <a:tc>
+                  <a:txBody>
+                    <a:bodyPr/>
+                    <a:lstStyle/>
+                    <a:p>
+                      <a:pPr algn="ctr">
+                        <a:lnSpc>
+                          <a:spcPct val="107000"/>
+                        </a:lnSpc>
+                        <a:spcAft>
+                          <a:spcPts val="800"/>
+                        </a:spcAft>
+                      </a:pPr>
+                      <a:r>
+                        <a:rPr lang="en-IN" sz="1000" dirty="0">
+                          <a:effectLst/>
+                          <a:latin typeface="Verdana" panose="020B0604030504040204" pitchFamily="34" charset="0"/>
+                          <a:ea typeface="Verdana" panose="020B0604030504040204" pitchFamily="34" charset="0"/>
+                          <a:cs typeface="Verdana" panose="020B0604030504040204" pitchFamily="34" charset="0"/>
+                        </a:rPr>
+                        <a:t>49.1</a:t>
+                      </a:r>
+                    </a:p>
+                  </a:txBody>
+                  <a:tcPr marL="62065" marR="62065" marT="0" marB="0" anchor="ctr"/>
+                </a:tc>
+                <a:extLst>
+                  <a:ext uri="{0D108BD9-81ED-4DB2-BD59-A6C34878D82A}">
+                    <a16:rowId xmlns:a16="http://schemas.microsoft.com/office/drawing/2014/main" val="1906173031"/>
+                  </a:ext>
+                </a:extLst>
+              </a:tr>
+            </a:tbl>
+          </a:graphicData>
+        </a:graphic>
+      </p:graphicFrame>
       <p:sp>
         <p:nvSpPr>
           <p:cNvPr id="6" name="Title 1">
@@ -20704,10 +21404,12 @@
             </a:endParaRPr>
           </a:p>
           <a:p>
-            <a:pPr lvl="0">
+            <a:pPr marL="342900" lvl="0" indent="-342900">
               <a:lnSpc>
                 <a:spcPct val="150000"/>
               </a:lnSpc>
+              <a:buFont typeface="+mj-lt"/>
+              <a:buAutoNum type="alphaLcParenR"/>
               <a:tabLst>
                 <a:tab pos="866775" algn="l"/>
               </a:tabLst>
@@ -20721,7 +21423,7 @@
                 <a:ea typeface="Verdana" panose="020B0604030504040204" pitchFamily="34" charset="0"/>
                 <a:cs typeface="+mn-cs"/>
               </a:rPr>
-              <a:t>	Selling Price (i.e., Revenue)</a:t>
+              <a:t>Selling Price (i.e., Revenue)</a:t>
             </a:r>
             <a:endParaRPr lang="en-IN" sz="1200" dirty="0">
               <a:solidFill>
@@ -20733,10 +21435,12 @@
             </a:endParaRPr>
           </a:p>
           <a:p>
-            <a:pPr lvl="0">
+            <a:pPr marL="342900" lvl="0" indent="-342900">
               <a:lnSpc>
                 <a:spcPct val="150000"/>
               </a:lnSpc>
+              <a:buFont typeface="+mj-lt"/>
+              <a:buAutoNum type="alphaLcParenR"/>
               <a:tabLst>
                 <a:tab pos="866775" algn="l"/>
               </a:tabLst>
@@ -20750,7 +21454,7 @@
                 <a:ea typeface="Verdana" panose="020B0604030504040204" pitchFamily="34" charset="0"/>
                 <a:cs typeface="+mn-cs"/>
               </a:rPr>
-              <a:t>	Feedstock Prices (i.e., Raw Material Costs)</a:t>
+              <a:t>Feedstock Prices (i.e., Raw Material Costs)</a:t>
             </a:r>
           </a:p>
           <a:p>
@@ -20821,1753 +21525,6 @@
           </a:p>
         </p:txBody>
       </p:sp>
-      <p:graphicFrame>
-        <p:nvGraphicFramePr>
-          <p:cNvPr id="7" name="Content Placeholder 6">
-            <a:extLst>
-              <a:ext uri="{FF2B5EF4-FFF2-40B4-BE49-F238E27FC236}">
-                <a16:creationId xmlns:a16="http://schemas.microsoft.com/office/drawing/2014/main" id="{7E1E07D5-E731-421E-83F3-0CB2DF93DA92}"/>
-              </a:ext>
-            </a:extLst>
-          </p:cNvPr>
-          <p:cNvGraphicFramePr>
-            <a:graphicFrameLocks noGrp="1"/>
-          </p:cNvGraphicFramePr>
-          <p:nvPr>
-            <p:ph idx="1"/>
-            <p:extLst>
-              <p:ext uri="{D42A27DB-BD31-4B8C-83A1-F6EECF244321}">
-                <p14:modId xmlns:p14="http://schemas.microsoft.com/office/powerpoint/2010/main" val="3589935304"/>
-              </p:ext>
-            </p:extLst>
-          </p:nvPr>
-        </p:nvGraphicFramePr>
-        <p:xfrm>
-          <a:off x="457200" y="4184362"/>
-          <a:ext cx="8412479" cy="2452945"/>
-        </p:xfrm>
-        <a:graphic>
-          <a:graphicData uri="http://schemas.openxmlformats.org/drawingml/2006/table">
-            <a:tbl>
-              <a:tblPr firstRow="1" firstCol="1" bandRow="1">
-                <a:tableStyleId>{5C22544A-7EE6-4342-B048-85BDC9FD1C3A}</a:tableStyleId>
-              </a:tblPr>
-              <a:tblGrid>
-                <a:gridCol w="1145214">
-                  <a:extLst>
-                    <a:ext uri="{9D8B030D-6E8A-4147-A177-3AD203B41FA5}">
-                      <a16:colId xmlns:a16="http://schemas.microsoft.com/office/drawing/2014/main" val="2960951927"/>
-                    </a:ext>
-                  </a:extLst>
-                </a:gridCol>
-                <a:gridCol w="1307877">
-                  <a:extLst>
-                    <a:ext uri="{9D8B030D-6E8A-4147-A177-3AD203B41FA5}">
-                      <a16:colId xmlns:a16="http://schemas.microsoft.com/office/drawing/2014/main" val="512712868"/>
-                    </a:ext>
-                  </a:extLst>
-                </a:gridCol>
-                <a:gridCol w="1399067">
-                  <a:extLst>
-                    <a:ext uri="{9D8B030D-6E8A-4147-A177-3AD203B41FA5}">
-                      <a16:colId xmlns:a16="http://schemas.microsoft.com/office/drawing/2014/main" val="3911519114"/>
-                    </a:ext>
-                  </a:extLst>
-                </a:gridCol>
-                <a:gridCol w="1399067">
-                  <a:extLst>
-                    <a:ext uri="{9D8B030D-6E8A-4147-A177-3AD203B41FA5}">
-                      <a16:colId xmlns:a16="http://schemas.microsoft.com/office/drawing/2014/main" val="4165035347"/>
-                    </a:ext>
-                  </a:extLst>
-                </a:gridCol>
-                <a:gridCol w="1580627">
-                  <a:extLst>
-                    <a:ext uri="{9D8B030D-6E8A-4147-A177-3AD203B41FA5}">
-                      <a16:colId xmlns:a16="http://schemas.microsoft.com/office/drawing/2014/main" val="1602067676"/>
-                    </a:ext>
-                  </a:extLst>
-                </a:gridCol>
-                <a:gridCol w="1580627">
-                  <a:extLst>
-                    <a:ext uri="{9D8B030D-6E8A-4147-A177-3AD203B41FA5}">
-                      <a16:colId xmlns:a16="http://schemas.microsoft.com/office/drawing/2014/main" val="320079263"/>
-                    </a:ext>
-                  </a:extLst>
-                </a:gridCol>
-              </a:tblGrid>
-              <a:tr h="202646">
-                <a:tc gridSpan="6">
-                  <a:txBody>
-                    <a:bodyPr/>
-                    <a:lstStyle/>
-                    <a:p>
-                      <a:pPr algn="ctr">
-                        <a:lnSpc>
-                          <a:spcPct val="107000"/>
-                        </a:lnSpc>
-                        <a:spcAft>
-                          <a:spcPts val="800"/>
-                        </a:spcAft>
-                      </a:pPr>
-                      <a:r>
-                        <a:rPr lang="en-IN" sz="1100">
-                          <a:effectLst/>
-                        </a:rPr>
-                        <a:t>NPV in USD Million</a:t>
-                      </a:r>
-                      <a:endParaRPr lang="en-IN" sz="1100">
-                        <a:effectLst/>
-                        <a:latin typeface="Calibri" panose="020F0502020204030204" pitchFamily="34" charset="0"/>
-                        <a:ea typeface="Calibri" panose="020F0502020204030204" pitchFamily="34" charset="0"/>
-                        <a:cs typeface="Times New Roman" panose="02020603050405020304" pitchFamily="18" charset="0"/>
-                      </a:endParaRPr>
-                    </a:p>
-                  </a:txBody>
-                  <a:tcPr marL="68580" marR="68580" marT="0" marB="0" anchor="ctr"/>
-                </a:tc>
-                <a:tc hMerge="1">
-                  <a:txBody>
-                    <a:bodyPr/>
-                    <a:lstStyle/>
-                    <a:p>
-                      <a:endParaRPr lang="en-IN"/>
-                    </a:p>
-                  </a:txBody>
-                  <a:tcPr/>
-                </a:tc>
-                <a:tc hMerge="1">
-                  <a:txBody>
-                    <a:bodyPr/>
-                    <a:lstStyle/>
-                    <a:p>
-                      <a:endParaRPr lang="en-IN"/>
-                    </a:p>
-                  </a:txBody>
-                  <a:tcPr/>
-                </a:tc>
-                <a:tc hMerge="1">
-                  <a:txBody>
-                    <a:bodyPr/>
-                    <a:lstStyle/>
-                    <a:p>
-                      <a:endParaRPr lang="en-IN"/>
-                    </a:p>
-                  </a:txBody>
-                  <a:tcPr/>
-                </a:tc>
-                <a:tc hMerge="1">
-                  <a:txBody>
-                    <a:bodyPr/>
-                    <a:lstStyle/>
-                    <a:p>
-                      <a:endParaRPr lang="en-IN"/>
-                    </a:p>
-                  </a:txBody>
-                  <a:tcPr/>
-                </a:tc>
-                <a:tc hMerge="1">
-                  <a:txBody>
-                    <a:bodyPr/>
-                    <a:lstStyle/>
-                    <a:p>
-                      <a:endParaRPr lang="en-IN"/>
-                    </a:p>
-                  </a:txBody>
-                  <a:tcPr/>
-                </a:tc>
-                <a:extLst>
-                  <a:ext uri="{0D108BD9-81ED-4DB2-BD59-A6C34878D82A}">
-                    <a16:rowId xmlns:a16="http://schemas.microsoft.com/office/drawing/2014/main" val="3912814530"/>
-                  </a:ext>
-                </a:extLst>
-              </a:tr>
-              <a:tr h="396683">
-                <a:tc>
-                  <a:txBody>
-                    <a:bodyPr/>
-                    <a:lstStyle/>
-                    <a:p>
-                      <a:pPr algn="ctr">
-                        <a:lnSpc>
-                          <a:spcPct val="107000"/>
-                        </a:lnSpc>
-                        <a:spcAft>
-                          <a:spcPts val="800"/>
-                        </a:spcAft>
-                      </a:pPr>
-                      <a:r>
-                        <a:rPr lang="en-IN" sz="1200">
-                          <a:effectLst/>
-                        </a:rPr>
-                        <a:t> </a:t>
-                      </a:r>
-                      <a:endParaRPr lang="en-IN" sz="1100">
-                        <a:effectLst/>
-                        <a:latin typeface="Calibri" panose="020F0502020204030204" pitchFamily="34" charset="0"/>
-                        <a:ea typeface="Calibri" panose="020F0502020204030204" pitchFamily="34" charset="0"/>
-                        <a:cs typeface="Times New Roman" panose="02020603050405020304" pitchFamily="18" charset="0"/>
-                      </a:endParaRPr>
-                    </a:p>
-                  </a:txBody>
-                  <a:tcPr marL="68580" marR="68580" marT="0" marB="0" anchor="ctr"/>
-                </a:tc>
-                <a:tc>
-                  <a:txBody>
-                    <a:bodyPr/>
-                    <a:lstStyle/>
-                    <a:p>
-                      <a:pPr algn="ctr">
-                        <a:lnSpc>
-                          <a:spcPct val="107000"/>
-                        </a:lnSpc>
-                        <a:spcAft>
-                          <a:spcPts val="800"/>
-                        </a:spcAft>
-                      </a:pPr>
-                      <a:r>
-                        <a:rPr lang="en-IN" sz="1200">
-                          <a:effectLst/>
-                        </a:rPr>
-                        <a:t>BASE CASE</a:t>
-                      </a:r>
-                      <a:endParaRPr lang="en-IN" sz="1100">
-                        <a:effectLst/>
-                        <a:latin typeface="Calibri" panose="020F0502020204030204" pitchFamily="34" charset="0"/>
-                        <a:ea typeface="Calibri" panose="020F0502020204030204" pitchFamily="34" charset="0"/>
-                        <a:cs typeface="Times New Roman" panose="02020603050405020304" pitchFamily="18" charset="0"/>
-                      </a:endParaRPr>
-                    </a:p>
-                  </a:txBody>
-                  <a:tcPr marL="68580" marR="68580" marT="0" marB="0" anchor="ctr"/>
-                </a:tc>
-                <a:tc>
-                  <a:txBody>
-                    <a:bodyPr/>
-                    <a:lstStyle/>
-                    <a:p>
-                      <a:pPr algn="ctr">
-                        <a:lnSpc>
-                          <a:spcPct val="107000"/>
-                        </a:lnSpc>
-                        <a:spcAft>
-                          <a:spcPts val="800"/>
-                        </a:spcAft>
-                      </a:pPr>
-                      <a:r>
-                        <a:rPr lang="en-IN" sz="1200">
-                          <a:effectLst/>
-                        </a:rPr>
-                        <a:t>90.00%</a:t>
-                      </a:r>
-                      <a:endParaRPr lang="en-IN" sz="1100">
-                        <a:effectLst/>
-                        <a:latin typeface="Calibri" panose="020F0502020204030204" pitchFamily="34" charset="0"/>
-                        <a:ea typeface="Calibri" panose="020F0502020204030204" pitchFamily="34" charset="0"/>
-                        <a:cs typeface="Times New Roman" panose="02020603050405020304" pitchFamily="18" charset="0"/>
-                      </a:endParaRPr>
-                    </a:p>
-                  </a:txBody>
-                  <a:tcPr marL="68580" marR="68580" marT="0" marB="0" anchor="ctr"/>
-                </a:tc>
-                <a:tc>
-                  <a:txBody>
-                    <a:bodyPr/>
-                    <a:lstStyle/>
-                    <a:p>
-                      <a:pPr algn="ctr">
-                        <a:lnSpc>
-                          <a:spcPct val="107000"/>
-                        </a:lnSpc>
-                        <a:spcAft>
-                          <a:spcPts val="800"/>
-                        </a:spcAft>
-                      </a:pPr>
-                      <a:r>
-                        <a:rPr lang="en-IN" sz="1200">
-                          <a:effectLst/>
-                        </a:rPr>
-                        <a:t>95.00%</a:t>
-                      </a:r>
-                      <a:endParaRPr lang="en-IN" sz="1100">
-                        <a:effectLst/>
-                        <a:latin typeface="Calibri" panose="020F0502020204030204" pitchFamily="34" charset="0"/>
-                        <a:ea typeface="Calibri" panose="020F0502020204030204" pitchFamily="34" charset="0"/>
-                        <a:cs typeface="Times New Roman" panose="02020603050405020304" pitchFamily="18" charset="0"/>
-                      </a:endParaRPr>
-                    </a:p>
-                  </a:txBody>
-                  <a:tcPr marL="68580" marR="68580" marT="0" marB="0" anchor="ctr"/>
-                </a:tc>
-                <a:tc>
-                  <a:txBody>
-                    <a:bodyPr/>
-                    <a:lstStyle/>
-                    <a:p>
-                      <a:pPr algn="ctr">
-                        <a:lnSpc>
-                          <a:spcPct val="107000"/>
-                        </a:lnSpc>
-                        <a:spcAft>
-                          <a:spcPts val="800"/>
-                        </a:spcAft>
-                      </a:pPr>
-                      <a:r>
-                        <a:rPr lang="en-IN" sz="1200">
-                          <a:effectLst/>
-                        </a:rPr>
-                        <a:t>105.00%</a:t>
-                      </a:r>
-                      <a:endParaRPr lang="en-IN" sz="1100">
-                        <a:effectLst/>
-                        <a:latin typeface="Calibri" panose="020F0502020204030204" pitchFamily="34" charset="0"/>
-                        <a:ea typeface="Calibri" panose="020F0502020204030204" pitchFamily="34" charset="0"/>
-                        <a:cs typeface="Times New Roman" panose="02020603050405020304" pitchFamily="18" charset="0"/>
-                      </a:endParaRPr>
-                    </a:p>
-                  </a:txBody>
-                  <a:tcPr marL="68580" marR="68580" marT="0" marB="0" anchor="ctr"/>
-                </a:tc>
-                <a:tc>
-                  <a:txBody>
-                    <a:bodyPr/>
-                    <a:lstStyle/>
-                    <a:p>
-                      <a:pPr algn="ctr">
-                        <a:lnSpc>
-                          <a:spcPct val="107000"/>
-                        </a:lnSpc>
-                        <a:spcAft>
-                          <a:spcPts val="800"/>
-                        </a:spcAft>
-                      </a:pPr>
-                      <a:r>
-                        <a:rPr lang="en-IN" sz="1200">
-                          <a:effectLst/>
-                        </a:rPr>
-                        <a:t>110.00%</a:t>
-                      </a:r>
-                      <a:endParaRPr lang="en-IN" sz="1100">
-                        <a:effectLst/>
-                        <a:latin typeface="Calibri" panose="020F0502020204030204" pitchFamily="34" charset="0"/>
-                        <a:ea typeface="Calibri" panose="020F0502020204030204" pitchFamily="34" charset="0"/>
-                        <a:cs typeface="Times New Roman" panose="02020603050405020304" pitchFamily="18" charset="0"/>
-                      </a:endParaRPr>
-                    </a:p>
-                  </a:txBody>
-                  <a:tcPr marL="68580" marR="68580" marT="0" marB="0" anchor="ctr"/>
-                </a:tc>
-                <a:extLst>
-                  <a:ext uri="{0D108BD9-81ED-4DB2-BD59-A6C34878D82A}">
-                    <a16:rowId xmlns:a16="http://schemas.microsoft.com/office/drawing/2014/main" val="919478855"/>
-                  </a:ext>
-                </a:extLst>
-              </a:tr>
-              <a:tr h="212580">
-                <a:tc>
-                  <a:txBody>
-                    <a:bodyPr/>
-                    <a:lstStyle/>
-                    <a:p>
-                      <a:pPr algn="ctr">
-                        <a:lnSpc>
-                          <a:spcPct val="107000"/>
-                        </a:lnSpc>
-                        <a:spcAft>
-                          <a:spcPts val="800"/>
-                        </a:spcAft>
-                      </a:pPr>
-                      <a:r>
-                        <a:rPr lang="en-IN" sz="1200">
-                          <a:effectLst/>
-                        </a:rPr>
-                        <a:t> </a:t>
-                      </a:r>
-                      <a:endParaRPr lang="en-IN" sz="1100">
-                        <a:effectLst/>
-                        <a:latin typeface="Calibri" panose="020F0502020204030204" pitchFamily="34" charset="0"/>
-                        <a:ea typeface="Calibri" panose="020F0502020204030204" pitchFamily="34" charset="0"/>
-                        <a:cs typeface="Times New Roman" panose="02020603050405020304" pitchFamily="18" charset="0"/>
-                      </a:endParaRPr>
-                    </a:p>
-                  </a:txBody>
-                  <a:tcPr marL="68580" marR="68580" marT="0" marB="0" anchor="ctr"/>
-                </a:tc>
-                <a:tc gridSpan="5">
-                  <a:txBody>
-                    <a:bodyPr/>
-                    <a:lstStyle/>
-                    <a:p>
-                      <a:pPr algn="ctr">
-                        <a:lnSpc>
-                          <a:spcPct val="107000"/>
-                        </a:lnSpc>
-                        <a:spcAft>
-                          <a:spcPts val="800"/>
-                        </a:spcAft>
-                      </a:pPr>
-                      <a:r>
-                        <a:rPr lang="en-IN" sz="1200">
-                          <a:effectLst/>
-                        </a:rPr>
-                        <a:t>CAPITAL COST</a:t>
-                      </a:r>
-                      <a:endParaRPr lang="en-IN" sz="1100">
-                        <a:effectLst/>
-                        <a:latin typeface="Calibri" panose="020F0502020204030204" pitchFamily="34" charset="0"/>
-                        <a:ea typeface="Calibri" panose="020F0502020204030204" pitchFamily="34" charset="0"/>
-                        <a:cs typeface="Times New Roman" panose="02020603050405020304" pitchFamily="18" charset="0"/>
-                      </a:endParaRPr>
-                    </a:p>
-                  </a:txBody>
-                  <a:tcPr marL="68580" marR="68580" marT="0" marB="0" anchor="ctr"/>
-                </a:tc>
-                <a:tc hMerge="1">
-                  <a:txBody>
-                    <a:bodyPr/>
-                    <a:lstStyle/>
-                    <a:p>
-                      <a:endParaRPr lang="en-IN"/>
-                    </a:p>
-                  </a:txBody>
-                  <a:tcPr/>
-                </a:tc>
-                <a:tc hMerge="1">
-                  <a:txBody>
-                    <a:bodyPr/>
-                    <a:lstStyle/>
-                    <a:p>
-                      <a:endParaRPr lang="en-IN"/>
-                    </a:p>
-                  </a:txBody>
-                  <a:tcPr/>
-                </a:tc>
-                <a:tc hMerge="1">
-                  <a:txBody>
-                    <a:bodyPr/>
-                    <a:lstStyle/>
-                    <a:p>
-                      <a:endParaRPr lang="en-IN"/>
-                    </a:p>
-                  </a:txBody>
-                  <a:tcPr/>
-                </a:tc>
-                <a:tc hMerge="1">
-                  <a:txBody>
-                    <a:bodyPr/>
-                    <a:lstStyle/>
-                    <a:p>
-                      <a:endParaRPr lang="en-IN"/>
-                    </a:p>
-                  </a:txBody>
-                  <a:tcPr/>
-                </a:tc>
-                <a:extLst>
-                  <a:ext uri="{0D108BD9-81ED-4DB2-BD59-A6C34878D82A}">
-                    <a16:rowId xmlns:a16="http://schemas.microsoft.com/office/drawing/2014/main" val="1270109332"/>
-                  </a:ext>
-                </a:extLst>
-              </a:tr>
-              <a:tr h="202646">
-                <a:tc>
-                  <a:txBody>
-                    <a:bodyPr/>
-                    <a:lstStyle/>
-                    <a:p>
-                      <a:pPr algn="ctr">
-                        <a:lnSpc>
-                          <a:spcPct val="107000"/>
-                        </a:lnSpc>
-                        <a:spcAft>
-                          <a:spcPts val="800"/>
-                        </a:spcAft>
-                      </a:pPr>
-                      <a:r>
-                        <a:rPr lang="en-IN" sz="1200">
-                          <a:effectLst/>
-                        </a:rPr>
-                        <a:t>IRR%</a:t>
-                      </a:r>
-                      <a:endParaRPr lang="en-IN" sz="1100">
-                        <a:effectLst/>
-                        <a:latin typeface="Calibri" panose="020F0502020204030204" pitchFamily="34" charset="0"/>
-                        <a:ea typeface="Calibri" panose="020F0502020204030204" pitchFamily="34" charset="0"/>
-                        <a:cs typeface="Times New Roman" panose="02020603050405020304" pitchFamily="18" charset="0"/>
-                      </a:endParaRPr>
-                    </a:p>
-                  </a:txBody>
-                  <a:tcPr marL="68580" marR="68580" marT="0" marB="0" anchor="ctr"/>
-                </a:tc>
-                <a:tc>
-                  <a:txBody>
-                    <a:bodyPr/>
-                    <a:lstStyle/>
-                    <a:p>
-                      <a:pPr algn="ctr">
-                        <a:lnSpc>
-                          <a:spcPct val="107000"/>
-                        </a:lnSpc>
-                        <a:spcAft>
-                          <a:spcPts val="800"/>
-                        </a:spcAft>
-                      </a:pPr>
-                      <a:r>
-                        <a:rPr lang="en-IN" sz="1100">
-                          <a:effectLst/>
-                        </a:rPr>
-                        <a:t>56.54%</a:t>
-                      </a:r>
-                      <a:endParaRPr lang="en-IN" sz="1100">
-                        <a:effectLst/>
-                        <a:latin typeface="Calibri" panose="020F0502020204030204" pitchFamily="34" charset="0"/>
-                        <a:ea typeface="Calibri" panose="020F0502020204030204" pitchFamily="34" charset="0"/>
-                        <a:cs typeface="Times New Roman" panose="02020603050405020304" pitchFamily="18" charset="0"/>
-                      </a:endParaRPr>
-                    </a:p>
-                  </a:txBody>
-                  <a:tcPr marL="68580" marR="68580" marT="0" marB="0" anchor="ctr"/>
-                </a:tc>
-                <a:tc>
-                  <a:txBody>
-                    <a:bodyPr/>
-                    <a:lstStyle/>
-                    <a:p>
-                      <a:pPr algn="ctr">
-                        <a:lnSpc>
-                          <a:spcPct val="107000"/>
-                        </a:lnSpc>
-                        <a:spcAft>
-                          <a:spcPts val="800"/>
-                        </a:spcAft>
-                      </a:pPr>
-                      <a:r>
-                        <a:rPr lang="en-IN" sz="1100">
-                          <a:effectLst/>
-                        </a:rPr>
-                        <a:t>60.72%</a:t>
-                      </a:r>
-                      <a:endParaRPr lang="en-IN" sz="1100">
-                        <a:effectLst/>
-                        <a:latin typeface="Calibri" panose="020F0502020204030204" pitchFamily="34" charset="0"/>
-                        <a:ea typeface="Calibri" panose="020F0502020204030204" pitchFamily="34" charset="0"/>
-                        <a:cs typeface="Times New Roman" panose="02020603050405020304" pitchFamily="18" charset="0"/>
-                      </a:endParaRPr>
-                    </a:p>
-                  </a:txBody>
-                  <a:tcPr marL="68580" marR="68580" marT="0" marB="0" anchor="ctr"/>
-                </a:tc>
-                <a:tc>
-                  <a:txBody>
-                    <a:bodyPr/>
-                    <a:lstStyle/>
-                    <a:p>
-                      <a:pPr algn="ctr">
-                        <a:lnSpc>
-                          <a:spcPct val="107000"/>
-                        </a:lnSpc>
-                        <a:spcAft>
-                          <a:spcPts val="800"/>
-                        </a:spcAft>
-                      </a:pPr>
-                      <a:r>
-                        <a:rPr lang="en-IN" sz="1100">
-                          <a:effectLst/>
-                        </a:rPr>
-                        <a:t>58.54%</a:t>
-                      </a:r>
-                      <a:endParaRPr lang="en-IN" sz="1100">
-                        <a:effectLst/>
-                        <a:latin typeface="Calibri" panose="020F0502020204030204" pitchFamily="34" charset="0"/>
-                        <a:ea typeface="Calibri" panose="020F0502020204030204" pitchFamily="34" charset="0"/>
-                        <a:cs typeface="Times New Roman" panose="02020603050405020304" pitchFamily="18" charset="0"/>
-                      </a:endParaRPr>
-                    </a:p>
-                  </a:txBody>
-                  <a:tcPr marL="68580" marR="68580" marT="0" marB="0" anchor="ctr"/>
-                </a:tc>
-                <a:tc>
-                  <a:txBody>
-                    <a:bodyPr/>
-                    <a:lstStyle/>
-                    <a:p>
-                      <a:pPr algn="ctr">
-                        <a:lnSpc>
-                          <a:spcPct val="107000"/>
-                        </a:lnSpc>
-                        <a:spcAft>
-                          <a:spcPts val="800"/>
-                        </a:spcAft>
-                      </a:pPr>
-                      <a:r>
-                        <a:rPr lang="en-IN" sz="1100">
-                          <a:effectLst/>
-                        </a:rPr>
-                        <a:t>54.70%</a:t>
-                      </a:r>
-                      <a:endParaRPr lang="en-IN" sz="1100">
-                        <a:effectLst/>
-                        <a:latin typeface="Calibri" panose="020F0502020204030204" pitchFamily="34" charset="0"/>
-                        <a:ea typeface="Calibri" panose="020F0502020204030204" pitchFamily="34" charset="0"/>
-                        <a:cs typeface="Times New Roman" panose="02020603050405020304" pitchFamily="18" charset="0"/>
-                      </a:endParaRPr>
-                    </a:p>
-                  </a:txBody>
-                  <a:tcPr marL="68580" marR="68580" marT="0" marB="0" anchor="ctr"/>
-                </a:tc>
-                <a:tc>
-                  <a:txBody>
-                    <a:bodyPr/>
-                    <a:lstStyle/>
-                    <a:p>
-                      <a:pPr algn="ctr">
-                        <a:lnSpc>
-                          <a:spcPct val="107000"/>
-                        </a:lnSpc>
-                        <a:spcAft>
-                          <a:spcPts val="800"/>
-                        </a:spcAft>
-                      </a:pPr>
-                      <a:r>
-                        <a:rPr lang="en-IN" sz="1100">
-                          <a:effectLst/>
-                        </a:rPr>
-                        <a:t>53.01%</a:t>
-                      </a:r>
-                      <a:endParaRPr lang="en-IN" sz="1100">
-                        <a:effectLst/>
-                        <a:latin typeface="Calibri" panose="020F0502020204030204" pitchFamily="34" charset="0"/>
-                        <a:ea typeface="Calibri" panose="020F0502020204030204" pitchFamily="34" charset="0"/>
-                        <a:cs typeface="Times New Roman" panose="02020603050405020304" pitchFamily="18" charset="0"/>
-                      </a:endParaRPr>
-                    </a:p>
-                  </a:txBody>
-                  <a:tcPr marL="68580" marR="68580" marT="0" marB="0" anchor="ctr"/>
-                </a:tc>
-                <a:extLst>
-                  <a:ext uri="{0D108BD9-81ED-4DB2-BD59-A6C34878D82A}">
-                    <a16:rowId xmlns:a16="http://schemas.microsoft.com/office/drawing/2014/main" val="627665540"/>
-                  </a:ext>
-                </a:extLst>
-              </a:tr>
-              <a:tr h="202646">
-                <a:tc>
-                  <a:txBody>
-                    <a:bodyPr/>
-                    <a:lstStyle/>
-                    <a:p>
-                      <a:pPr algn="ctr">
-                        <a:lnSpc>
-                          <a:spcPct val="107000"/>
-                        </a:lnSpc>
-                        <a:spcAft>
-                          <a:spcPts val="800"/>
-                        </a:spcAft>
-                      </a:pPr>
-                      <a:r>
-                        <a:rPr lang="en-IN" sz="1200">
-                          <a:effectLst/>
-                        </a:rPr>
-                        <a:t>NPV</a:t>
-                      </a:r>
-                      <a:endParaRPr lang="en-IN" sz="1100">
-                        <a:effectLst/>
-                        <a:latin typeface="Calibri" panose="020F0502020204030204" pitchFamily="34" charset="0"/>
-                        <a:ea typeface="Calibri" panose="020F0502020204030204" pitchFamily="34" charset="0"/>
-                        <a:cs typeface="Times New Roman" panose="02020603050405020304" pitchFamily="18" charset="0"/>
-                      </a:endParaRPr>
-                    </a:p>
-                  </a:txBody>
-                  <a:tcPr marL="68580" marR="68580" marT="0" marB="0" anchor="ctr"/>
-                </a:tc>
-                <a:tc>
-                  <a:txBody>
-                    <a:bodyPr/>
-                    <a:lstStyle/>
-                    <a:p>
-                      <a:pPr algn="ctr">
-                        <a:lnSpc>
-                          <a:spcPct val="107000"/>
-                        </a:lnSpc>
-                        <a:spcAft>
-                          <a:spcPts val="800"/>
-                        </a:spcAft>
-                      </a:pPr>
-                      <a:r>
-                        <a:rPr lang="en-IN" sz="1100">
-                          <a:effectLst/>
-                        </a:rPr>
-                        <a:t>153.38</a:t>
-                      </a:r>
-                      <a:endParaRPr lang="en-IN" sz="1100">
-                        <a:effectLst/>
-                        <a:latin typeface="Calibri" panose="020F0502020204030204" pitchFamily="34" charset="0"/>
-                        <a:ea typeface="Calibri" panose="020F0502020204030204" pitchFamily="34" charset="0"/>
-                        <a:cs typeface="Times New Roman" panose="02020603050405020304" pitchFamily="18" charset="0"/>
-                      </a:endParaRPr>
-                    </a:p>
-                  </a:txBody>
-                  <a:tcPr marL="68580" marR="68580" marT="0" marB="0" anchor="ctr"/>
-                </a:tc>
-                <a:tc>
-                  <a:txBody>
-                    <a:bodyPr/>
-                    <a:lstStyle/>
-                    <a:p>
-                      <a:pPr algn="ctr">
-                        <a:lnSpc>
-                          <a:spcPct val="107000"/>
-                        </a:lnSpc>
-                        <a:spcAft>
-                          <a:spcPts val="800"/>
-                        </a:spcAft>
-                      </a:pPr>
-                      <a:r>
-                        <a:rPr lang="en-IN" sz="1100">
-                          <a:effectLst/>
-                        </a:rPr>
-                        <a:t>155.4</a:t>
-                      </a:r>
-                      <a:endParaRPr lang="en-IN" sz="1100">
-                        <a:effectLst/>
-                        <a:latin typeface="Calibri" panose="020F0502020204030204" pitchFamily="34" charset="0"/>
-                        <a:ea typeface="Calibri" panose="020F0502020204030204" pitchFamily="34" charset="0"/>
-                        <a:cs typeface="Times New Roman" panose="02020603050405020304" pitchFamily="18" charset="0"/>
-                      </a:endParaRPr>
-                    </a:p>
-                  </a:txBody>
-                  <a:tcPr marL="68580" marR="68580" marT="0" marB="0" anchor="ctr"/>
-                </a:tc>
-                <a:tc>
-                  <a:txBody>
-                    <a:bodyPr/>
-                    <a:lstStyle/>
-                    <a:p>
-                      <a:pPr algn="ctr">
-                        <a:lnSpc>
-                          <a:spcPct val="107000"/>
-                        </a:lnSpc>
-                        <a:spcAft>
-                          <a:spcPts val="800"/>
-                        </a:spcAft>
-                      </a:pPr>
-                      <a:r>
-                        <a:rPr lang="en-IN" sz="1100">
-                          <a:effectLst/>
-                        </a:rPr>
-                        <a:t>154.39</a:t>
-                      </a:r>
-                      <a:endParaRPr lang="en-IN" sz="1100">
-                        <a:effectLst/>
-                        <a:latin typeface="Calibri" panose="020F0502020204030204" pitchFamily="34" charset="0"/>
-                        <a:ea typeface="Calibri" panose="020F0502020204030204" pitchFamily="34" charset="0"/>
-                        <a:cs typeface="Times New Roman" panose="02020603050405020304" pitchFamily="18" charset="0"/>
-                      </a:endParaRPr>
-                    </a:p>
-                  </a:txBody>
-                  <a:tcPr marL="68580" marR="68580" marT="0" marB="0" anchor="ctr"/>
-                </a:tc>
-                <a:tc>
-                  <a:txBody>
-                    <a:bodyPr/>
-                    <a:lstStyle/>
-                    <a:p>
-                      <a:pPr algn="ctr">
-                        <a:lnSpc>
-                          <a:spcPct val="107000"/>
-                        </a:lnSpc>
-                        <a:spcAft>
-                          <a:spcPts val="800"/>
-                        </a:spcAft>
-                      </a:pPr>
-                      <a:r>
-                        <a:rPr lang="en-IN" sz="1100">
-                          <a:effectLst/>
-                        </a:rPr>
-                        <a:t>152.38</a:t>
-                      </a:r>
-                      <a:endParaRPr lang="en-IN" sz="1100">
-                        <a:effectLst/>
-                        <a:latin typeface="Calibri" panose="020F0502020204030204" pitchFamily="34" charset="0"/>
-                        <a:ea typeface="Calibri" panose="020F0502020204030204" pitchFamily="34" charset="0"/>
-                        <a:cs typeface="Times New Roman" panose="02020603050405020304" pitchFamily="18" charset="0"/>
-                      </a:endParaRPr>
-                    </a:p>
-                  </a:txBody>
-                  <a:tcPr marL="68580" marR="68580" marT="0" marB="0" anchor="ctr"/>
-                </a:tc>
-                <a:tc>
-                  <a:txBody>
-                    <a:bodyPr/>
-                    <a:lstStyle/>
-                    <a:p>
-                      <a:pPr algn="ctr">
-                        <a:lnSpc>
-                          <a:spcPct val="107000"/>
-                        </a:lnSpc>
-                        <a:spcAft>
-                          <a:spcPts val="800"/>
-                        </a:spcAft>
-                      </a:pPr>
-                      <a:r>
-                        <a:rPr lang="en-IN" sz="1100">
-                          <a:effectLst/>
-                        </a:rPr>
-                        <a:t>151.36</a:t>
-                      </a:r>
-                      <a:endParaRPr lang="en-IN" sz="1100">
-                        <a:effectLst/>
-                        <a:latin typeface="Calibri" panose="020F0502020204030204" pitchFamily="34" charset="0"/>
-                        <a:ea typeface="Calibri" panose="020F0502020204030204" pitchFamily="34" charset="0"/>
-                        <a:cs typeface="Times New Roman" panose="02020603050405020304" pitchFamily="18" charset="0"/>
-                      </a:endParaRPr>
-                    </a:p>
-                  </a:txBody>
-                  <a:tcPr marL="68580" marR="68580" marT="0" marB="0" anchor="ctr"/>
-                </a:tc>
-                <a:extLst>
-                  <a:ext uri="{0D108BD9-81ED-4DB2-BD59-A6C34878D82A}">
-                    <a16:rowId xmlns:a16="http://schemas.microsoft.com/office/drawing/2014/main" val="1360025070"/>
-                  </a:ext>
-                </a:extLst>
-              </a:tr>
-              <a:tr h="212580">
-                <a:tc>
-                  <a:txBody>
-                    <a:bodyPr/>
-                    <a:lstStyle/>
-                    <a:p>
-                      <a:pPr algn="ctr">
-                        <a:lnSpc>
-                          <a:spcPct val="107000"/>
-                        </a:lnSpc>
-                        <a:spcAft>
-                          <a:spcPts val="800"/>
-                        </a:spcAft>
-                      </a:pPr>
-                      <a:r>
-                        <a:rPr lang="en-IN" sz="1200">
-                          <a:effectLst/>
-                        </a:rPr>
-                        <a:t> </a:t>
-                      </a:r>
-                      <a:endParaRPr lang="en-IN" sz="1100">
-                        <a:effectLst/>
-                        <a:latin typeface="Calibri" panose="020F0502020204030204" pitchFamily="34" charset="0"/>
-                        <a:ea typeface="Calibri" panose="020F0502020204030204" pitchFamily="34" charset="0"/>
-                        <a:cs typeface="Times New Roman" panose="02020603050405020304" pitchFamily="18" charset="0"/>
-                      </a:endParaRPr>
-                    </a:p>
-                  </a:txBody>
-                  <a:tcPr marL="68580" marR="68580" marT="0" marB="0" anchor="ctr"/>
-                </a:tc>
-                <a:tc gridSpan="5">
-                  <a:txBody>
-                    <a:bodyPr/>
-                    <a:lstStyle/>
-                    <a:p>
-                      <a:pPr algn="ctr">
-                        <a:lnSpc>
-                          <a:spcPct val="107000"/>
-                        </a:lnSpc>
-                        <a:spcAft>
-                          <a:spcPts val="800"/>
-                        </a:spcAft>
-                      </a:pPr>
-                      <a:r>
-                        <a:rPr lang="en-IN" sz="1200">
-                          <a:effectLst/>
-                        </a:rPr>
-                        <a:t>REVENUE</a:t>
-                      </a:r>
-                      <a:endParaRPr lang="en-IN" sz="1100">
-                        <a:effectLst/>
-                        <a:latin typeface="Calibri" panose="020F0502020204030204" pitchFamily="34" charset="0"/>
-                        <a:ea typeface="Calibri" panose="020F0502020204030204" pitchFamily="34" charset="0"/>
-                        <a:cs typeface="Times New Roman" panose="02020603050405020304" pitchFamily="18" charset="0"/>
-                      </a:endParaRPr>
-                    </a:p>
-                  </a:txBody>
-                  <a:tcPr marL="68580" marR="68580" marT="0" marB="0" anchor="ctr"/>
-                </a:tc>
-                <a:tc hMerge="1">
-                  <a:txBody>
-                    <a:bodyPr/>
-                    <a:lstStyle/>
-                    <a:p>
-                      <a:endParaRPr lang="en-IN"/>
-                    </a:p>
-                  </a:txBody>
-                  <a:tcPr/>
-                </a:tc>
-                <a:tc hMerge="1">
-                  <a:txBody>
-                    <a:bodyPr/>
-                    <a:lstStyle/>
-                    <a:p>
-                      <a:endParaRPr lang="en-IN"/>
-                    </a:p>
-                  </a:txBody>
-                  <a:tcPr/>
-                </a:tc>
-                <a:tc hMerge="1">
-                  <a:txBody>
-                    <a:bodyPr/>
-                    <a:lstStyle/>
-                    <a:p>
-                      <a:endParaRPr lang="en-IN"/>
-                    </a:p>
-                  </a:txBody>
-                  <a:tcPr/>
-                </a:tc>
-                <a:tc hMerge="1">
-                  <a:txBody>
-                    <a:bodyPr/>
-                    <a:lstStyle/>
-                    <a:p>
-                      <a:endParaRPr lang="en-IN"/>
-                    </a:p>
-                  </a:txBody>
-                  <a:tcPr/>
-                </a:tc>
-                <a:extLst>
-                  <a:ext uri="{0D108BD9-81ED-4DB2-BD59-A6C34878D82A}">
-                    <a16:rowId xmlns:a16="http://schemas.microsoft.com/office/drawing/2014/main" val="2687873755"/>
-                  </a:ext>
-                </a:extLst>
-              </a:tr>
-              <a:tr h="202646">
-                <a:tc>
-                  <a:txBody>
-                    <a:bodyPr/>
-                    <a:lstStyle/>
-                    <a:p>
-                      <a:pPr algn="ctr">
-                        <a:lnSpc>
-                          <a:spcPct val="107000"/>
-                        </a:lnSpc>
-                        <a:spcAft>
-                          <a:spcPts val="800"/>
-                        </a:spcAft>
-                      </a:pPr>
-                      <a:r>
-                        <a:rPr lang="en-IN" sz="1200">
-                          <a:effectLst/>
-                        </a:rPr>
-                        <a:t>IRR%</a:t>
-                      </a:r>
-                      <a:endParaRPr lang="en-IN" sz="1100">
-                        <a:effectLst/>
-                        <a:latin typeface="Calibri" panose="020F0502020204030204" pitchFamily="34" charset="0"/>
-                        <a:ea typeface="Calibri" panose="020F0502020204030204" pitchFamily="34" charset="0"/>
-                        <a:cs typeface="Times New Roman" panose="02020603050405020304" pitchFamily="18" charset="0"/>
-                      </a:endParaRPr>
-                    </a:p>
-                  </a:txBody>
-                  <a:tcPr marL="68580" marR="68580" marT="0" marB="0" anchor="ctr"/>
-                </a:tc>
-                <a:tc>
-                  <a:txBody>
-                    <a:bodyPr/>
-                    <a:lstStyle/>
-                    <a:p>
-                      <a:pPr algn="ctr">
-                        <a:lnSpc>
-                          <a:spcPct val="107000"/>
-                        </a:lnSpc>
-                        <a:spcAft>
-                          <a:spcPts val="800"/>
-                        </a:spcAft>
-                      </a:pPr>
-                      <a:r>
-                        <a:rPr lang="en-IN" sz="1100">
-                          <a:effectLst/>
-                        </a:rPr>
-                        <a:t>56.54%</a:t>
-                      </a:r>
-                      <a:endParaRPr lang="en-IN" sz="1100">
-                        <a:effectLst/>
-                        <a:latin typeface="Calibri" panose="020F0502020204030204" pitchFamily="34" charset="0"/>
-                        <a:ea typeface="Calibri" panose="020F0502020204030204" pitchFamily="34" charset="0"/>
-                        <a:cs typeface="Times New Roman" panose="02020603050405020304" pitchFamily="18" charset="0"/>
-                      </a:endParaRPr>
-                    </a:p>
-                  </a:txBody>
-                  <a:tcPr marL="68580" marR="68580" marT="0" marB="0" anchor="ctr"/>
-                </a:tc>
-                <a:tc>
-                  <a:txBody>
-                    <a:bodyPr/>
-                    <a:lstStyle/>
-                    <a:p>
-                      <a:pPr algn="ctr">
-                        <a:lnSpc>
-                          <a:spcPct val="107000"/>
-                        </a:lnSpc>
-                        <a:spcAft>
-                          <a:spcPts val="800"/>
-                        </a:spcAft>
-                      </a:pPr>
-                      <a:r>
-                        <a:rPr lang="en-IN" sz="1100">
-                          <a:effectLst/>
-                        </a:rPr>
-                        <a:t>38.09%</a:t>
-                      </a:r>
-                      <a:endParaRPr lang="en-IN" sz="1100">
-                        <a:effectLst/>
-                        <a:latin typeface="Calibri" panose="020F0502020204030204" pitchFamily="34" charset="0"/>
-                        <a:ea typeface="Calibri" panose="020F0502020204030204" pitchFamily="34" charset="0"/>
-                        <a:cs typeface="Times New Roman" panose="02020603050405020304" pitchFamily="18" charset="0"/>
-                      </a:endParaRPr>
-                    </a:p>
-                  </a:txBody>
-                  <a:tcPr marL="68580" marR="68580" marT="0" marB="0" anchor="ctr"/>
-                </a:tc>
-                <a:tc>
-                  <a:txBody>
-                    <a:bodyPr/>
-                    <a:lstStyle/>
-                    <a:p>
-                      <a:pPr algn="ctr">
-                        <a:lnSpc>
-                          <a:spcPct val="107000"/>
-                        </a:lnSpc>
-                        <a:spcAft>
-                          <a:spcPts val="800"/>
-                        </a:spcAft>
-                      </a:pPr>
-                      <a:r>
-                        <a:rPr lang="en-IN" sz="1100">
-                          <a:effectLst/>
-                        </a:rPr>
-                        <a:t>47.66%</a:t>
-                      </a:r>
-                      <a:endParaRPr lang="en-IN" sz="1100">
-                        <a:effectLst/>
-                        <a:latin typeface="Calibri" panose="020F0502020204030204" pitchFamily="34" charset="0"/>
-                        <a:ea typeface="Calibri" panose="020F0502020204030204" pitchFamily="34" charset="0"/>
-                        <a:cs typeface="Times New Roman" panose="02020603050405020304" pitchFamily="18" charset="0"/>
-                      </a:endParaRPr>
-                    </a:p>
-                  </a:txBody>
-                  <a:tcPr marL="68580" marR="68580" marT="0" marB="0" anchor="ctr"/>
-                </a:tc>
-                <a:tc>
-                  <a:txBody>
-                    <a:bodyPr/>
-                    <a:lstStyle/>
-                    <a:p>
-                      <a:pPr algn="ctr">
-                        <a:lnSpc>
-                          <a:spcPct val="107000"/>
-                        </a:lnSpc>
-                        <a:spcAft>
-                          <a:spcPts val="800"/>
-                        </a:spcAft>
-                      </a:pPr>
-                      <a:r>
-                        <a:rPr lang="en-IN" sz="1100">
-                          <a:effectLst/>
-                        </a:rPr>
-                        <a:t>64.98%</a:t>
-                      </a:r>
-                      <a:endParaRPr lang="en-IN" sz="1100">
-                        <a:effectLst/>
-                        <a:latin typeface="Calibri" panose="020F0502020204030204" pitchFamily="34" charset="0"/>
-                        <a:ea typeface="Calibri" panose="020F0502020204030204" pitchFamily="34" charset="0"/>
-                        <a:cs typeface="Times New Roman" panose="02020603050405020304" pitchFamily="18" charset="0"/>
-                      </a:endParaRPr>
-                    </a:p>
-                  </a:txBody>
-                  <a:tcPr marL="68580" marR="68580" marT="0" marB="0" anchor="ctr"/>
-                </a:tc>
-                <a:tc>
-                  <a:txBody>
-                    <a:bodyPr/>
-                    <a:lstStyle/>
-                    <a:p>
-                      <a:pPr algn="ctr">
-                        <a:lnSpc>
-                          <a:spcPct val="107000"/>
-                        </a:lnSpc>
-                        <a:spcAft>
-                          <a:spcPts val="800"/>
-                        </a:spcAft>
-                      </a:pPr>
-                      <a:r>
-                        <a:rPr lang="en-IN" sz="1100">
-                          <a:effectLst/>
-                        </a:rPr>
-                        <a:t>73.15%</a:t>
-                      </a:r>
-                      <a:endParaRPr lang="en-IN" sz="1100">
-                        <a:effectLst/>
-                        <a:latin typeface="Calibri" panose="020F0502020204030204" pitchFamily="34" charset="0"/>
-                        <a:ea typeface="Calibri" panose="020F0502020204030204" pitchFamily="34" charset="0"/>
-                        <a:cs typeface="Times New Roman" panose="02020603050405020304" pitchFamily="18" charset="0"/>
-                      </a:endParaRPr>
-                    </a:p>
-                  </a:txBody>
-                  <a:tcPr marL="68580" marR="68580" marT="0" marB="0" anchor="ctr"/>
-                </a:tc>
-                <a:extLst>
-                  <a:ext uri="{0D108BD9-81ED-4DB2-BD59-A6C34878D82A}">
-                    <a16:rowId xmlns:a16="http://schemas.microsoft.com/office/drawing/2014/main" val="1516930380"/>
-                  </a:ext>
-                </a:extLst>
-              </a:tr>
-              <a:tr h="202646">
-                <a:tc>
-                  <a:txBody>
-                    <a:bodyPr/>
-                    <a:lstStyle/>
-                    <a:p>
-                      <a:pPr algn="ctr">
-                        <a:lnSpc>
-                          <a:spcPct val="107000"/>
-                        </a:lnSpc>
-                        <a:spcAft>
-                          <a:spcPts val="800"/>
-                        </a:spcAft>
-                      </a:pPr>
-                      <a:r>
-                        <a:rPr lang="en-IN" sz="1200">
-                          <a:effectLst/>
-                        </a:rPr>
-                        <a:t>NPV</a:t>
-                      </a:r>
-                      <a:endParaRPr lang="en-IN" sz="1100">
-                        <a:effectLst/>
-                        <a:latin typeface="Calibri" panose="020F0502020204030204" pitchFamily="34" charset="0"/>
-                        <a:ea typeface="Calibri" panose="020F0502020204030204" pitchFamily="34" charset="0"/>
-                        <a:cs typeface="Times New Roman" panose="02020603050405020304" pitchFamily="18" charset="0"/>
-                      </a:endParaRPr>
-                    </a:p>
-                  </a:txBody>
-                  <a:tcPr marL="68580" marR="68580" marT="0" marB="0" anchor="ctr"/>
-                </a:tc>
-                <a:tc>
-                  <a:txBody>
-                    <a:bodyPr/>
-                    <a:lstStyle/>
-                    <a:p>
-                      <a:pPr algn="ctr">
-                        <a:lnSpc>
-                          <a:spcPct val="107000"/>
-                        </a:lnSpc>
-                        <a:spcAft>
-                          <a:spcPts val="800"/>
-                        </a:spcAft>
-                      </a:pPr>
-                      <a:r>
-                        <a:rPr lang="en-IN" sz="1100">
-                          <a:effectLst/>
-                        </a:rPr>
-                        <a:t>153.38</a:t>
-                      </a:r>
-                      <a:endParaRPr lang="en-IN" sz="1100">
-                        <a:effectLst/>
-                        <a:latin typeface="Calibri" panose="020F0502020204030204" pitchFamily="34" charset="0"/>
-                        <a:ea typeface="Calibri" panose="020F0502020204030204" pitchFamily="34" charset="0"/>
-                        <a:cs typeface="Times New Roman" panose="02020603050405020304" pitchFamily="18" charset="0"/>
-                      </a:endParaRPr>
-                    </a:p>
-                  </a:txBody>
-                  <a:tcPr marL="68580" marR="68580" marT="0" marB="0" anchor="ctr"/>
-                </a:tc>
-                <a:tc>
-                  <a:txBody>
-                    <a:bodyPr/>
-                    <a:lstStyle/>
-                    <a:p>
-                      <a:pPr algn="ctr">
-                        <a:lnSpc>
-                          <a:spcPct val="107000"/>
-                        </a:lnSpc>
-                        <a:spcAft>
-                          <a:spcPts val="800"/>
-                        </a:spcAft>
-                      </a:pPr>
-                      <a:r>
-                        <a:rPr lang="en-IN" sz="1100">
-                          <a:effectLst/>
-                        </a:rPr>
-                        <a:t>80.91</a:t>
-                      </a:r>
-                      <a:endParaRPr lang="en-IN" sz="1100">
-                        <a:effectLst/>
-                        <a:latin typeface="Calibri" panose="020F0502020204030204" pitchFamily="34" charset="0"/>
-                        <a:ea typeface="Calibri" panose="020F0502020204030204" pitchFamily="34" charset="0"/>
-                        <a:cs typeface="Times New Roman" panose="02020603050405020304" pitchFamily="18" charset="0"/>
-                      </a:endParaRPr>
-                    </a:p>
-                  </a:txBody>
-                  <a:tcPr marL="68580" marR="68580" marT="0" marB="0" anchor="ctr"/>
-                </a:tc>
-                <a:tc>
-                  <a:txBody>
-                    <a:bodyPr/>
-                    <a:lstStyle/>
-                    <a:p>
-                      <a:pPr algn="ctr">
-                        <a:lnSpc>
-                          <a:spcPct val="107000"/>
-                        </a:lnSpc>
-                        <a:spcAft>
-                          <a:spcPts val="800"/>
-                        </a:spcAft>
-                      </a:pPr>
-                      <a:r>
-                        <a:rPr lang="en-IN" sz="1100">
-                          <a:effectLst/>
-                        </a:rPr>
-                        <a:t>117.14</a:t>
-                      </a:r>
-                      <a:endParaRPr lang="en-IN" sz="1100">
-                        <a:effectLst/>
-                        <a:latin typeface="Calibri" panose="020F0502020204030204" pitchFamily="34" charset="0"/>
-                        <a:ea typeface="Calibri" panose="020F0502020204030204" pitchFamily="34" charset="0"/>
-                        <a:cs typeface="Times New Roman" panose="02020603050405020304" pitchFamily="18" charset="0"/>
-                      </a:endParaRPr>
-                    </a:p>
-                  </a:txBody>
-                  <a:tcPr marL="68580" marR="68580" marT="0" marB="0" anchor="ctr"/>
-                </a:tc>
-                <a:tc>
-                  <a:txBody>
-                    <a:bodyPr/>
-                    <a:lstStyle/>
-                    <a:p>
-                      <a:pPr algn="ctr">
-                        <a:lnSpc>
-                          <a:spcPct val="107000"/>
-                        </a:lnSpc>
-                        <a:spcAft>
-                          <a:spcPts val="800"/>
-                        </a:spcAft>
-                      </a:pPr>
-                      <a:r>
-                        <a:rPr lang="en-IN" sz="1100">
-                          <a:effectLst/>
-                        </a:rPr>
-                        <a:t>189.62</a:t>
-                      </a:r>
-                      <a:endParaRPr lang="en-IN" sz="1100">
-                        <a:effectLst/>
-                        <a:latin typeface="Calibri" panose="020F0502020204030204" pitchFamily="34" charset="0"/>
-                        <a:ea typeface="Calibri" panose="020F0502020204030204" pitchFamily="34" charset="0"/>
-                        <a:cs typeface="Times New Roman" panose="02020603050405020304" pitchFamily="18" charset="0"/>
-                      </a:endParaRPr>
-                    </a:p>
-                  </a:txBody>
-                  <a:tcPr marL="68580" marR="68580" marT="0" marB="0" anchor="ctr"/>
-                </a:tc>
-                <a:tc>
-                  <a:txBody>
-                    <a:bodyPr/>
-                    <a:lstStyle/>
-                    <a:p>
-                      <a:pPr algn="ctr">
-                        <a:lnSpc>
-                          <a:spcPct val="107000"/>
-                        </a:lnSpc>
-                        <a:spcAft>
-                          <a:spcPts val="800"/>
-                        </a:spcAft>
-                      </a:pPr>
-                      <a:r>
-                        <a:rPr lang="en-IN" sz="1100">
-                          <a:effectLst/>
-                        </a:rPr>
-                        <a:t>225.85</a:t>
-                      </a:r>
-                      <a:endParaRPr lang="en-IN" sz="1100">
-                        <a:effectLst/>
-                        <a:latin typeface="Calibri" panose="020F0502020204030204" pitchFamily="34" charset="0"/>
-                        <a:ea typeface="Calibri" panose="020F0502020204030204" pitchFamily="34" charset="0"/>
-                        <a:cs typeface="Times New Roman" panose="02020603050405020304" pitchFamily="18" charset="0"/>
-                      </a:endParaRPr>
-                    </a:p>
-                  </a:txBody>
-                  <a:tcPr marL="68580" marR="68580" marT="0" marB="0" anchor="ctr"/>
-                </a:tc>
-                <a:extLst>
-                  <a:ext uri="{0D108BD9-81ED-4DB2-BD59-A6C34878D82A}">
-                    <a16:rowId xmlns:a16="http://schemas.microsoft.com/office/drawing/2014/main" val="3217719893"/>
-                  </a:ext>
-                </a:extLst>
-              </a:tr>
-              <a:tr h="212580">
-                <a:tc>
-                  <a:txBody>
-                    <a:bodyPr/>
-                    <a:lstStyle/>
-                    <a:p>
-                      <a:pPr algn="ctr">
-                        <a:lnSpc>
-                          <a:spcPct val="107000"/>
-                        </a:lnSpc>
-                        <a:spcAft>
-                          <a:spcPts val="800"/>
-                        </a:spcAft>
-                      </a:pPr>
-                      <a:r>
-                        <a:rPr lang="en-IN" sz="1200">
-                          <a:effectLst/>
-                        </a:rPr>
-                        <a:t> </a:t>
-                      </a:r>
-                      <a:endParaRPr lang="en-IN" sz="1100">
-                        <a:effectLst/>
-                        <a:latin typeface="Calibri" panose="020F0502020204030204" pitchFamily="34" charset="0"/>
-                        <a:ea typeface="Calibri" panose="020F0502020204030204" pitchFamily="34" charset="0"/>
-                        <a:cs typeface="Times New Roman" panose="02020603050405020304" pitchFamily="18" charset="0"/>
-                      </a:endParaRPr>
-                    </a:p>
-                  </a:txBody>
-                  <a:tcPr marL="68580" marR="68580" marT="0" marB="0" anchor="ctr"/>
-                </a:tc>
-                <a:tc gridSpan="5">
-                  <a:txBody>
-                    <a:bodyPr/>
-                    <a:lstStyle/>
-                    <a:p>
-                      <a:pPr algn="ctr">
-                        <a:lnSpc>
-                          <a:spcPct val="107000"/>
-                        </a:lnSpc>
-                        <a:spcAft>
-                          <a:spcPts val="800"/>
-                        </a:spcAft>
-                      </a:pPr>
-                      <a:r>
-                        <a:rPr lang="en-IN" sz="1200">
-                          <a:effectLst/>
-                        </a:rPr>
-                        <a:t>RAW MATERIALS COST</a:t>
-                      </a:r>
-                      <a:endParaRPr lang="en-IN" sz="1100">
-                        <a:effectLst/>
-                        <a:latin typeface="Calibri" panose="020F0502020204030204" pitchFamily="34" charset="0"/>
-                        <a:ea typeface="Calibri" panose="020F0502020204030204" pitchFamily="34" charset="0"/>
-                        <a:cs typeface="Times New Roman" panose="02020603050405020304" pitchFamily="18" charset="0"/>
-                      </a:endParaRPr>
-                    </a:p>
-                  </a:txBody>
-                  <a:tcPr marL="68580" marR="68580" marT="0" marB="0" anchor="ctr"/>
-                </a:tc>
-                <a:tc hMerge="1">
-                  <a:txBody>
-                    <a:bodyPr/>
-                    <a:lstStyle/>
-                    <a:p>
-                      <a:endParaRPr lang="en-IN"/>
-                    </a:p>
-                  </a:txBody>
-                  <a:tcPr/>
-                </a:tc>
-                <a:tc hMerge="1">
-                  <a:txBody>
-                    <a:bodyPr/>
-                    <a:lstStyle/>
-                    <a:p>
-                      <a:endParaRPr lang="en-IN"/>
-                    </a:p>
-                  </a:txBody>
-                  <a:tcPr/>
-                </a:tc>
-                <a:tc hMerge="1">
-                  <a:txBody>
-                    <a:bodyPr/>
-                    <a:lstStyle/>
-                    <a:p>
-                      <a:endParaRPr lang="en-IN"/>
-                    </a:p>
-                  </a:txBody>
-                  <a:tcPr/>
-                </a:tc>
-                <a:tc hMerge="1">
-                  <a:txBody>
-                    <a:bodyPr/>
-                    <a:lstStyle/>
-                    <a:p>
-                      <a:endParaRPr lang="en-IN"/>
-                    </a:p>
-                  </a:txBody>
-                  <a:tcPr/>
-                </a:tc>
-                <a:extLst>
-                  <a:ext uri="{0D108BD9-81ED-4DB2-BD59-A6C34878D82A}">
-                    <a16:rowId xmlns:a16="http://schemas.microsoft.com/office/drawing/2014/main" val="1679058871"/>
-                  </a:ext>
-                </a:extLst>
-              </a:tr>
-              <a:tr h="202646">
-                <a:tc>
-                  <a:txBody>
-                    <a:bodyPr/>
-                    <a:lstStyle/>
-                    <a:p>
-                      <a:pPr algn="ctr">
-                        <a:lnSpc>
-                          <a:spcPct val="107000"/>
-                        </a:lnSpc>
-                        <a:spcAft>
-                          <a:spcPts val="800"/>
-                        </a:spcAft>
-                      </a:pPr>
-                      <a:r>
-                        <a:rPr lang="en-IN" sz="1200">
-                          <a:effectLst/>
-                        </a:rPr>
-                        <a:t>IRR%</a:t>
-                      </a:r>
-                      <a:endParaRPr lang="en-IN" sz="1100">
-                        <a:effectLst/>
-                        <a:latin typeface="Calibri" panose="020F0502020204030204" pitchFamily="34" charset="0"/>
-                        <a:ea typeface="Calibri" panose="020F0502020204030204" pitchFamily="34" charset="0"/>
-                        <a:cs typeface="Times New Roman" panose="02020603050405020304" pitchFamily="18" charset="0"/>
-                      </a:endParaRPr>
-                    </a:p>
-                  </a:txBody>
-                  <a:tcPr marL="68580" marR="68580" marT="0" marB="0" anchor="ctr"/>
-                </a:tc>
-                <a:tc>
-                  <a:txBody>
-                    <a:bodyPr/>
-                    <a:lstStyle/>
-                    <a:p>
-                      <a:pPr algn="ctr">
-                        <a:lnSpc>
-                          <a:spcPct val="107000"/>
-                        </a:lnSpc>
-                        <a:spcAft>
-                          <a:spcPts val="800"/>
-                        </a:spcAft>
-                      </a:pPr>
-                      <a:r>
-                        <a:rPr lang="en-IN" sz="1100">
-                          <a:effectLst/>
-                        </a:rPr>
-                        <a:t>56.54%</a:t>
-                      </a:r>
-                      <a:endParaRPr lang="en-IN" sz="1100">
-                        <a:effectLst/>
-                        <a:latin typeface="Calibri" panose="020F0502020204030204" pitchFamily="34" charset="0"/>
-                        <a:ea typeface="Calibri" panose="020F0502020204030204" pitchFamily="34" charset="0"/>
-                        <a:cs typeface="Times New Roman" panose="02020603050405020304" pitchFamily="18" charset="0"/>
-                      </a:endParaRPr>
-                    </a:p>
-                  </a:txBody>
-                  <a:tcPr marL="68580" marR="68580" marT="0" marB="0" anchor="ctr"/>
-                </a:tc>
-                <a:tc>
-                  <a:txBody>
-                    <a:bodyPr/>
-                    <a:lstStyle/>
-                    <a:p>
-                      <a:pPr algn="ctr">
-                        <a:lnSpc>
-                          <a:spcPct val="107000"/>
-                        </a:lnSpc>
-                        <a:spcAft>
-                          <a:spcPts val="800"/>
-                        </a:spcAft>
-                      </a:pPr>
-                      <a:r>
-                        <a:rPr lang="en-IN" sz="1100">
-                          <a:effectLst/>
-                        </a:rPr>
-                        <a:t>67.09%</a:t>
-                      </a:r>
-                      <a:endParaRPr lang="en-IN" sz="1100">
-                        <a:effectLst/>
-                        <a:latin typeface="Calibri" panose="020F0502020204030204" pitchFamily="34" charset="0"/>
-                        <a:ea typeface="Calibri" panose="020F0502020204030204" pitchFamily="34" charset="0"/>
-                        <a:cs typeface="Times New Roman" panose="02020603050405020304" pitchFamily="18" charset="0"/>
-                      </a:endParaRPr>
-                    </a:p>
-                  </a:txBody>
-                  <a:tcPr marL="68580" marR="68580" marT="0" marB="0" anchor="ctr"/>
-                </a:tc>
-                <a:tc>
-                  <a:txBody>
-                    <a:bodyPr/>
-                    <a:lstStyle/>
-                    <a:p>
-                      <a:pPr algn="ctr">
-                        <a:lnSpc>
-                          <a:spcPct val="107000"/>
-                        </a:lnSpc>
-                        <a:spcAft>
-                          <a:spcPts val="800"/>
-                        </a:spcAft>
-                      </a:pPr>
-                      <a:r>
-                        <a:rPr lang="en-IN" sz="1100">
-                          <a:effectLst/>
-                        </a:rPr>
-                        <a:t>61.87%</a:t>
-                      </a:r>
-                      <a:endParaRPr lang="en-IN" sz="1100">
-                        <a:effectLst/>
-                        <a:latin typeface="Calibri" panose="020F0502020204030204" pitchFamily="34" charset="0"/>
-                        <a:ea typeface="Calibri" panose="020F0502020204030204" pitchFamily="34" charset="0"/>
-                        <a:cs typeface="Times New Roman" panose="02020603050405020304" pitchFamily="18" charset="0"/>
-                      </a:endParaRPr>
-                    </a:p>
-                  </a:txBody>
-                  <a:tcPr marL="68580" marR="68580" marT="0" marB="0" anchor="ctr"/>
-                </a:tc>
-                <a:tc>
-                  <a:txBody>
-                    <a:bodyPr/>
-                    <a:lstStyle/>
-                    <a:p>
-                      <a:pPr algn="ctr">
-                        <a:lnSpc>
-                          <a:spcPct val="107000"/>
-                        </a:lnSpc>
-                        <a:spcAft>
-                          <a:spcPts val="800"/>
-                        </a:spcAft>
-                      </a:pPr>
-                      <a:r>
-                        <a:rPr lang="en-IN" sz="1100">
-                          <a:effectLst/>
-                        </a:rPr>
-                        <a:t>51.06%</a:t>
-                      </a:r>
-                      <a:endParaRPr lang="en-IN" sz="1100">
-                        <a:effectLst/>
-                        <a:latin typeface="Calibri" panose="020F0502020204030204" pitchFamily="34" charset="0"/>
-                        <a:ea typeface="Calibri" panose="020F0502020204030204" pitchFamily="34" charset="0"/>
-                        <a:cs typeface="Times New Roman" panose="02020603050405020304" pitchFamily="18" charset="0"/>
-                      </a:endParaRPr>
-                    </a:p>
-                  </a:txBody>
-                  <a:tcPr marL="68580" marR="68580" marT="0" marB="0" anchor="ctr"/>
-                </a:tc>
-                <a:tc>
-                  <a:txBody>
-                    <a:bodyPr/>
-                    <a:lstStyle/>
-                    <a:p>
-                      <a:pPr algn="ctr">
-                        <a:lnSpc>
-                          <a:spcPct val="107000"/>
-                        </a:lnSpc>
-                        <a:spcAft>
-                          <a:spcPts val="800"/>
-                        </a:spcAft>
-                      </a:pPr>
-                      <a:r>
-                        <a:rPr lang="en-IN" sz="1100">
-                          <a:effectLst/>
-                        </a:rPr>
-                        <a:t>45.39%</a:t>
-                      </a:r>
-                      <a:endParaRPr lang="en-IN" sz="1100">
-                        <a:effectLst/>
-                        <a:latin typeface="Calibri" panose="020F0502020204030204" pitchFamily="34" charset="0"/>
-                        <a:ea typeface="Calibri" panose="020F0502020204030204" pitchFamily="34" charset="0"/>
-                        <a:cs typeface="Times New Roman" panose="02020603050405020304" pitchFamily="18" charset="0"/>
-                      </a:endParaRPr>
-                    </a:p>
-                  </a:txBody>
-                  <a:tcPr marL="68580" marR="68580" marT="0" marB="0" anchor="ctr"/>
-                </a:tc>
-                <a:extLst>
-                  <a:ext uri="{0D108BD9-81ED-4DB2-BD59-A6C34878D82A}">
-                    <a16:rowId xmlns:a16="http://schemas.microsoft.com/office/drawing/2014/main" val="4277568782"/>
-                  </a:ext>
-                </a:extLst>
-              </a:tr>
-              <a:tr h="202646">
-                <a:tc>
-                  <a:txBody>
-                    <a:bodyPr/>
-                    <a:lstStyle/>
-                    <a:p>
-                      <a:pPr algn="ctr">
-                        <a:lnSpc>
-                          <a:spcPct val="107000"/>
-                        </a:lnSpc>
-                        <a:spcAft>
-                          <a:spcPts val="800"/>
-                        </a:spcAft>
-                      </a:pPr>
-                      <a:r>
-                        <a:rPr lang="en-IN" sz="1200">
-                          <a:effectLst/>
-                        </a:rPr>
-                        <a:t>NPV</a:t>
-                      </a:r>
-                      <a:endParaRPr lang="en-IN" sz="1100">
-                        <a:effectLst/>
-                        <a:latin typeface="Calibri" panose="020F0502020204030204" pitchFamily="34" charset="0"/>
-                        <a:ea typeface="Calibri" panose="020F0502020204030204" pitchFamily="34" charset="0"/>
-                        <a:cs typeface="Times New Roman" panose="02020603050405020304" pitchFamily="18" charset="0"/>
-                      </a:endParaRPr>
-                    </a:p>
-                  </a:txBody>
-                  <a:tcPr marL="68580" marR="68580" marT="0" marB="0" anchor="ctr"/>
-                </a:tc>
-                <a:tc>
-                  <a:txBody>
-                    <a:bodyPr/>
-                    <a:lstStyle/>
-                    <a:p>
-                      <a:pPr algn="ctr">
-                        <a:lnSpc>
-                          <a:spcPct val="107000"/>
-                        </a:lnSpc>
-                        <a:spcAft>
-                          <a:spcPts val="800"/>
-                        </a:spcAft>
-                      </a:pPr>
-                      <a:r>
-                        <a:rPr lang="en-IN" sz="1100">
-                          <a:effectLst/>
-                        </a:rPr>
-                        <a:t>153.38</a:t>
-                      </a:r>
-                      <a:endParaRPr lang="en-IN" sz="1100">
-                        <a:effectLst/>
-                        <a:latin typeface="Calibri" panose="020F0502020204030204" pitchFamily="34" charset="0"/>
-                        <a:ea typeface="Calibri" panose="020F0502020204030204" pitchFamily="34" charset="0"/>
-                        <a:cs typeface="Times New Roman" panose="02020603050405020304" pitchFamily="18" charset="0"/>
-                      </a:endParaRPr>
-                    </a:p>
-                  </a:txBody>
-                  <a:tcPr marL="68580" marR="68580" marT="0" marB="0" anchor="ctr"/>
-                </a:tc>
-                <a:tc>
-                  <a:txBody>
-                    <a:bodyPr/>
-                    <a:lstStyle/>
-                    <a:p>
-                      <a:pPr algn="ctr">
-                        <a:lnSpc>
-                          <a:spcPct val="107000"/>
-                        </a:lnSpc>
-                        <a:spcAft>
-                          <a:spcPts val="800"/>
-                        </a:spcAft>
-                      </a:pPr>
-                      <a:r>
-                        <a:rPr lang="en-IN" sz="1100">
-                          <a:effectLst/>
-                        </a:rPr>
-                        <a:t>197.68</a:t>
-                      </a:r>
-                      <a:endParaRPr lang="en-IN" sz="1100">
-                        <a:effectLst/>
-                        <a:latin typeface="Calibri" panose="020F0502020204030204" pitchFamily="34" charset="0"/>
-                        <a:ea typeface="Calibri" panose="020F0502020204030204" pitchFamily="34" charset="0"/>
-                        <a:cs typeface="Times New Roman" panose="02020603050405020304" pitchFamily="18" charset="0"/>
-                      </a:endParaRPr>
-                    </a:p>
-                  </a:txBody>
-                  <a:tcPr marL="68580" marR="68580" marT="0" marB="0" anchor="ctr"/>
-                </a:tc>
-                <a:tc>
-                  <a:txBody>
-                    <a:bodyPr/>
-                    <a:lstStyle/>
-                    <a:p>
-                      <a:pPr algn="ctr">
-                        <a:lnSpc>
-                          <a:spcPct val="107000"/>
-                        </a:lnSpc>
-                        <a:spcAft>
-                          <a:spcPts val="800"/>
-                        </a:spcAft>
-                      </a:pPr>
-                      <a:r>
-                        <a:rPr lang="en-IN" sz="1100">
-                          <a:effectLst/>
-                        </a:rPr>
-                        <a:t>175.53</a:t>
-                      </a:r>
-                      <a:endParaRPr lang="en-IN" sz="1100">
-                        <a:effectLst/>
-                        <a:latin typeface="Calibri" panose="020F0502020204030204" pitchFamily="34" charset="0"/>
-                        <a:ea typeface="Calibri" panose="020F0502020204030204" pitchFamily="34" charset="0"/>
-                        <a:cs typeface="Times New Roman" panose="02020603050405020304" pitchFamily="18" charset="0"/>
-                      </a:endParaRPr>
-                    </a:p>
-                  </a:txBody>
-                  <a:tcPr marL="68580" marR="68580" marT="0" marB="0" anchor="ctr"/>
-                </a:tc>
-                <a:tc>
-                  <a:txBody>
-                    <a:bodyPr/>
-                    <a:lstStyle/>
-                    <a:p>
-                      <a:pPr algn="ctr">
-                        <a:lnSpc>
-                          <a:spcPct val="107000"/>
-                        </a:lnSpc>
-                        <a:spcAft>
-                          <a:spcPts val="800"/>
-                        </a:spcAft>
-                      </a:pPr>
-                      <a:r>
-                        <a:rPr lang="en-IN" sz="1100">
-                          <a:effectLst/>
-                        </a:rPr>
-                        <a:t>131.23</a:t>
-                      </a:r>
-                      <a:endParaRPr lang="en-IN" sz="1100">
-                        <a:effectLst/>
-                        <a:latin typeface="Calibri" panose="020F0502020204030204" pitchFamily="34" charset="0"/>
-                        <a:ea typeface="Calibri" panose="020F0502020204030204" pitchFamily="34" charset="0"/>
-                        <a:cs typeface="Times New Roman" panose="02020603050405020304" pitchFamily="18" charset="0"/>
-                      </a:endParaRPr>
-                    </a:p>
-                  </a:txBody>
-                  <a:tcPr marL="68580" marR="68580" marT="0" marB="0" anchor="ctr"/>
-                </a:tc>
-                <a:tc>
-                  <a:txBody>
-                    <a:bodyPr/>
-                    <a:lstStyle/>
-                    <a:p>
-                      <a:pPr algn="ctr">
-                        <a:lnSpc>
-                          <a:spcPct val="107000"/>
-                        </a:lnSpc>
-                        <a:spcAft>
-                          <a:spcPts val="800"/>
-                        </a:spcAft>
-                      </a:pPr>
-                      <a:r>
-                        <a:rPr lang="en-IN" sz="1100" dirty="0">
-                          <a:effectLst/>
-                        </a:rPr>
-                        <a:t>109.08</a:t>
-                      </a:r>
-                      <a:endParaRPr lang="en-IN" sz="1100" dirty="0">
-                        <a:effectLst/>
-                        <a:latin typeface="Calibri" panose="020F0502020204030204" pitchFamily="34" charset="0"/>
-                        <a:ea typeface="Calibri" panose="020F0502020204030204" pitchFamily="34" charset="0"/>
-                        <a:cs typeface="Times New Roman" panose="02020603050405020304" pitchFamily="18" charset="0"/>
-                      </a:endParaRPr>
-                    </a:p>
-                  </a:txBody>
-                  <a:tcPr marL="68580" marR="68580" marT="0" marB="0" anchor="ctr"/>
-                </a:tc>
-                <a:extLst>
-                  <a:ext uri="{0D108BD9-81ED-4DB2-BD59-A6C34878D82A}">
-                    <a16:rowId xmlns:a16="http://schemas.microsoft.com/office/drawing/2014/main" val="2322521773"/>
-                  </a:ext>
-                </a:extLst>
-              </a:tr>
-            </a:tbl>
-          </a:graphicData>
-        </a:graphic>
-      </p:graphicFrame>
     </p:spTree>
     <p:extLst>
       <p:ext uri="{BB962C8B-B14F-4D97-AF65-F5344CB8AC3E}">
